--- a/Thiet_ke_Du_lieu.pptx
+++ b/Thiet_ke_Du_lieu.pptx
@@ -1,11 +1,15 @@
 
 <file path=ppt/presentation.xml><?xml version="1.0" encoding="utf-8"?>
-<p:presentation xmlns:a="http://schemas.openxmlformats.org/drawingml/2006/main" xmlns:r="http://schemas.openxmlformats.org/officeDocument/2006/relationships" xmlns:p="http://schemas.openxmlformats.org/presentationml/2006/main" saveSubsetFonts="1">
+<p:presentation xmlns:a="http://schemas.openxmlformats.org/drawingml/2006/main" xmlns:r="http://schemas.openxmlformats.org/officeDocument/2006/relationships" xmlns:p="http://schemas.openxmlformats.org/presentationml/2006/main">
   <p:sldMasterIdLst>
     <p:sldMasterId id="2147483648" r:id="rId1"/>
+    <p:sldMasterId id="2147483660" r:id="rId3"/>
   </p:sldMasterIdLst>
   <p:sldIdLst>
-    <p:sldId id="256" r:id="rId2"/>
+    <p:sldId id="256" r:id="rId4"/>
+    <p:sldId id="257" r:id="rId5"/>
+    <p:sldId id="258" r:id="rId6"/>
+    <p:sldId id="260" r:id="rId7"/>
   </p:sldIdLst>
   <p:sldSz cx="12192000" cy="6858000"/>
   <p:notesSz cx="6858000" cy="9144000"/>
@@ -126,13 +130,7 @@
       </p:grpSpPr>
       <p:sp>
         <p:nvSpPr>
-          <p:cNvPr id="2" name="Title 1">
-            <a:extLst>
-              <a:ext uri="{FF2B5EF4-FFF2-40B4-BE49-F238E27FC236}">
-                <a16:creationId xmlns:a16="http://schemas.microsoft.com/office/drawing/2014/main" id="{CFC2D591-530B-76C2-3BCC-3DE722DC86D6}"/>
-              </a:ext>
-            </a:extLst>
-          </p:cNvPr>
+          <p:cNvPr id="2" name="Title 1"/>
           <p:cNvSpPr>
             <a:spLocks noGrp="1"/>
           </p:cNvSpPr>
@@ -158,18 +156,13 @@
               <a:rPr lang="en-US"/>
               <a:t>Click to edit Master title style</a:t>
             </a:r>
-          </a:p>
-        </p:txBody>
-      </p:sp>
-      <p:sp>
-        <p:nvSpPr>
-          <p:cNvPr id="3" name="Subtitle 2">
-            <a:extLst>
-              <a:ext uri="{FF2B5EF4-FFF2-40B4-BE49-F238E27FC236}">
-                <a16:creationId xmlns:a16="http://schemas.microsoft.com/office/drawing/2014/main" id="{4F273AFA-319B-63A7-8C76-8C31603AAD8F}"/>
-              </a:ext>
-            </a:extLst>
-          </p:cNvPr>
+            <a:endParaRPr lang="en-US"/>
+          </a:p>
+        </p:txBody>
+      </p:sp>
+      <p:sp>
+        <p:nvSpPr>
+          <p:cNvPr id="3" name="Subtitle 2"/>
           <p:cNvSpPr>
             <a:spLocks noGrp="1"/>
           </p:cNvSpPr>
@@ -228,18 +221,13 @@
               <a:rPr lang="en-US"/>
               <a:t>Click to edit Master subtitle style</a:t>
             </a:r>
-          </a:p>
-        </p:txBody>
-      </p:sp>
-      <p:sp>
-        <p:nvSpPr>
-          <p:cNvPr id="4" name="Date Placeholder 3">
-            <a:extLst>
-              <a:ext uri="{FF2B5EF4-FFF2-40B4-BE49-F238E27FC236}">
-                <a16:creationId xmlns:a16="http://schemas.microsoft.com/office/drawing/2014/main" id="{C02A4E9F-2E3C-9CBC-5AFA-B009E18701CF}"/>
-              </a:ext>
-            </a:extLst>
-          </p:cNvPr>
+            <a:endParaRPr lang="en-US"/>
+          </a:p>
+        </p:txBody>
+      </p:sp>
+      <p:sp>
+        <p:nvSpPr>
+          <p:cNvPr id="4" name="Date Placeholder 3"/>
           <p:cNvSpPr>
             <a:spLocks noGrp="1"/>
           </p:cNvSpPr>
@@ -254,7 +242,6 @@
           <a:p>
             <a:fld id="{C01F4AEB-7D51-411C-8CB3-D6998BF4FFE0}" type="datetimeFigureOut">
               <a:rPr lang="en-US" smtClean="0"/>
-              <a:t>9/16/2025</a:t>
             </a:fld>
             <a:endParaRPr lang="en-US"/>
           </a:p>
@@ -262,13 +249,7 @@
       </p:sp>
       <p:sp>
         <p:nvSpPr>
-          <p:cNvPr id="5" name="Footer Placeholder 4">
-            <a:extLst>
-              <a:ext uri="{FF2B5EF4-FFF2-40B4-BE49-F238E27FC236}">
-                <a16:creationId xmlns:a16="http://schemas.microsoft.com/office/drawing/2014/main" id="{339D1F8C-927C-4180-8785-5718A124E5B2}"/>
-              </a:ext>
-            </a:extLst>
-          </p:cNvPr>
+          <p:cNvPr id="5" name="Footer Placeholder 4"/>
           <p:cNvSpPr>
             <a:spLocks noGrp="1"/>
           </p:cNvSpPr>
@@ -287,13 +268,7 @@
       </p:sp>
       <p:sp>
         <p:nvSpPr>
-          <p:cNvPr id="6" name="Slide Number Placeholder 5">
-            <a:extLst>
-              <a:ext uri="{FF2B5EF4-FFF2-40B4-BE49-F238E27FC236}">
-                <a16:creationId xmlns:a16="http://schemas.microsoft.com/office/drawing/2014/main" id="{AFE865BF-9591-67CE-E58A-05286CA21F3D}"/>
-              </a:ext>
-            </a:extLst>
-          </p:cNvPr>
+          <p:cNvPr id="6" name="Slide Number Placeholder 5"/>
           <p:cNvSpPr>
             <a:spLocks noGrp="1"/>
           </p:cNvSpPr>
@@ -308,18 +283,12 @@
           <a:p>
             <a:fld id="{1524FC1B-6581-444F-963F-403D84570D21}" type="slidenum">
               <a:rPr lang="en-US" smtClean="0"/>
-              <a:t>‹#›</a:t>
             </a:fld>
             <a:endParaRPr lang="en-US"/>
           </a:p>
         </p:txBody>
       </p:sp>
     </p:spTree>
-    <p:extLst>
-      <p:ext uri="{BB962C8B-B14F-4D97-AF65-F5344CB8AC3E}">
-        <p14:creationId xmlns:p14="http://schemas.microsoft.com/office/powerpoint/2010/main" val="1396530229"/>
-      </p:ext>
-    </p:extLst>
   </p:cSld>
   <p:clrMapOvr>
     <a:masterClrMapping/>
@@ -346,13 +315,7 @@
       </p:grpSpPr>
       <p:sp>
         <p:nvSpPr>
-          <p:cNvPr id="2" name="Title 1">
-            <a:extLst>
-              <a:ext uri="{FF2B5EF4-FFF2-40B4-BE49-F238E27FC236}">
-                <a16:creationId xmlns:a16="http://schemas.microsoft.com/office/drawing/2014/main" id="{CC04CAFE-834D-48CB-9E91-8D6452027AE7}"/>
-              </a:ext>
-            </a:extLst>
-          </p:cNvPr>
+          <p:cNvPr id="2" name="Title 1"/>
           <p:cNvSpPr>
             <a:spLocks noGrp="1"/>
           </p:cNvSpPr>
@@ -369,18 +332,13 @@
               <a:rPr lang="en-US"/>
               <a:t>Click to edit Master title style</a:t>
             </a:r>
-          </a:p>
-        </p:txBody>
-      </p:sp>
-      <p:sp>
-        <p:nvSpPr>
-          <p:cNvPr id="3" name="Vertical Text Placeholder 2">
-            <a:extLst>
-              <a:ext uri="{FF2B5EF4-FFF2-40B4-BE49-F238E27FC236}">
-                <a16:creationId xmlns:a16="http://schemas.microsoft.com/office/drawing/2014/main" id="{8EB99DE7-DEC6-BD46-0B4E-9496C336A203}"/>
-              </a:ext>
-            </a:extLst>
-          </p:cNvPr>
+            <a:endParaRPr lang="en-US"/>
+          </a:p>
+        </p:txBody>
+      </p:sp>
+      <p:sp>
+        <p:nvSpPr>
+          <p:cNvPr id="3" name="Vertical Text Placeholder 2"/>
           <p:cNvSpPr>
             <a:spLocks noGrp="1"/>
           </p:cNvSpPr>
@@ -398,6 +356,7 @@
               <a:rPr lang="en-US"/>
               <a:t>Click to edit Master text styles</a:t>
             </a:r>
+            <a:endParaRPr lang="en-US"/>
           </a:p>
           <a:p>
             <a:pPr lvl="1"/>
@@ -405,6 +364,7 @@
               <a:rPr lang="en-US"/>
               <a:t>Second level</a:t>
             </a:r>
+            <a:endParaRPr lang="en-US"/>
           </a:p>
           <a:p>
             <a:pPr lvl="2"/>
@@ -412,6 +372,7 @@
               <a:rPr lang="en-US"/>
               <a:t>Third level</a:t>
             </a:r>
+            <a:endParaRPr lang="en-US"/>
           </a:p>
           <a:p>
             <a:pPr lvl="3"/>
@@ -419,6 +380,7 @@
               <a:rPr lang="en-US"/>
               <a:t>Fourth level</a:t>
             </a:r>
+            <a:endParaRPr lang="en-US"/>
           </a:p>
           <a:p>
             <a:pPr lvl="4"/>
@@ -426,18 +388,13 @@
               <a:rPr lang="en-US"/>
               <a:t>Fifth level</a:t>
             </a:r>
-          </a:p>
-        </p:txBody>
-      </p:sp>
-      <p:sp>
-        <p:nvSpPr>
-          <p:cNvPr id="4" name="Date Placeholder 3">
-            <a:extLst>
-              <a:ext uri="{FF2B5EF4-FFF2-40B4-BE49-F238E27FC236}">
-                <a16:creationId xmlns:a16="http://schemas.microsoft.com/office/drawing/2014/main" id="{D953CF47-1BC5-0EAB-CF56-83D5E4EE0BCF}"/>
-              </a:ext>
-            </a:extLst>
-          </p:cNvPr>
+            <a:endParaRPr lang="en-US"/>
+          </a:p>
+        </p:txBody>
+      </p:sp>
+      <p:sp>
+        <p:nvSpPr>
+          <p:cNvPr id="4" name="Date Placeholder 3"/>
           <p:cNvSpPr>
             <a:spLocks noGrp="1"/>
           </p:cNvSpPr>
@@ -452,7 +409,6 @@
           <a:p>
             <a:fld id="{C01F4AEB-7D51-411C-8CB3-D6998BF4FFE0}" type="datetimeFigureOut">
               <a:rPr lang="en-US" smtClean="0"/>
-              <a:t>9/16/2025</a:t>
             </a:fld>
             <a:endParaRPr lang="en-US"/>
           </a:p>
@@ -460,13 +416,7 @@
       </p:sp>
       <p:sp>
         <p:nvSpPr>
-          <p:cNvPr id="5" name="Footer Placeholder 4">
-            <a:extLst>
-              <a:ext uri="{FF2B5EF4-FFF2-40B4-BE49-F238E27FC236}">
-                <a16:creationId xmlns:a16="http://schemas.microsoft.com/office/drawing/2014/main" id="{EC7DB397-1E10-0F53-8BD4-A6A296DC15FD}"/>
-              </a:ext>
-            </a:extLst>
-          </p:cNvPr>
+          <p:cNvPr id="5" name="Footer Placeholder 4"/>
           <p:cNvSpPr>
             <a:spLocks noGrp="1"/>
           </p:cNvSpPr>
@@ -485,13 +435,7 @@
       </p:sp>
       <p:sp>
         <p:nvSpPr>
-          <p:cNvPr id="6" name="Slide Number Placeholder 5">
-            <a:extLst>
-              <a:ext uri="{FF2B5EF4-FFF2-40B4-BE49-F238E27FC236}">
-                <a16:creationId xmlns:a16="http://schemas.microsoft.com/office/drawing/2014/main" id="{225BE9F0-3DAF-F830-510C-ADF1A79A3D32}"/>
-              </a:ext>
-            </a:extLst>
-          </p:cNvPr>
+          <p:cNvPr id="6" name="Slide Number Placeholder 5"/>
           <p:cNvSpPr>
             <a:spLocks noGrp="1"/>
           </p:cNvSpPr>
@@ -506,18 +450,12 @@
           <a:p>
             <a:fld id="{1524FC1B-6581-444F-963F-403D84570D21}" type="slidenum">
               <a:rPr lang="en-US" smtClean="0"/>
-              <a:t>‹#›</a:t>
             </a:fld>
             <a:endParaRPr lang="en-US"/>
           </a:p>
         </p:txBody>
       </p:sp>
     </p:spTree>
-    <p:extLst>
-      <p:ext uri="{BB962C8B-B14F-4D97-AF65-F5344CB8AC3E}">
-        <p14:creationId xmlns:p14="http://schemas.microsoft.com/office/powerpoint/2010/main" val="4205365678"/>
-      </p:ext>
-    </p:extLst>
   </p:cSld>
   <p:clrMapOvr>
     <a:masterClrMapping/>
@@ -544,13 +482,7 @@
       </p:grpSpPr>
       <p:sp>
         <p:nvSpPr>
-          <p:cNvPr id="2" name="Vertical Title 1">
-            <a:extLst>
-              <a:ext uri="{FF2B5EF4-FFF2-40B4-BE49-F238E27FC236}">
-                <a16:creationId xmlns:a16="http://schemas.microsoft.com/office/drawing/2014/main" id="{1E493B62-8078-84CF-C703-ECD72CD1A62F}"/>
-              </a:ext>
-            </a:extLst>
-          </p:cNvPr>
+          <p:cNvPr id="2" name="Vertical Title 1"/>
           <p:cNvSpPr>
             <a:spLocks noGrp="1"/>
           </p:cNvSpPr>
@@ -572,18 +504,13 @@
               <a:rPr lang="en-US"/>
               <a:t>Click to edit Master title style</a:t>
             </a:r>
-          </a:p>
-        </p:txBody>
-      </p:sp>
-      <p:sp>
-        <p:nvSpPr>
-          <p:cNvPr id="3" name="Vertical Text Placeholder 2">
-            <a:extLst>
-              <a:ext uri="{FF2B5EF4-FFF2-40B4-BE49-F238E27FC236}">
-                <a16:creationId xmlns:a16="http://schemas.microsoft.com/office/drawing/2014/main" id="{276ED97C-81C6-0EFC-0DC4-87F7E19384F4}"/>
-              </a:ext>
-            </a:extLst>
-          </p:cNvPr>
+            <a:endParaRPr lang="en-US"/>
+          </a:p>
+        </p:txBody>
+      </p:sp>
+      <p:sp>
+        <p:nvSpPr>
+          <p:cNvPr id="3" name="Vertical Text Placeholder 2"/>
           <p:cNvSpPr>
             <a:spLocks noGrp="1"/>
           </p:cNvSpPr>
@@ -606,6 +533,7 @@
               <a:rPr lang="en-US"/>
               <a:t>Click to edit Master text styles</a:t>
             </a:r>
+            <a:endParaRPr lang="en-US"/>
           </a:p>
           <a:p>
             <a:pPr lvl="1"/>
@@ -613,6 +541,7 @@
               <a:rPr lang="en-US"/>
               <a:t>Second level</a:t>
             </a:r>
+            <a:endParaRPr lang="en-US"/>
           </a:p>
           <a:p>
             <a:pPr lvl="2"/>
@@ -620,6 +549,7 @@
               <a:rPr lang="en-US"/>
               <a:t>Third level</a:t>
             </a:r>
+            <a:endParaRPr lang="en-US"/>
           </a:p>
           <a:p>
             <a:pPr lvl="3"/>
@@ -627,6 +557,7 @@
               <a:rPr lang="en-US"/>
               <a:t>Fourth level</a:t>
             </a:r>
+            <a:endParaRPr lang="en-US"/>
           </a:p>
           <a:p>
             <a:pPr lvl="4"/>
@@ -634,18 +565,13 @@
               <a:rPr lang="en-US"/>
               <a:t>Fifth level</a:t>
             </a:r>
-          </a:p>
-        </p:txBody>
-      </p:sp>
-      <p:sp>
-        <p:nvSpPr>
-          <p:cNvPr id="4" name="Date Placeholder 3">
-            <a:extLst>
-              <a:ext uri="{FF2B5EF4-FFF2-40B4-BE49-F238E27FC236}">
-                <a16:creationId xmlns:a16="http://schemas.microsoft.com/office/drawing/2014/main" id="{DA40D8F4-B72B-E243-7E0C-F05813110137}"/>
-              </a:ext>
-            </a:extLst>
-          </p:cNvPr>
+            <a:endParaRPr lang="en-US"/>
+          </a:p>
+        </p:txBody>
+      </p:sp>
+      <p:sp>
+        <p:nvSpPr>
+          <p:cNvPr id="4" name="Date Placeholder 3"/>
           <p:cNvSpPr>
             <a:spLocks noGrp="1"/>
           </p:cNvSpPr>
@@ -660,7 +586,6 @@
           <a:p>
             <a:fld id="{C01F4AEB-7D51-411C-8CB3-D6998BF4FFE0}" type="datetimeFigureOut">
               <a:rPr lang="en-US" smtClean="0"/>
-              <a:t>9/16/2025</a:t>
             </a:fld>
             <a:endParaRPr lang="en-US"/>
           </a:p>
@@ -668,13 +593,7 @@
       </p:sp>
       <p:sp>
         <p:nvSpPr>
-          <p:cNvPr id="5" name="Footer Placeholder 4">
-            <a:extLst>
-              <a:ext uri="{FF2B5EF4-FFF2-40B4-BE49-F238E27FC236}">
-                <a16:creationId xmlns:a16="http://schemas.microsoft.com/office/drawing/2014/main" id="{812760F5-55F2-1D03-EFD8-C2B7769A93E2}"/>
-              </a:ext>
-            </a:extLst>
-          </p:cNvPr>
+          <p:cNvPr id="5" name="Footer Placeholder 4"/>
           <p:cNvSpPr>
             <a:spLocks noGrp="1"/>
           </p:cNvSpPr>
@@ -693,13 +612,7 @@
       </p:sp>
       <p:sp>
         <p:nvSpPr>
-          <p:cNvPr id="6" name="Slide Number Placeholder 5">
-            <a:extLst>
-              <a:ext uri="{FF2B5EF4-FFF2-40B4-BE49-F238E27FC236}">
-                <a16:creationId xmlns:a16="http://schemas.microsoft.com/office/drawing/2014/main" id="{F410C732-C579-7716-36C5-8E8BABEC9CEA}"/>
-              </a:ext>
-            </a:extLst>
-          </p:cNvPr>
+          <p:cNvPr id="6" name="Slide Number Placeholder 5"/>
           <p:cNvSpPr>
             <a:spLocks noGrp="1"/>
           </p:cNvSpPr>
@@ -714,18 +627,12 @@
           <a:p>
             <a:fld id="{1524FC1B-6581-444F-963F-403D84570D21}" type="slidenum">
               <a:rPr lang="en-US" smtClean="0"/>
-              <a:t>‹#›</a:t>
             </a:fld>
             <a:endParaRPr lang="en-US"/>
           </a:p>
         </p:txBody>
       </p:sp>
     </p:spTree>
-    <p:extLst>
-      <p:ext uri="{BB962C8B-B14F-4D97-AF65-F5344CB8AC3E}">
-        <p14:creationId xmlns:p14="http://schemas.microsoft.com/office/powerpoint/2010/main" val="319758395"/>
-      </p:ext>
-    </p:extLst>
   </p:cSld>
   <p:clrMapOvr>
     <a:masterClrMapping/>
@@ -733,7 +640,192 @@
 </p:sldLayout>
 </file>
 
-<file path=ppt/slideLayouts/slideLayout2.xml><?xml version="1.0" encoding="utf-8"?>
+<file path=ppt/slideLayouts/slideLayout12.xml><?xml version="1.0" encoding="utf-8"?>
+<p:sldLayout xmlns:a="http://schemas.openxmlformats.org/drawingml/2006/main" xmlns:r="http://schemas.openxmlformats.org/officeDocument/2006/relationships" xmlns:p="http://schemas.openxmlformats.org/presentationml/2006/main" type="title" preserve="1">
+  <p:cSld name="Title Slide">
+    <p:spTree>
+      <p:nvGrpSpPr>
+        <p:cNvPr id="1" name=""/>
+        <p:cNvGrpSpPr/>
+        <p:nvPr/>
+      </p:nvGrpSpPr>
+      <p:grpSpPr>
+        <a:xfrm>
+          <a:off x="0" y="0"/>
+          <a:ext cx="0" cy="0"/>
+          <a:chOff x="0" y="0"/>
+          <a:chExt cx="0" cy="0"/>
+        </a:xfrm>
+      </p:grpSpPr>
+      <p:sp>
+        <p:nvSpPr>
+          <p:cNvPr id="2" name="Title 1"/>
+          <p:cNvSpPr>
+            <a:spLocks noGrp="1"/>
+          </p:cNvSpPr>
+          <p:nvPr>
+            <p:ph type="ctrTitle"/>
+          </p:nvPr>
+        </p:nvSpPr>
+        <p:spPr>
+          <a:xfrm>
+            <a:off x="1524000" y="1122363"/>
+            <a:ext cx="9144000" cy="2387600"/>
+          </a:xfrm>
+        </p:spPr>
+        <p:txBody>
+          <a:bodyPr anchor="b"/>
+          <a:lstStyle>
+            <a:lvl1pPr algn="ctr">
+              <a:defRPr sz="6000"/>
+            </a:lvl1pPr>
+          </a:lstStyle>
+          <a:p>
+            <a:r>
+              <a:rPr lang="en-US"/>
+              <a:t>Click to edit Master title style</a:t>
+            </a:r>
+            <a:endParaRPr lang="en-US"/>
+          </a:p>
+        </p:txBody>
+      </p:sp>
+      <p:sp>
+        <p:nvSpPr>
+          <p:cNvPr id="3" name="Subtitle 2"/>
+          <p:cNvSpPr>
+            <a:spLocks noGrp="1"/>
+          </p:cNvSpPr>
+          <p:nvPr>
+            <p:ph type="subTitle" idx="1"/>
+          </p:nvPr>
+        </p:nvSpPr>
+        <p:spPr>
+          <a:xfrm>
+            <a:off x="1524000" y="3602038"/>
+            <a:ext cx="9144000" cy="1655762"/>
+          </a:xfrm>
+        </p:spPr>
+        <p:txBody>
+          <a:bodyPr/>
+          <a:lstStyle>
+            <a:lvl1pPr marL="0" indent="0" algn="ctr">
+              <a:buNone/>
+              <a:defRPr sz="2400"/>
+            </a:lvl1pPr>
+            <a:lvl2pPr marL="457200" indent="0" algn="ctr">
+              <a:buNone/>
+              <a:defRPr sz="2000"/>
+            </a:lvl2pPr>
+            <a:lvl3pPr marL="914400" indent="0" algn="ctr">
+              <a:buNone/>
+              <a:defRPr sz="1800"/>
+            </a:lvl3pPr>
+            <a:lvl4pPr marL="1371600" indent="0" algn="ctr">
+              <a:buNone/>
+              <a:defRPr sz="1600"/>
+            </a:lvl4pPr>
+            <a:lvl5pPr marL="1828800" indent="0" algn="ctr">
+              <a:buNone/>
+              <a:defRPr sz="1600"/>
+            </a:lvl5pPr>
+            <a:lvl6pPr marL="2286000" indent="0" algn="ctr">
+              <a:buNone/>
+              <a:defRPr sz="1600"/>
+            </a:lvl6pPr>
+            <a:lvl7pPr marL="2743200" indent="0" algn="ctr">
+              <a:buNone/>
+              <a:defRPr sz="1600"/>
+            </a:lvl7pPr>
+            <a:lvl8pPr marL="3200400" indent="0" algn="ctr">
+              <a:buNone/>
+              <a:defRPr sz="1600"/>
+            </a:lvl8pPr>
+            <a:lvl9pPr marL="3657600" indent="0" algn="ctr">
+              <a:buNone/>
+              <a:defRPr sz="1600"/>
+            </a:lvl9pPr>
+          </a:lstStyle>
+          <a:p>
+            <a:r>
+              <a:rPr lang="en-US"/>
+              <a:t>Click to edit Master subtitle style</a:t>
+            </a:r>
+            <a:endParaRPr lang="en-US"/>
+          </a:p>
+        </p:txBody>
+      </p:sp>
+      <p:sp>
+        <p:nvSpPr>
+          <p:cNvPr id="4" name="Date Placeholder 3"/>
+          <p:cNvSpPr>
+            <a:spLocks noGrp="1"/>
+          </p:cNvSpPr>
+          <p:nvPr>
+            <p:ph type="dt" sz="half" idx="10"/>
+          </p:nvPr>
+        </p:nvSpPr>
+        <p:spPr/>
+        <p:txBody>
+          <a:bodyPr/>
+          <a:lstStyle/>
+          <a:p>
+            <a:fld id="{C01F4AEB-7D51-411C-8CB3-D6998BF4FFE0}" type="datetimeFigureOut">
+              <a:rPr lang="en-US" smtClean="0"/>
+            </a:fld>
+            <a:endParaRPr lang="en-US"/>
+          </a:p>
+        </p:txBody>
+      </p:sp>
+      <p:sp>
+        <p:nvSpPr>
+          <p:cNvPr id="5" name="Footer Placeholder 4"/>
+          <p:cNvSpPr>
+            <a:spLocks noGrp="1"/>
+          </p:cNvSpPr>
+          <p:nvPr>
+            <p:ph type="ftr" sz="quarter" idx="11"/>
+          </p:nvPr>
+        </p:nvSpPr>
+        <p:spPr/>
+        <p:txBody>
+          <a:bodyPr/>
+          <a:lstStyle/>
+          <a:p>
+            <a:endParaRPr lang="en-US"/>
+          </a:p>
+        </p:txBody>
+      </p:sp>
+      <p:sp>
+        <p:nvSpPr>
+          <p:cNvPr id="6" name="Slide Number Placeholder 5"/>
+          <p:cNvSpPr>
+            <a:spLocks noGrp="1"/>
+          </p:cNvSpPr>
+          <p:nvPr>
+            <p:ph type="sldNum" sz="quarter" idx="12"/>
+          </p:nvPr>
+        </p:nvSpPr>
+        <p:spPr/>
+        <p:txBody>
+          <a:bodyPr/>
+          <a:lstStyle/>
+          <a:p>
+            <a:fld id="{1524FC1B-6581-444F-963F-403D84570D21}" type="slidenum">
+              <a:rPr lang="en-US" smtClean="0"/>
+            </a:fld>
+            <a:endParaRPr lang="en-US"/>
+          </a:p>
+        </p:txBody>
+      </p:sp>
+    </p:spTree>
+  </p:cSld>
+  <p:clrMapOvr>
+    <a:masterClrMapping/>
+  </p:clrMapOvr>
+</p:sldLayout>
+</file>
+
+<file path=ppt/slideLayouts/slideLayout13.xml><?xml version="1.0" encoding="utf-8"?>
 <p:sldLayout xmlns:a="http://schemas.openxmlformats.org/drawingml/2006/main" xmlns:r="http://schemas.openxmlformats.org/officeDocument/2006/relationships" xmlns:p="http://schemas.openxmlformats.org/presentationml/2006/main" type="obj" preserve="1">
   <p:cSld name="Title and Content">
     <p:spTree>
@@ -752,13 +844,7 @@
       </p:grpSpPr>
       <p:sp>
         <p:nvSpPr>
-          <p:cNvPr id="2" name="Title 1">
-            <a:extLst>
-              <a:ext uri="{FF2B5EF4-FFF2-40B4-BE49-F238E27FC236}">
-                <a16:creationId xmlns:a16="http://schemas.microsoft.com/office/drawing/2014/main" id="{038042B1-63F2-4114-BD3B-EB2CA0E87174}"/>
-              </a:ext>
-            </a:extLst>
-          </p:cNvPr>
+          <p:cNvPr id="2" name="Title 1"/>
           <p:cNvSpPr>
             <a:spLocks noGrp="1"/>
           </p:cNvSpPr>
@@ -775,18 +861,13 @@
               <a:rPr lang="en-US"/>
               <a:t>Click to edit Master title style</a:t>
             </a:r>
-          </a:p>
-        </p:txBody>
-      </p:sp>
-      <p:sp>
-        <p:nvSpPr>
-          <p:cNvPr id="3" name="Content Placeholder 2">
-            <a:extLst>
-              <a:ext uri="{FF2B5EF4-FFF2-40B4-BE49-F238E27FC236}">
-                <a16:creationId xmlns:a16="http://schemas.microsoft.com/office/drawing/2014/main" id="{B2A5A0F8-0AEE-0684-558F-DA8A347C1866}"/>
-              </a:ext>
-            </a:extLst>
-          </p:cNvPr>
+            <a:endParaRPr lang="en-US"/>
+          </a:p>
+        </p:txBody>
+      </p:sp>
+      <p:sp>
+        <p:nvSpPr>
+          <p:cNvPr id="3" name="Content Placeholder 2"/>
           <p:cNvSpPr>
             <a:spLocks noGrp="1"/>
           </p:cNvSpPr>
@@ -804,6 +885,7 @@
               <a:rPr lang="en-US"/>
               <a:t>Click to edit Master text styles</a:t>
             </a:r>
+            <a:endParaRPr lang="en-US"/>
           </a:p>
           <a:p>
             <a:pPr lvl="1"/>
@@ -811,6 +893,7 @@
               <a:rPr lang="en-US"/>
               <a:t>Second level</a:t>
             </a:r>
+            <a:endParaRPr lang="en-US"/>
           </a:p>
           <a:p>
             <a:pPr lvl="2"/>
@@ -818,6 +901,7 @@
               <a:rPr lang="en-US"/>
               <a:t>Third level</a:t>
             </a:r>
+            <a:endParaRPr lang="en-US"/>
           </a:p>
           <a:p>
             <a:pPr lvl="3"/>
@@ -825,6 +909,7 @@
               <a:rPr lang="en-US"/>
               <a:t>Fourth level</a:t>
             </a:r>
+            <a:endParaRPr lang="en-US"/>
           </a:p>
           <a:p>
             <a:pPr lvl="4"/>
@@ -832,18 +917,13 @@
               <a:rPr lang="en-US"/>
               <a:t>Fifth level</a:t>
             </a:r>
-          </a:p>
-        </p:txBody>
-      </p:sp>
-      <p:sp>
-        <p:nvSpPr>
-          <p:cNvPr id="4" name="Date Placeholder 3">
-            <a:extLst>
-              <a:ext uri="{FF2B5EF4-FFF2-40B4-BE49-F238E27FC236}">
-                <a16:creationId xmlns:a16="http://schemas.microsoft.com/office/drawing/2014/main" id="{E3282B76-4937-AC43-0C2F-857B3ADDE3AD}"/>
-              </a:ext>
-            </a:extLst>
-          </p:cNvPr>
+            <a:endParaRPr lang="en-US"/>
+          </a:p>
+        </p:txBody>
+      </p:sp>
+      <p:sp>
+        <p:nvSpPr>
+          <p:cNvPr id="4" name="Date Placeholder 3"/>
           <p:cNvSpPr>
             <a:spLocks noGrp="1"/>
           </p:cNvSpPr>
@@ -858,7 +938,6 @@
           <a:p>
             <a:fld id="{C01F4AEB-7D51-411C-8CB3-D6998BF4FFE0}" type="datetimeFigureOut">
               <a:rPr lang="en-US" smtClean="0"/>
-              <a:t>9/16/2025</a:t>
             </a:fld>
             <a:endParaRPr lang="en-US"/>
           </a:p>
@@ -866,13 +945,7 @@
       </p:sp>
       <p:sp>
         <p:nvSpPr>
-          <p:cNvPr id="5" name="Footer Placeholder 4">
-            <a:extLst>
-              <a:ext uri="{FF2B5EF4-FFF2-40B4-BE49-F238E27FC236}">
-                <a16:creationId xmlns:a16="http://schemas.microsoft.com/office/drawing/2014/main" id="{A91F3D07-32CD-9055-1185-4C3BF2D48F34}"/>
-              </a:ext>
-            </a:extLst>
-          </p:cNvPr>
+          <p:cNvPr id="5" name="Footer Placeholder 4"/>
           <p:cNvSpPr>
             <a:spLocks noGrp="1"/>
           </p:cNvSpPr>
@@ -891,13 +964,7 @@
       </p:sp>
       <p:sp>
         <p:nvSpPr>
-          <p:cNvPr id="6" name="Slide Number Placeholder 5">
-            <a:extLst>
-              <a:ext uri="{FF2B5EF4-FFF2-40B4-BE49-F238E27FC236}">
-                <a16:creationId xmlns:a16="http://schemas.microsoft.com/office/drawing/2014/main" id="{FAA78548-B47D-38F7-3CEB-2D3696F0D447}"/>
-              </a:ext>
-            </a:extLst>
-          </p:cNvPr>
+          <p:cNvPr id="6" name="Slide Number Placeholder 5"/>
           <p:cNvSpPr>
             <a:spLocks noGrp="1"/>
           </p:cNvSpPr>
@@ -912,18 +979,12 @@
           <a:p>
             <a:fld id="{1524FC1B-6581-444F-963F-403D84570D21}" type="slidenum">
               <a:rPr lang="en-US" smtClean="0"/>
-              <a:t>‹#›</a:t>
             </a:fld>
             <a:endParaRPr lang="en-US"/>
           </a:p>
         </p:txBody>
       </p:sp>
     </p:spTree>
-    <p:extLst>
-      <p:ext uri="{BB962C8B-B14F-4D97-AF65-F5344CB8AC3E}">
-        <p14:creationId xmlns:p14="http://schemas.microsoft.com/office/powerpoint/2010/main" val="3953903658"/>
-      </p:ext>
-    </p:extLst>
   </p:cSld>
   <p:clrMapOvr>
     <a:masterClrMapping/>
@@ -931,7 +992,7 @@
 </p:sldLayout>
 </file>
 
-<file path=ppt/slideLayouts/slideLayout3.xml><?xml version="1.0" encoding="utf-8"?>
+<file path=ppt/slideLayouts/slideLayout14.xml><?xml version="1.0" encoding="utf-8"?>
 <p:sldLayout xmlns:a="http://schemas.openxmlformats.org/drawingml/2006/main" xmlns:r="http://schemas.openxmlformats.org/officeDocument/2006/relationships" xmlns:p="http://schemas.openxmlformats.org/presentationml/2006/main" type="secHead" preserve="1">
   <p:cSld name="Section Header">
     <p:spTree>
@@ -950,13 +1011,7 @@
       </p:grpSpPr>
       <p:sp>
         <p:nvSpPr>
-          <p:cNvPr id="2" name="Title 1">
-            <a:extLst>
-              <a:ext uri="{FF2B5EF4-FFF2-40B4-BE49-F238E27FC236}">
-                <a16:creationId xmlns:a16="http://schemas.microsoft.com/office/drawing/2014/main" id="{B7B86AB2-A735-9621-E502-8FDEE44B72A5}"/>
-              </a:ext>
-            </a:extLst>
-          </p:cNvPr>
+          <p:cNvPr id="2" name="Title 1"/>
           <p:cNvSpPr>
             <a:spLocks noGrp="1"/>
           </p:cNvSpPr>
@@ -982,18 +1037,13 @@
               <a:rPr lang="en-US"/>
               <a:t>Click to edit Master title style</a:t>
             </a:r>
-          </a:p>
-        </p:txBody>
-      </p:sp>
-      <p:sp>
-        <p:nvSpPr>
-          <p:cNvPr id="3" name="Text Placeholder 2">
-            <a:extLst>
-              <a:ext uri="{FF2B5EF4-FFF2-40B4-BE49-F238E27FC236}">
-                <a16:creationId xmlns:a16="http://schemas.microsoft.com/office/drawing/2014/main" id="{70F9BA73-033A-554A-3D25-43059A034D13}"/>
-              </a:ext>
-            </a:extLst>
-          </p:cNvPr>
+            <a:endParaRPr lang="en-US"/>
+          </a:p>
+        </p:txBody>
+      </p:sp>
+      <p:sp>
+        <p:nvSpPr>
+          <p:cNvPr id="3" name="Text Placeholder 2"/>
           <p:cNvSpPr>
             <a:spLocks noGrp="1"/>
           </p:cNvSpPr>
@@ -1107,18 +1157,13 @@
               <a:rPr lang="en-US"/>
               <a:t>Click to edit Master text styles</a:t>
             </a:r>
-          </a:p>
-        </p:txBody>
-      </p:sp>
-      <p:sp>
-        <p:nvSpPr>
-          <p:cNvPr id="4" name="Date Placeholder 3">
-            <a:extLst>
-              <a:ext uri="{FF2B5EF4-FFF2-40B4-BE49-F238E27FC236}">
-                <a16:creationId xmlns:a16="http://schemas.microsoft.com/office/drawing/2014/main" id="{EDC6413E-6659-C174-665A-4C44DC60266D}"/>
-              </a:ext>
-            </a:extLst>
-          </p:cNvPr>
+            <a:endParaRPr lang="en-US"/>
+          </a:p>
+        </p:txBody>
+      </p:sp>
+      <p:sp>
+        <p:nvSpPr>
+          <p:cNvPr id="4" name="Date Placeholder 3"/>
           <p:cNvSpPr>
             <a:spLocks noGrp="1"/>
           </p:cNvSpPr>
@@ -1133,7 +1178,6 @@
           <a:p>
             <a:fld id="{C01F4AEB-7D51-411C-8CB3-D6998BF4FFE0}" type="datetimeFigureOut">
               <a:rPr lang="en-US" smtClean="0"/>
-              <a:t>9/16/2025</a:t>
             </a:fld>
             <a:endParaRPr lang="en-US"/>
           </a:p>
@@ -1141,13 +1185,7 @@
       </p:sp>
       <p:sp>
         <p:nvSpPr>
-          <p:cNvPr id="5" name="Footer Placeholder 4">
-            <a:extLst>
-              <a:ext uri="{FF2B5EF4-FFF2-40B4-BE49-F238E27FC236}">
-                <a16:creationId xmlns:a16="http://schemas.microsoft.com/office/drawing/2014/main" id="{E8A31C5D-482E-713A-8244-1B011DF0C3FE}"/>
-              </a:ext>
-            </a:extLst>
-          </p:cNvPr>
+          <p:cNvPr id="5" name="Footer Placeholder 4"/>
           <p:cNvSpPr>
             <a:spLocks noGrp="1"/>
           </p:cNvSpPr>
@@ -1166,13 +1204,7 @@
       </p:sp>
       <p:sp>
         <p:nvSpPr>
-          <p:cNvPr id="6" name="Slide Number Placeholder 5">
-            <a:extLst>
-              <a:ext uri="{FF2B5EF4-FFF2-40B4-BE49-F238E27FC236}">
-                <a16:creationId xmlns:a16="http://schemas.microsoft.com/office/drawing/2014/main" id="{3E1BAC28-6172-1959-DEFA-121F466E12F5}"/>
-              </a:ext>
-            </a:extLst>
-          </p:cNvPr>
+          <p:cNvPr id="6" name="Slide Number Placeholder 5"/>
           <p:cNvSpPr>
             <a:spLocks noGrp="1"/>
           </p:cNvSpPr>
@@ -1187,18 +1219,12 @@
           <a:p>
             <a:fld id="{1524FC1B-6581-444F-963F-403D84570D21}" type="slidenum">
               <a:rPr lang="en-US" smtClean="0"/>
-              <a:t>‹#›</a:t>
             </a:fld>
             <a:endParaRPr lang="en-US"/>
           </a:p>
         </p:txBody>
       </p:sp>
     </p:spTree>
-    <p:extLst>
-      <p:ext uri="{BB962C8B-B14F-4D97-AF65-F5344CB8AC3E}">
-        <p14:creationId xmlns:p14="http://schemas.microsoft.com/office/powerpoint/2010/main" val="4038485511"/>
-      </p:ext>
-    </p:extLst>
   </p:cSld>
   <p:clrMapOvr>
     <a:masterClrMapping/>
@@ -1206,7 +1232,7 @@
 </p:sldLayout>
 </file>
 
-<file path=ppt/slideLayouts/slideLayout4.xml><?xml version="1.0" encoding="utf-8"?>
+<file path=ppt/slideLayouts/slideLayout15.xml><?xml version="1.0" encoding="utf-8"?>
 <p:sldLayout xmlns:a="http://schemas.openxmlformats.org/drawingml/2006/main" xmlns:r="http://schemas.openxmlformats.org/officeDocument/2006/relationships" xmlns:p="http://schemas.openxmlformats.org/presentationml/2006/main" type="twoObj" preserve="1">
   <p:cSld name="Two Content">
     <p:spTree>
@@ -1225,13 +1251,7 @@
       </p:grpSpPr>
       <p:sp>
         <p:nvSpPr>
-          <p:cNvPr id="2" name="Title 1">
-            <a:extLst>
-              <a:ext uri="{FF2B5EF4-FFF2-40B4-BE49-F238E27FC236}">
-                <a16:creationId xmlns:a16="http://schemas.microsoft.com/office/drawing/2014/main" id="{4B0E47EC-7B24-75F0-05C3-CBEE96055893}"/>
-              </a:ext>
-            </a:extLst>
-          </p:cNvPr>
+          <p:cNvPr id="2" name="Title 1"/>
           <p:cNvSpPr>
             <a:spLocks noGrp="1"/>
           </p:cNvSpPr>
@@ -1248,18 +1268,13 @@
               <a:rPr lang="en-US"/>
               <a:t>Click to edit Master title style</a:t>
             </a:r>
-          </a:p>
-        </p:txBody>
-      </p:sp>
-      <p:sp>
-        <p:nvSpPr>
-          <p:cNvPr id="3" name="Content Placeholder 2">
-            <a:extLst>
-              <a:ext uri="{FF2B5EF4-FFF2-40B4-BE49-F238E27FC236}">
-                <a16:creationId xmlns:a16="http://schemas.microsoft.com/office/drawing/2014/main" id="{3944C0FD-07C2-2AA3-9541-129B400B78C8}"/>
-              </a:ext>
-            </a:extLst>
-          </p:cNvPr>
+            <a:endParaRPr lang="en-US"/>
+          </a:p>
+        </p:txBody>
+      </p:sp>
+      <p:sp>
+        <p:nvSpPr>
+          <p:cNvPr id="3" name="Content Placeholder 2"/>
           <p:cNvSpPr>
             <a:spLocks noGrp="1"/>
           </p:cNvSpPr>
@@ -1282,6 +1297,7 @@
               <a:rPr lang="en-US"/>
               <a:t>Click to edit Master text styles</a:t>
             </a:r>
+            <a:endParaRPr lang="en-US"/>
           </a:p>
           <a:p>
             <a:pPr lvl="1"/>
@@ -1289,6 +1305,7 @@
               <a:rPr lang="en-US"/>
               <a:t>Second level</a:t>
             </a:r>
+            <a:endParaRPr lang="en-US"/>
           </a:p>
           <a:p>
             <a:pPr lvl="2"/>
@@ -1296,6 +1313,7 @@
               <a:rPr lang="en-US"/>
               <a:t>Third level</a:t>
             </a:r>
+            <a:endParaRPr lang="en-US"/>
           </a:p>
           <a:p>
             <a:pPr lvl="3"/>
@@ -1303,6 +1321,7 @@
               <a:rPr lang="en-US"/>
               <a:t>Fourth level</a:t>
             </a:r>
+            <a:endParaRPr lang="en-US"/>
           </a:p>
           <a:p>
             <a:pPr lvl="4"/>
@@ -1310,18 +1329,13 @@
               <a:rPr lang="en-US"/>
               <a:t>Fifth level</a:t>
             </a:r>
-          </a:p>
-        </p:txBody>
-      </p:sp>
-      <p:sp>
-        <p:nvSpPr>
-          <p:cNvPr id="4" name="Content Placeholder 3">
-            <a:extLst>
-              <a:ext uri="{FF2B5EF4-FFF2-40B4-BE49-F238E27FC236}">
-                <a16:creationId xmlns:a16="http://schemas.microsoft.com/office/drawing/2014/main" id="{A302B3F7-51D6-4C5E-3E65-17432D739BA1}"/>
-              </a:ext>
-            </a:extLst>
-          </p:cNvPr>
+            <a:endParaRPr lang="en-US"/>
+          </a:p>
+        </p:txBody>
+      </p:sp>
+      <p:sp>
+        <p:nvSpPr>
+          <p:cNvPr id="4" name="Content Placeholder 3"/>
           <p:cNvSpPr>
             <a:spLocks noGrp="1"/>
           </p:cNvSpPr>
@@ -1344,6 +1358,7 @@
               <a:rPr lang="en-US"/>
               <a:t>Click to edit Master text styles</a:t>
             </a:r>
+            <a:endParaRPr lang="en-US"/>
           </a:p>
           <a:p>
             <a:pPr lvl="1"/>
@@ -1351,6 +1366,7 @@
               <a:rPr lang="en-US"/>
               <a:t>Second level</a:t>
             </a:r>
+            <a:endParaRPr lang="en-US"/>
           </a:p>
           <a:p>
             <a:pPr lvl="2"/>
@@ -1358,6 +1374,7 @@
               <a:rPr lang="en-US"/>
               <a:t>Third level</a:t>
             </a:r>
+            <a:endParaRPr lang="en-US"/>
           </a:p>
           <a:p>
             <a:pPr lvl="3"/>
@@ -1365,6 +1382,7 @@
               <a:rPr lang="en-US"/>
               <a:t>Fourth level</a:t>
             </a:r>
+            <a:endParaRPr lang="en-US"/>
           </a:p>
           <a:p>
             <a:pPr lvl="4"/>
@@ -1372,18 +1390,13 @@
               <a:rPr lang="en-US"/>
               <a:t>Fifth level</a:t>
             </a:r>
-          </a:p>
-        </p:txBody>
-      </p:sp>
-      <p:sp>
-        <p:nvSpPr>
-          <p:cNvPr id="5" name="Date Placeholder 4">
-            <a:extLst>
-              <a:ext uri="{FF2B5EF4-FFF2-40B4-BE49-F238E27FC236}">
-                <a16:creationId xmlns:a16="http://schemas.microsoft.com/office/drawing/2014/main" id="{3F5673F1-2981-3E1A-AF5D-B877E989D170}"/>
-              </a:ext>
-            </a:extLst>
-          </p:cNvPr>
+            <a:endParaRPr lang="en-US"/>
+          </a:p>
+        </p:txBody>
+      </p:sp>
+      <p:sp>
+        <p:nvSpPr>
+          <p:cNvPr id="5" name="Date Placeholder 4"/>
           <p:cNvSpPr>
             <a:spLocks noGrp="1"/>
           </p:cNvSpPr>
@@ -1398,7 +1411,6 @@
           <a:p>
             <a:fld id="{C01F4AEB-7D51-411C-8CB3-D6998BF4FFE0}" type="datetimeFigureOut">
               <a:rPr lang="en-US" smtClean="0"/>
-              <a:t>9/16/2025</a:t>
             </a:fld>
             <a:endParaRPr lang="en-US"/>
           </a:p>
@@ -1406,13 +1418,7 @@
       </p:sp>
       <p:sp>
         <p:nvSpPr>
-          <p:cNvPr id="6" name="Footer Placeholder 5">
-            <a:extLst>
-              <a:ext uri="{FF2B5EF4-FFF2-40B4-BE49-F238E27FC236}">
-                <a16:creationId xmlns:a16="http://schemas.microsoft.com/office/drawing/2014/main" id="{7A254A7A-C453-8486-1E67-D8BB3A166362}"/>
-              </a:ext>
-            </a:extLst>
-          </p:cNvPr>
+          <p:cNvPr id="6" name="Footer Placeholder 5"/>
           <p:cNvSpPr>
             <a:spLocks noGrp="1"/>
           </p:cNvSpPr>
@@ -1431,13 +1437,7 @@
       </p:sp>
       <p:sp>
         <p:nvSpPr>
-          <p:cNvPr id="7" name="Slide Number Placeholder 6">
-            <a:extLst>
-              <a:ext uri="{FF2B5EF4-FFF2-40B4-BE49-F238E27FC236}">
-                <a16:creationId xmlns:a16="http://schemas.microsoft.com/office/drawing/2014/main" id="{6FE9A873-77FD-C485-2C2B-40B1874300E2}"/>
-              </a:ext>
-            </a:extLst>
-          </p:cNvPr>
+          <p:cNvPr id="7" name="Slide Number Placeholder 6"/>
           <p:cNvSpPr>
             <a:spLocks noGrp="1"/>
           </p:cNvSpPr>
@@ -1452,18 +1452,12 @@
           <a:p>
             <a:fld id="{1524FC1B-6581-444F-963F-403D84570D21}" type="slidenum">
               <a:rPr lang="en-US" smtClean="0"/>
-              <a:t>‹#›</a:t>
             </a:fld>
             <a:endParaRPr lang="en-US"/>
           </a:p>
         </p:txBody>
       </p:sp>
     </p:spTree>
-    <p:extLst>
-      <p:ext uri="{BB962C8B-B14F-4D97-AF65-F5344CB8AC3E}">
-        <p14:creationId xmlns:p14="http://schemas.microsoft.com/office/powerpoint/2010/main" val="1339612665"/>
-      </p:ext>
-    </p:extLst>
   </p:cSld>
   <p:clrMapOvr>
     <a:masterClrMapping/>
@@ -1471,7 +1465,7 @@
 </p:sldLayout>
 </file>
 
-<file path=ppt/slideLayouts/slideLayout5.xml><?xml version="1.0" encoding="utf-8"?>
+<file path=ppt/slideLayouts/slideLayout16.xml><?xml version="1.0" encoding="utf-8"?>
 <p:sldLayout xmlns:a="http://schemas.openxmlformats.org/drawingml/2006/main" xmlns:r="http://schemas.openxmlformats.org/officeDocument/2006/relationships" xmlns:p="http://schemas.openxmlformats.org/presentationml/2006/main" type="twoTxTwoObj" preserve="1">
   <p:cSld name="Comparison">
     <p:spTree>
@@ -1490,13 +1484,7 @@
       </p:grpSpPr>
       <p:sp>
         <p:nvSpPr>
-          <p:cNvPr id="2" name="Title 1">
-            <a:extLst>
-              <a:ext uri="{FF2B5EF4-FFF2-40B4-BE49-F238E27FC236}">
-                <a16:creationId xmlns:a16="http://schemas.microsoft.com/office/drawing/2014/main" id="{A88C8805-99EB-2716-3611-F68AA824B85D}"/>
-              </a:ext>
-            </a:extLst>
-          </p:cNvPr>
+          <p:cNvPr id="2" name="Title 1"/>
           <p:cNvSpPr>
             <a:spLocks noGrp="1"/>
           </p:cNvSpPr>
@@ -1518,18 +1506,13 @@
               <a:rPr lang="en-US"/>
               <a:t>Click to edit Master title style</a:t>
             </a:r>
-          </a:p>
-        </p:txBody>
-      </p:sp>
-      <p:sp>
-        <p:nvSpPr>
-          <p:cNvPr id="3" name="Text Placeholder 2">
-            <a:extLst>
-              <a:ext uri="{FF2B5EF4-FFF2-40B4-BE49-F238E27FC236}">
-                <a16:creationId xmlns:a16="http://schemas.microsoft.com/office/drawing/2014/main" id="{B2188038-0971-DAF6-1193-409F341414C5}"/>
-              </a:ext>
-            </a:extLst>
-          </p:cNvPr>
+            <a:endParaRPr lang="en-US"/>
+          </a:p>
+        </p:txBody>
+      </p:sp>
+      <p:sp>
+        <p:nvSpPr>
+          <p:cNvPr id="3" name="Text Placeholder 2"/>
           <p:cNvSpPr>
             <a:spLocks noGrp="1"/>
           </p:cNvSpPr>
@@ -1589,18 +1572,13 @@
               <a:rPr lang="en-US"/>
               <a:t>Click to edit Master text styles</a:t>
             </a:r>
-          </a:p>
-        </p:txBody>
-      </p:sp>
-      <p:sp>
-        <p:nvSpPr>
-          <p:cNvPr id="4" name="Content Placeholder 3">
-            <a:extLst>
-              <a:ext uri="{FF2B5EF4-FFF2-40B4-BE49-F238E27FC236}">
-                <a16:creationId xmlns:a16="http://schemas.microsoft.com/office/drawing/2014/main" id="{4BC60E25-A717-06E9-F92C-2BC690F9A6D1}"/>
-              </a:ext>
-            </a:extLst>
-          </p:cNvPr>
+            <a:endParaRPr lang="en-US"/>
+          </a:p>
+        </p:txBody>
+      </p:sp>
+      <p:sp>
+        <p:nvSpPr>
+          <p:cNvPr id="4" name="Content Placeholder 3"/>
           <p:cNvSpPr>
             <a:spLocks noGrp="1"/>
           </p:cNvSpPr>
@@ -1623,6 +1601,7 @@
               <a:rPr lang="en-US"/>
               <a:t>Click to edit Master text styles</a:t>
             </a:r>
+            <a:endParaRPr lang="en-US"/>
           </a:p>
           <a:p>
             <a:pPr lvl="1"/>
@@ -1630,6 +1609,7 @@
               <a:rPr lang="en-US"/>
               <a:t>Second level</a:t>
             </a:r>
+            <a:endParaRPr lang="en-US"/>
           </a:p>
           <a:p>
             <a:pPr lvl="2"/>
@@ -1637,6 +1617,7 @@
               <a:rPr lang="en-US"/>
               <a:t>Third level</a:t>
             </a:r>
+            <a:endParaRPr lang="en-US"/>
           </a:p>
           <a:p>
             <a:pPr lvl="3"/>
@@ -1644,6 +1625,7 @@
               <a:rPr lang="en-US"/>
               <a:t>Fourth level</a:t>
             </a:r>
+            <a:endParaRPr lang="en-US"/>
           </a:p>
           <a:p>
             <a:pPr lvl="4"/>
@@ -1651,18 +1633,13 @@
               <a:rPr lang="en-US"/>
               <a:t>Fifth level</a:t>
             </a:r>
-          </a:p>
-        </p:txBody>
-      </p:sp>
-      <p:sp>
-        <p:nvSpPr>
-          <p:cNvPr id="5" name="Text Placeholder 4">
-            <a:extLst>
-              <a:ext uri="{FF2B5EF4-FFF2-40B4-BE49-F238E27FC236}">
-                <a16:creationId xmlns:a16="http://schemas.microsoft.com/office/drawing/2014/main" id="{6FAD2B4A-F29A-CC34-F593-00F585535F05}"/>
-              </a:ext>
-            </a:extLst>
-          </p:cNvPr>
+            <a:endParaRPr lang="en-US"/>
+          </a:p>
+        </p:txBody>
+      </p:sp>
+      <p:sp>
+        <p:nvSpPr>
+          <p:cNvPr id="5" name="Text Placeholder 4"/>
           <p:cNvSpPr>
             <a:spLocks noGrp="1"/>
           </p:cNvSpPr>
@@ -1722,18 +1699,13 @@
               <a:rPr lang="en-US"/>
               <a:t>Click to edit Master text styles</a:t>
             </a:r>
-          </a:p>
-        </p:txBody>
-      </p:sp>
-      <p:sp>
-        <p:nvSpPr>
-          <p:cNvPr id="6" name="Content Placeholder 5">
-            <a:extLst>
-              <a:ext uri="{FF2B5EF4-FFF2-40B4-BE49-F238E27FC236}">
-                <a16:creationId xmlns:a16="http://schemas.microsoft.com/office/drawing/2014/main" id="{9B03871F-9966-01FA-26F5-15599712E605}"/>
-              </a:ext>
-            </a:extLst>
-          </p:cNvPr>
+            <a:endParaRPr lang="en-US"/>
+          </a:p>
+        </p:txBody>
+      </p:sp>
+      <p:sp>
+        <p:nvSpPr>
+          <p:cNvPr id="6" name="Content Placeholder 5"/>
           <p:cNvSpPr>
             <a:spLocks noGrp="1"/>
           </p:cNvSpPr>
@@ -1756,6 +1728,7 @@
               <a:rPr lang="en-US"/>
               <a:t>Click to edit Master text styles</a:t>
             </a:r>
+            <a:endParaRPr lang="en-US"/>
           </a:p>
           <a:p>
             <a:pPr lvl="1"/>
@@ -1763,6 +1736,7 @@
               <a:rPr lang="en-US"/>
               <a:t>Second level</a:t>
             </a:r>
+            <a:endParaRPr lang="en-US"/>
           </a:p>
           <a:p>
             <a:pPr lvl="2"/>
@@ -1770,6 +1744,7 @@
               <a:rPr lang="en-US"/>
               <a:t>Third level</a:t>
             </a:r>
+            <a:endParaRPr lang="en-US"/>
           </a:p>
           <a:p>
             <a:pPr lvl="3"/>
@@ -1777,6 +1752,7 @@
               <a:rPr lang="en-US"/>
               <a:t>Fourth level</a:t>
             </a:r>
+            <a:endParaRPr lang="en-US"/>
           </a:p>
           <a:p>
             <a:pPr lvl="4"/>
@@ -1784,18 +1760,13 @@
               <a:rPr lang="en-US"/>
               <a:t>Fifth level</a:t>
             </a:r>
-          </a:p>
-        </p:txBody>
-      </p:sp>
-      <p:sp>
-        <p:nvSpPr>
-          <p:cNvPr id="7" name="Date Placeholder 6">
-            <a:extLst>
-              <a:ext uri="{FF2B5EF4-FFF2-40B4-BE49-F238E27FC236}">
-                <a16:creationId xmlns:a16="http://schemas.microsoft.com/office/drawing/2014/main" id="{9B934F49-FF89-A00A-56CD-BDABFA183C9D}"/>
-              </a:ext>
-            </a:extLst>
-          </p:cNvPr>
+            <a:endParaRPr lang="en-US"/>
+          </a:p>
+        </p:txBody>
+      </p:sp>
+      <p:sp>
+        <p:nvSpPr>
+          <p:cNvPr id="7" name="Date Placeholder 6"/>
           <p:cNvSpPr>
             <a:spLocks noGrp="1"/>
           </p:cNvSpPr>
@@ -1810,7 +1781,6 @@
           <a:p>
             <a:fld id="{C01F4AEB-7D51-411C-8CB3-D6998BF4FFE0}" type="datetimeFigureOut">
               <a:rPr lang="en-US" smtClean="0"/>
-              <a:t>9/16/2025</a:t>
             </a:fld>
             <a:endParaRPr lang="en-US"/>
           </a:p>
@@ -1818,13 +1788,7 @@
       </p:sp>
       <p:sp>
         <p:nvSpPr>
-          <p:cNvPr id="8" name="Footer Placeholder 7">
-            <a:extLst>
-              <a:ext uri="{FF2B5EF4-FFF2-40B4-BE49-F238E27FC236}">
-                <a16:creationId xmlns:a16="http://schemas.microsoft.com/office/drawing/2014/main" id="{CA12A341-0851-29A5-F025-4DEF746ACE71}"/>
-              </a:ext>
-            </a:extLst>
-          </p:cNvPr>
+          <p:cNvPr id="8" name="Footer Placeholder 7"/>
           <p:cNvSpPr>
             <a:spLocks noGrp="1"/>
           </p:cNvSpPr>
@@ -1843,13 +1807,7 @@
       </p:sp>
       <p:sp>
         <p:nvSpPr>
-          <p:cNvPr id="9" name="Slide Number Placeholder 8">
-            <a:extLst>
-              <a:ext uri="{FF2B5EF4-FFF2-40B4-BE49-F238E27FC236}">
-                <a16:creationId xmlns:a16="http://schemas.microsoft.com/office/drawing/2014/main" id="{A9A368C7-376C-E4CB-F15B-551249FF642B}"/>
-              </a:ext>
-            </a:extLst>
-          </p:cNvPr>
+          <p:cNvPr id="9" name="Slide Number Placeholder 8"/>
           <p:cNvSpPr>
             <a:spLocks noGrp="1"/>
           </p:cNvSpPr>
@@ -1864,18 +1822,12 @@
           <a:p>
             <a:fld id="{1524FC1B-6581-444F-963F-403D84570D21}" type="slidenum">
               <a:rPr lang="en-US" smtClean="0"/>
-              <a:t>‹#›</a:t>
             </a:fld>
             <a:endParaRPr lang="en-US"/>
           </a:p>
         </p:txBody>
       </p:sp>
     </p:spTree>
-    <p:extLst>
-      <p:ext uri="{BB962C8B-B14F-4D97-AF65-F5344CB8AC3E}">
-        <p14:creationId xmlns:p14="http://schemas.microsoft.com/office/powerpoint/2010/main" val="868502518"/>
-      </p:ext>
-    </p:extLst>
   </p:cSld>
   <p:clrMapOvr>
     <a:masterClrMapping/>
@@ -1883,7 +1835,7 @@
 </p:sldLayout>
 </file>
 
-<file path=ppt/slideLayouts/slideLayout6.xml><?xml version="1.0" encoding="utf-8"?>
+<file path=ppt/slideLayouts/slideLayout17.xml><?xml version="1.0" encoding="utf-8"?>
 <p:sldLayout xmlns:a="http://schemas.openxmlformats.org/drawingml/2006/main" xmlns:r="http://schemas.openxmlformats.org/officeDocument/2006/relationships" xmlns:p="http://schemas.openxmlformats.org/presentationml/2006/main" type="titleOnly" preserve="1">
   <p:cSld name="Title Only">
     <p:spTree>
@@ -1902,13 +1854,7 @@
       </p:grpSpPr>
       <p:sp>
         <p:nvSpPr>
-          <p:cNvPr id="2" name="Title 1">
-            <a:extLst>
-              <a:ext uri="{FF2B5EF4-FFF2-40B4-BE49-F238E27FC236}">
-                <a16:creationId xmlns:a16="http://schemas.microsoft.com/office/drawing/2014/main" id="{F5605BAF-C212-149D-6435-E498EFFC37D4}"/>
-              </a:ext>
-            </a:extLst>
-          </p:cNvPr>
+          <p:cNvPr id="2" name="Title 1"/>
           <p:cNvSpPr>
             <a:spLocks noGrp="1"/>
           </p:cNvSpPr>
@@ -1925,18 +1871,13 @@
               <a:rPr lang="en-US"/>
               <a:t>Click to edit Master title style</a:t>
             </a:r>
-          </a:p>
-        </p:txBody>
-      </p:sp>
-      <p:sp>
-        <p:nvSpPr>
-          <p:cNvPr id="3" name="Date Placeholder 2">
-            <a:extLst>
-              <a:ext uri="{FF2B5EF4-FFF2-40B4-BE49-F238E27FC236}">
-                <a16:creationId xmlns:a16="http://schemas.microsoft.com/office/drawing/2014/main" id="{784DFD36-410F-6B6C-9BF9-35D2CA9FCF98}"/>
-              </a:ext>
-            </a:extLst>
-          </p:cNvPr>
+            <a:endParaRPr lang="en-US"/>
+          </a:p>
+        </p:txBody>
+      </p:sp>
+      <p:sp>
+        <p:nvSpPr>
+          <p:cNvPr id="3" name="Date Placeholder 2"/>
           <p:cNvSpPr>
             <a:spLocks noGrp="1"/>
           </p:cNvSpPr>
@@ -1951,7 +1892,6 @@
           <a:p>
             <a:fld id="{C01F4AEB-7D51-411C-8CB3-D6998BF4FFE0}" type="datetimeFigureOut">
               <a:rPr lang="en-US" smtClean="0"/>
-              <a:t>9/16/2025</a:t>
             </a:fld>
             <a:endParaRPr lang="en-US"/>
           </a:p>
@@ -1959,13 +1899,7 @@
       </p:sp>
       <p:sp>
         <p:nvSpPr>
-          <p:cNvPr id="4" name="Footer Placeholder 3">
-            <a:extLst>
-              <a:ext uri="{FF2B5EF4-FFF2-40B4-BE49-F238E27FC236}">
-                <a16:creationId xmlns:a16="http://schemas.microsoft.com/office/drawing/2014/main" id="{BC969BC9-5201-9307-5986-26CF075980EC}"/>
-              </a:ext>
-            </a:extLst>
-          </p:cNvPr>
+          <p:cNvPr id="4" name="Footer Placeholder 3"/>
           <p:cNvSpPr>
             <a:spLocks noGrp="1"/>
           </p:cNvSpPr>
@@ -1984,13 +1918,7 @@
       </p:sp>
       <p:sp>
         <p:nvSpPr>
-          <p:cNvPr id="5" name="Slide Number Placeholder 4">
-            <a:extLst>
-              <a:ext uri="{FF2B5EF4-FFF2-40B4-BE49-F238E27FC236}">
-                <a16:creationId xmlns:a16="http://schemas.microsoft.com/office/drawing/2014/main" id="{796B4DAA-3994-82FA-4B19-F2D81A14F878}"/>
-              </a:ext>
-            </a:extLst>
-          </p:cNvPr>
+          <p:cNvPr id="5" name="Slide Number Placeholder 4"/>
           <p:cNvSpPr>
             <a:spLocks noGrp="1"/>
           </p:cNvSpPr>
@@ -2005,18 +1933,12 @@
           <a:p>
             <a:fld id="{1524FC1B-6581-444F-963F-403D84570D21}" type="slidenum">
               <a:rPr lang="en-US" smtClean="0"/>
-              <a:t>‹#›</a:t>
             </a:fld>
             <a:endParaRPr lang="en-US"/>
           </a:p>
         </p:txBody>
       </p:sp>
     </p:spTree>
-    <p:extLst>
-      <p:ext uri="{BB962C8B-B14F-4D97-AF65-F5344CB8AC3E}">
-        <p14:creationId xmlns:p14="http://schemas.microsoft.com/office/powerpoint/2010/main" val="3525014914"/>
-      </p:ext>
-    </p:extLst>
   </p:cSld>
   <p:clrMapOvr>
     <a:masterClrMapping/>
@@ -2024,7 +1946,7 @@
 </p:sldLayout>
 </file>
 
-<file path=ppt/slideLayouts/slideLayout7.xml><?xml version="1.0" encoding="utf-8"?>
+<file path=ppt/slideLayouts/slideLayout18.xml><?xml version="1.0" encoding="utf-8"?>
 <p:sldLayout xmlns:a="http://schemas.openxmlformats.org/drawingml/2006/main" xmlns:r="http://schemas.openxmlformats.org/officeDocument/2006/relationships" xmlns:p="http://schemas.openxmlformats.org/presentationml/2006/main" type="blank" preserve="1">
   <p:cSld name="Blank">
     <p:spTree>
@@ -2043,13 +1965,7 @@
       </p:grpSpPr>
       <p:sp>
         <p:nvSpPr>
-          <p:cNvPr id="2" name="Date Placeholder 1">
-            <a:extLst>
-              <a:ext uri="{FF2B5EF4-FFF2-40B4-BE49-F238E27FC236}">
-                <a16:creationId xmlns:a16="http://schemas.microsoft.com/office/drawing/2014/main" id="{47A26CEB-7BF4-C226-B0F2-7788A11E03C7}"/>
-              </a:ext>
-            </a:extLst>
-          </p:cNvPr>
+          <p:cNvPr id="2" name="Date Placeholder 1"/>
           <p:cNvSpPr>
             <a:spLocks noGrp="1"/>
           </p:cNvSpPr>
@@ -2064,7 +1980,6 @@
           <a:p>
             <a:fld id="{C01F4AEB-7D51-411C-8CB3-D6998BF4FFE0}" type="datetimeFigureOut">
               <a:rPr lang="en-US" smtClean="0"/>
-              <a:t>9/16/2025</a:t>
             </a:fld>
             <a:endParaRPr lang="en-US"/>
           </a:p>
@@ -2072,13 +1987,7 @@
       </p:sp>
       <p:sp>
         <p:nvSpPr>
-          <p:cNvPr id="3" name="Footer Placeholder 2">
-            <a:extLst>
-              <a:ext uri="{FF2B5EF4-FFF2-40B4-BE49-F238E27FC236}">
-                <a16:creationId xmlns:a16="http://schemas.microsoft.com/office/drawing/2014/main" id="{DBA063F1-113B-66AC-FBA0-272C70378EED}"/>
-              </a:ext>
-            </a:extLst>
-          </p:cNvPr>
+          <p:cNvPr id="3" name="Footer Placeholder 2"/>
           <p:cNvSpPr>
             <a:spLocks noGrp="1"/>
           </p:cNvSpPr>
@@ -2097,13 +2006,7 @@
       </p:sp>
       <p:sp>
         <p:nvSpPr>
-          <p:cNvPr id="4" name="Slide Number Placeholder 3">
-            <a:extLst>
-              <a:ext uri="{FF2B5EF4-FFF2-40B4-BE49-F238E27FC236}">
-                <a16:creationId xmlns:a16="http://schemas.microsoft.com/office/drawing/2014/main" id="{A8425E02-B08C-4EF3-38A5-FCD800463452}"/>
-              </a:ext>
-            </a:extLst>
-          </p:cNvPr>
+          <p:cNvPr id="4" name="Slide Number Placeholder 3"/>
           <p:cNvSpPr>
             <a:spLocks noGrp="1"/>
           </p:cNvSpPr>
@@ -2118,18 +2021,12 @@
           <a:p>
             <a:fld id="{1524FC1B-6581-444F-963F-403D84570D21}" type="slidenum">
               <a:rPr lang="en-US" smtClean="0"/>
-              <a:t>‹#›</a:t>
             </a:fld>
             <a:endParaRPr lang="en-US"/>
           </a:p>
         </p:txBody>
       </p:sp>
     </p:spTree>
-    <p:extLst>
-      <p:ext uri="{BB962C8B-B14F-4D97-AF65-F5344CB8AC3E}">
-        <p14:creationId xmlns:p14="http://schemas.microsoft.com/office/powerpoint/2010/main" val="808400511"/>
-      </p:ext>
-    </p:extLst>
   </p:cSld>
   <p:clrMapOvr>
     <a:masterClrMapping/>
@@ -2137,7 +2034,7 @@
 </p:sldLayout>
 </file>
 
-<file path=ppt/slideLayouts/slideLayout8.xml><?xml version="1.0" encoding="utf-8"?>
+<file path=ppt/slideLayouts/slideLayout19.xml><?xml version="1.0" encoding="utf-8"?>
 <p:sldLayout xmlns:a="http://schemas.openxmlformats.org/drawingml/2006/main" xmlns:r="http://schemas.openxmlformats.org/officeDocument/2006/relationships" xmlns:p="http://schemas.openxmlformats.org/presentationml/2006/main" type="objTx" preserve="1">
   <p:cSld name="Content with Caption">
     <p:spTree>
@@ -2156,13 +2053,7 @@
       </p:grpSpPr>
       <p:sp>
         <p:nvSpPr>
-          <p:cNvPr id="2" name="Title 1">
-            <a:extLst>
-              <a:ext uri="{FF2B5EF4-FFF2-40B4-BE49-F238E27FC236}">
-                <a16:creationId xmlns:a16="http://schemas.microsoft.com/office/drawing/2014/main" id="{5C0DE4A2-688C-179A-E9A9-5E5F294FA1C7}"/>
-              </a:ext>
-            </a:extLst>
-          </p:cNvPr>
+          <p:cNvPr id="2" name="Title 1"/>
           <p:cNvSpPr>
             <a:spLocks noGrp="1"/>
           </p:cNvSpPr>
@@ -2188,18 +2079,13 @@
               <a:rPr lang="en-US"/>
               <a:t>Click to edit Master title style</a:t>
             </a:r>
-          </a:p>
-        </p:txBody>
-      </p:sp>
-      <p:sp>
-        <p:nvSpPr>
-          <p:cNvPr id="3" name="Content Placeholder 2">
-            <a:extLst>
-              <a:ext uri="{FF2B5EF4-FFF2-40B4-BE49-F238E27FC236}">
-                <a16:creationId xmlns:a16="http://schemas.microsoft.com/office/drawing/2014/main" id="{54B90781-2BC0-1A78-FC52-B63999353994}"/>
-              </a:ext>
-            </a:extLst>
-          </p:cNvPr>
+            <a:endParaRPr lang="en-US"/>
+          </a:p>
+        </p:txBody>
+      </p:sp>
+      <p:sp>
+        <p:nvSpPr>
+          <p:cNvPr id="3" name="Content Placeholder 2"/>
           <p:cNvSpPr>
             <a:spLocks noGrp="1"/>
           </p:cNvSpPr>
@@ -2250,6 +2136,7 @@
               <a:rPr lang="en-US"/>
               <a:t>Click to edit Master text styles</a:t>
             </a:r>
+            <a:endParaRPr lang="en-US"/>
           </a:p>
           <a:p>
             <a:pPr lvl="1"/>
@@ -2257,6 +2144,7 @@
               <a:rPr lang="en-US"/>
               <a:t>Second level</a:t>
             </a:r>
+            <a:endParaRPr lang="en-US"/>
           </a:p>
           <a:p>
             <a:pPr lvl="2"/>
@@ -2264,6 +2152,7 @@
               <a:rPr lang="en-US"/>
               <a:t>Third level</a:t>
             </a:r>
+            <a:endParaRPr lang="en-US"/>
           </a:p>
           <a:p>
             <a:pPr lvl="3"/>
@@ -2271,6 +2160,7 @@
               <a:rPr lang="en-US"/>
               <a:t>Fourth level</a:t>
             </a:r>
+            <a:endParaRPr lang="en-US"/>
           </a:p>
           <a:p>
             <a:pPr lvl="4"/>
@@ -2278,18 +2168,13 @@
               <a:rPr lang="en-US"/>
               <a:t>Fifth level</a:t>
             </a:r>
-          </a:p>
-        </p:txBody>
-      </p:sp>
-      <p:sp>
-        <p:nvSpPr>
-          <p:cNvPr id="4" name="Text Placeholder 3">
-            <a:extLst>
-              <a:ext uri="{FF2B5EF4-FFF2-40B4-BE49-F238E27FC236}">
-                <a16:creationId xmlns:a16="http://schemas.microsoft.com/office/drawing/2014/main" id="{C2B47562-D608-6567-BB03-B9B503028958}"/>
-              </a:ext>
-            </a:extLst>
-          </p:cNvPr>
+            <a:endParaRPr lang="en-US"/>
+          </a:p>
+        </p:txBody>
+      </p:sp>
+      <p:sp>
+        <p:nvSpPr>
+          <p:cNvPr id="4" name="Text Placeholder 3"/>
           <p:cNvSpPr>
             <a:spLocks noGrp="1"/>
           </p:cNvSpPr>
@@ -2349,18 +2234,13 @@
               <a:rPr lang="en-US"/>
               <a:t>Click to edit Master text styles</a:t>
             </a:r>
-          </a:p>
-        </p:txBody>
-      </p:sp>
-      <p:sp>
-        <p:nvSpPr>
-          <p:cNvPr id="5" name="Date Placeholder 4">
-            <a:extLst>
-              <a:ext uri="{FF2B5EF4-FFF2-40B4-BE49-F238E27FC236}">
-                <a16:creationId xmlns:a16="http://schemas.microsoft.com/office/drawing/2014/main" id="{923EB342-9F25-4010-07BC-037E2029957A}"/>
-              </a:ext>
-            </a:extLst>
-          </p:cNvPr>
+            <a:endParaRPr lang="en-US"/>
+          </a:p>
+        </p:txBody>
+      </p:sp>
+      <p:sp>
+        <p:nvSpPr>
+          <p:cNvPr id="5" name="Date Placeholder 4"/>
           <p:cNvSpPr>
             <a:spLocks noGrp="1"/>
           </p:cNvSpPr>
@@ -2375,7 +2255,6 @@
           <a:p>
             <a:fld id="{C01F4AEB-7D51-411C-8CB3-D6998BF4FFE0}" type="datetimeFigureOut">
               <a:rPr lang="en-US" smtClean="0"/>
-              <a:t>9/16/2025</a:t>
             </a:fld>
             <a:endParaRPr lang="en-US"/>
           </a:p>
@@ -2383,13 +2262,7 @@
       </p:sp>
       <p:sp>
         <p:nvSpPr>
-          <p:cNvPr id="6" name="Footer Placeholder 5">
-            <a:extLst>
-              <a:ext uri="{FF2B5EF4-FFF2-40B4-BE49-F238E27FC236}">
-                <a16:creationId xmlns:a16="http://schemas.microsoft.com/office/drawing/2014/main" id="{3A8B6937-A3A1-662F-54F3-1BCE6CAC057D}"/>
-              </a:ext>
-            </a:extLst>
-          </p:cNvPr>
+          <p:cNvPr id="6" name="Footer Placeholder 5"/>
           <p:cNvSpPr>
             <a:spLocks noGrp="1"/>
           </p:cNvSpPr>
@@ -2408,13 +2281,7 @@
       </p:sp>
       <p:sp>
         <p:nvSpPr>
-          <p:cNvPr id="7" name="Slide Number Placeholder 6">
-            <a:extLst>
-              <a:ext uri="{FF2B5EF4-FFF2-40B4-BE49-F238E27FC236}">
-                <a16:creationId xmlns:a16="http://schemas.microsoft.com/office/drawing/2014/main" id="{D3F5AA45-E8D6-D60A-5DB1-2DF114890AEA}"/>
-              </a:ext>
-            </a:extLst>
-          </p:cNvPr>
+          <p:cNvPr id="7" name="Slide Number Placeholder 6"/>
           <p:cNvSpPr>
             <a:spLocks noGrp="1"/>
           </p:cNvSpPr>
@@ -2429,18 +2296,2087 @@
           <a:p>
             <a:fld id="{1524FC1B-6581-444F-963F-403D84570D21}" type="slidenum">
               <a:rPr lang="en-US" smtClean="0"/>
-              <a:t>‹#›</a:t>
             </a:fld>
             <a:endParaRPr lang="en-US"/>
           </a:p>
         </p:txBody>
       </p:sp>
     </p:spTree>
-    <p:extLst>
-      <p:ext uri="{BB962C8B-B14F-4D97-AF65-F5344CB8AC3E}">
-        <p14:creationId xmlns:p14="http://schemas.microsoft.com/office/powerpoint/2010/main" val="3760851126"/>
-      </p:ext>
-    </p:extLst>
+  </p:cSld>
+  <p:clrMapOvr>
+    <a:masterClrMapping/>
+  </p:clrMapOvr>
+</p:sldLayout>
+</file>
+
+<file path=ppt/slideLayouts/slideLayout2.xml><?xml version="1.0" encoding="utf-8"?>
+<p:sldLayout xmlns:a="http://schemas.openxmlformats.org/drawingml/2006/main" xmlns:r="http://schemas.openxmlformats.org/officeDocument/2006/relationships" xmlns:p="http://schemas.openxmlformats.org/presentationml/2006/main" type="obj" preserve="1">
+  <p:cSld name="Title and Content">
+    <p:spTree>
+      <p:nvGrpSpPr>
+        <p:cNvPr id="1" name=""/>
+        <p:cNvGrpSpPr/>
+        <p:nvPr/>
+      </p:nvGrpSpPr>
+      <p:grpSpPr>
+        <a:xfrm>
+          <a:off x="0" y="0"/>
+          <a:ext cx="0" cy="0"/>
+          <a:chOff x="0" y="0"/>
+          <a:chExt cx="0" cy="0"/>
+        </a:xfrm>
+      </p:grpSpPr>
+      <p:sp>
+        <p:nvSpPr>
+          <p:cNvPr id="2" name="Title 1"/>
+          <p:cNvSpPr>
+            <a:spLocks noGrp="1"/>
+          </p:cNvSpPr>
+          <p:nvPr>
+            <p:ph type="title"/>
+          </p:nvPr>
+        </p:nvSpPr>
+        <p:spPr/>
+        <p:txBody>
+          <a:bodyPr/>
+          <a:lstStyle/>
+          <a:p>
+            <a:r>
+              <a:rPr lang="en-US"/>
+              <a:t>Click to edit Master title style</a:t>
+            </a:r>
+            <a:endParaRPr lang="en-US"/>
+          </a:p>
+        </p:txBody>
+      </p:sp>
+      <p:sp>
+        <p:nvSpPr>
+          <p:cNvPr id="3" name="Content Placeholder 2"/>
+          <p:cNvSpPr>
+            <a:spLocks noGrp="1"/>
+          </p:cNvSpPr>
+          <p:nvPr>
+            <p:ph idx="1"/>
+          </p:nvPr>
+        </p:nvSpPr>
+        <p:spPr/>
+        <p:txBody>
+          <a:bodyPr/>
+          <a:lstStyle/>
+          <a:p>
+            <a:pPr lvl="0"/>
+            <a:r>
+              <a:rPr lang="en-US"/>
+              <a:t>Click to edit Master text styles</a:t>
+            </a:r>
+            <a:endParaRPr lang="en-US"/>
+          </a:p>
+          <a:p>
+            <a:pPr lvl="1"/>
+            <a:r>
+              <a:rPr lang="en-US"/>
+              <a:t>Second level</a:t>
+            </a:r>
+            <a:endParaRPr lang="en-US"/>
+          </a:p>
+          <a:p>
+            <a:pPr lvl="2"/>
+            <a:r>
+              <a:rPr lang="en-US"/>
+              <a:t>Third level</a:t>
+            </a:r>
+            <a:endParaRPr lang="en-US"/>
+          </a:p>
+          <a:p>
+            <a:pPr lvl="3"/>
+            <a:r>
+              <a:rPr lang="en-US"/>
+              <a:t>Fourth level</a:t>
+            </a:r>
+            <a:endParaRPr lang="en-US"/>
+          </a:p>
+          <a:p>
+            <a:pPr lvl="4"/>
+            <a:r>
+              <a:rPr lang="en-US"/>
+              <a:t>Fifth level</a:t>
+            </a:r>
+            <a:endParaRPr lang="en-US"/>
+          </a:p>
+        </p:txBody>
+      </p:sp>
+      <p:sp>
+        <p:nvSpPr>
+          <p:cNvPr id="4" name="Date Placeholder 3"/>
+          <p:cNvSpPr>
+            <a:spLocks noGrp="1"/>
+          </p:cNvSpPr>
+          <p:nvPr>
+            <p:ph type="dt" sz="half" idx="10"/>
+          </p:nvPr>
+        </p:nvSpPr>
+        <p:spPr/>
+        <p:txBody>
+          <a:bodyPr/>
+          <a:lstStyle/>
+          <a:p>
+            <a:fld id="{C01F4AEB-7D51-411C-8CB3-D6998BF4FFE0}" type="datetimeFigureOut">
+              <a:rPr lang="en-US" smtClean="0"/>
+            </a:fld>
+            <a:endParaRPr lang="en-US"/>
+          </a:p>
+        </p:txBody>
+      </p:sp>
+      <p:sp>
+        <p:nvSpPr>
+          <p:cNvPr id="5" name="Footer Placeholder 4"/>
+          <p:cNvSpPr>
+            <a:spLocks noGrp="1"/>
+          </p:cNvSpPr>
+          <p:nvPr>
+            <p:ph type="ftr" sz="quarter" idx="11"/>
+          </p:nvPr>
+        </p:nvSpPr>
+        <p:spPr/>
+        <p:txBody>
+          <a:bodyPr/>
+          <a:lstStyle/>
+          <a:p>
+            <a:endParaRPr lang="en-US"/>
+          </a:p>
+        </p:txBody>
+      </p:sp>
+      <p:sp>
+        <p:nvSpPr>
+          <p:cNvPr id="6" name="Slide Number Placeholder 5"/>
+          <p:cNvSpPr>
+            <a:spLocks noGrp="1"/>
+          </p:cNvSpPr>
+          <p:nvPr>
+            <p:ph type="sldNum" sz="quarter" idx="12"/>
+          </p:nvPr>
+        </p:nvSpPr>
+        <p:spPr/>
+        <p:txBody>
+          <a:bodyPr/>
+          <a:lstStyle/>
+          <a:p>
+            <a:fld id="{1524FC1B-6581-444F-963F-403D84570D21}" type="slidenum">
+              <a:rPr lang="en-US" smtClean="0"/>
+            </a:fld>
+            <a:endParaRPr lang="en-US"/>
+          </a:p>
+        </p:txBody>
+      </p:sp>
+    </p:spTree>
+  </p:cSld>
+  <p:clrMapOvr>
+    <a:masterClrMapping/>
+  </p:clrMapOvr>
+</p:sldLayout>
+</file>
+
+<file path=ppt/slideLayouts/slideLayout20.xml><?xml version="1.0" encoding="utf-8"?>
+<p:sldLayout xmlns:a="http://schemas.openxmlformats.org/drawingml/2006/main" xmlns:r="http://schemas.openxmlformats.org/officeDocument/2006/relationships" xmlns:p="http://schemas.openxmlformats.org/presentationml/2006/main" type="picTx" preserve="1">
+  <p:cSld name="Picture with Caption">
+    <p:spTree>
+      <p:nvGrpSpPr>
+        <p:cNvPr id="1" name=""/>
+        <p:cNvGrpSpPr/>
+        <p:nvPr/>
+      </p:nvGrpSpPr>
+      <p:grpSpPr>
+        <a:xfrm>
+          <a:off x="0" y="0"/>
+          <a:ext cx="0" cy="0"/>
+          <a:chOff x="0" y="0"/>
+          <a:chExt cx="0" cy="0"/>
+        </a:xfrm>
+      </p:grpSpPr>
+      <p:sp>
+        <p:nvSpPr>
+          <p:cNvPr id="2" name="Title 1"/>
+          <p:cNvSpPr>
+            <a:spLocks noGrp="1"/>
+          </p:cNvSpPr>
+          <p:nvPr>
+            <p:ph type="title"/>
+          </p:nvPr>
+        </p:nvSpPr>
+        <p:spPr>
+          <a:xfrm>
+            <a:off x="839788" y="457200"/>
+            <a:ext cx="3932237" cy="1600200"/>
+          </a:xfrm>
+        </p:spPr>
+        <p:txBody>
+          <a:bodyPr anchor="b"/>
+          <a:lstStyle>
+            <a:lvl1pPr>
+              <a:defRPr sz="3200"/>
+            </a:lvl1pPr>
+          </a:lstStyle>
+          <a:p>
+            <a:r>
+              <a:rPr lang="en-US"/>
+              <a:t>Click to edit Master title style</a:t>
+            </a:r>
+            <a:endParaRPr lang="en-US"/>
+          </a:p>
+        </p:txBody>
+      </p:sp>
+      <p:sp>
+        <p:nvSpPr>
+          <p:cNvPr id="3" name="Picture Placeholder 2"/>
+          <p:cNvSpPr>
+            <a:spLocks noGrp="1"/>
+          </p:cNvSpPr>
+          <p:nvPr>
+            <p:ph type="pic" idx="1"/>
+          </p:nvPr>
+        </p:nvSpPr>
+        <p:spPr>
+          <a:xfrm>
+            <a:off x="5183188" y="987425"/>
+            <a:ext cx="6172200" cy="4873625"/>
+          </a:xfrm>
+        </p:spPr>
+        <p:txBody>
+          <a:bodyPr/>
+          <a:lstStyle>
+            <a:lvl1pPr marL="0" indent="0">
+              <a:buNone/>
+              <a:defRPr sz="3200"/>
+            </a:lvl1pPr>
+            <a:lvl2pPr marL="457200" indent="0">
+              <a:buNone/>
+              <a:defRPr sz="2800"/>
+            </a:lvl2pPr>
+            <a:lvl3pPr marL="914400" indent="0">
+              <a:buNone/>
+              <a:defRPr sz="2400"/>
+            </a:lvl3pPr>
+            <a:lvl4pPr marL="1371600" indent="0">
+              <a:buNone/>
+              <a:defRPr sz="2000"/>
+            </a:lvl4pPr>
+            <a:lvl5pPr marL="1828800" indent="0">
+              <a:buNone/>
+              <a:defRPr sz="2000"/>
+            </a:lvl5pPr>
+            <a:lvl6pPr marL="2286000" indent="0">
+              <a:buNone/>
+              <a:defRPr sz="2000"/>
+            </a:lvl6pPr>
+            <a:lvl7pPr marL="2743200" indent="0">
+              <a:buNone/>
+              <a:defRPr sz="2000"/>
+            </a:lvl7pPr>
+            <a:lvl8pPr marL="3200400" indent="0">
+              <a:buNone/>
+              <a:defRPr sz="2000"/>
+            </a:lvl8pPr>
+            <a:lvl9pPr marL="3657600" indent="0">
+              <a:buNone/>
+              <a:defRPr sz="2000"/>
+            </a:lvl9pPr>
+          </a:lstStyle>
+          <a:p>
+            <a:endParaRPr lang="en-US"/>
+          </a:p>
+        </p:txBody>
+      </p:sp>
+      <p:sp>
+        <p:nvSpPr>
+          <p:cNvPr id="4" name="Text Placeholder 3"/>
+          <p:cNvSpPr>
+            <a:spLocks noGrp="1"/>
+          </p:cNvSpPr>
+          <p:nvPr>
+            <p:ph type="body" sz="half" idx="2"/>
+          </p:nvPr>
+        </p:nvSpPr>
+        <p:spPr>
+          <a:xfrm>
+            <a:off x="839788" y="2057400"/>
+            <a:ext cx="3932237" cy="3811588"/>
+          </a:xfrm>
+        </p:spPr>
+        <p:txBody>
+          <a:bodyPr/>
+          <a:lstStyle>
+            <a:lvl1pPr marL="0" indent="0">
+              <a:buNone/>
+              <a:defRPr sz="1600"/>
+            </a:lvl1pPr>
+            <a:lvl2pPr marL="457200" indent="0">
+              <a:buNone/>
+              <a:defRPr sz="1400"/>
+            </a:lvl2pPr>
+            <a:lvl3pPr marL="914400" indent="0">
+              <a:buNone/>
+              <a:defRPr sz="1200"/>
+            </a:lvl3pPr>
+            <a:lvl4pPr marL="1371600" indent="0">
+              <a:buNone/>
+              <a:defRPr sz="1000"/>
+            </a:lvl4pPr>
+            <a:lvl5pPr marL="1828800" indent="0">
+              <a:buNone/>
+              <a:defRPr sz="1000"/>
+            </a:lvl5pPr>
+            <a:lvl6pPr marL="2286000" indent="0">
+              <a:buNone/>
+              <a:defRPr sz="1000"/>
+            </a:lvl6pPr>
+            <a:lvl7pPr marL="2743200" indent="0">
+              <a:buNone/>
+              <a:defRPr sz="1000"/>
+            </a:lvl7pPr>
+            <a:lvl8pPr marL="3200400" indent="0">
+              <a:buNone/>
+              <a:defRPr sz="1000"/>
+            </a:lvl8pPr>
+            <a:lvl9pPr marL="3657600" indent="0">
+              <a:buNone/>
+              <a:defRPr sz="1000"/>
+            </a:lvl9pPr>
+          </a:lstStyle>
+          <a:p>
+            <a:pPr lvl="0"/>
+            <a:r>
+              <a:rPr lang="en-US"/>
+              <a:t>Click to edit Master text styles</a:t>
+            </a:r>
+            <a:endParaRPr lang="en-US"/>
+          </a:p>
+        </p:txBody>
+      </p:sp>
+      <p:sp>
+        <p:nvSpPr>
+          <p:cNvPr id="5" name="Date Placeholder 4"/>
+          <p:cNvSpPr>
+            <a:spLocks noGrp="1"/>
+          </p:cNvSpPr>
+          <p:nvPr>
+            <p:ph type="dt" sz="half" idx="10"/>
+          </p:nvPr>
+        </p:nvSpPr>
+        <p:spPr/>
+        <p:txBody>
+          <a:bodyPr/>
+          <a:lstStyle/>
+          <a:p>
+            <a:fld id="{C01F4AEB-7D51-411C-8CB3-D6998BF4FFE0}" type="datetimeFigureOut">
+              <a:rPr lang="en-US" smtClean="0"/>
+            </a:fld>
+            <a:endParaRPr lang="en-US"/>
+          </a:p>
+        </p:txBody>
+      </p:sp>
+      <p:sp>
+        <p:nvSpPr>
+          <p:cNvPr id="6" name="Footer Placeholder 5"/>
+          <p:cNvSpPr>
+            <a:spLocks noGrp="1"/>
+          </p:cNvSpPr>
+          <p:nvPr>
+            <p:ph type="ftr" sz="quarter" idx="11"/>
+          </p:nvPr>
+        </p:nvSpPr>
+        <p:spPr/>
+        <p:txBody>
+          <a:bodyPr/>
+          <a:lstStyle/>
+          <a:p>
+            <a:endParaRPr lang="en-US"/>
+          </a:p>
+        </p:txBody>
+      </p:sp>
+      <p:sp>
+        <p:nvSpPr>
+          <p:cNvPr id="7" name="Slide Number Placeholder 6"/>
+          <p:cNvSpPr>
+            <a:spLocks noGrp="1"/>
+          </p:cNvSpPr>
+          <p:nvPr>
+            <p:ph type="sldNum" sz="quarter" idx="12"/>
+          </p:nvPr>
+        </p:nvSpPr>
+        <p:spPr/>
+        <p:txBody>
+          <a:bodyPr/>
+          <a:lstStyle/>
+          <a:p>
+            <a:fld id="{1524FC1B-6581-444F-963F-403D84570D21}" type="slidenum">
+              <a:rPr lang="en-US" smtClean="0"/>
+            </a:fld>
+            <a:endParaRPr lang="en-US"/>
+          </a:p>
+        </p:txBody>
+      </p:sp>
+    </p:spTree>
+  </p:cSld>
+  <p:clrMapOvr>
+    <a:masterClrMapping/>
+  </p:clrMapOvr>
+</p:sldLayout>
+</file>
+
+<file path=ppt/slideLayouts/slideLayout21.xml><?xml version="1.0" encoding="utf-8"?>
+<p:sldLayout xmlns:a="http://schemas.openxmlformats.org/drawingml/2006/main" xmlns:r="http://schemas.openxmlformats.org/officeDocument/2006/relationships" xmlns:p="http://schemas.openxmlformats.org/presentationml/2006/main" type="vertTx" preserve="1">
+  <p:cSld name="Title and Vertical Text">
+    <p:spTree>
+      <p:nvGrpSpPr>
+        <p:cNvPr id="1" name=""/>
+        <p:cNvGrpSpPr/>
+        <p:nvPr/>
+      </p:nvGrpSpPr>
+      <p:grpSpPr>
+        <a:xfrm>
+          <a:off x="0" y="0"/>
+          <a:ext cx="0" cy="0"/>
+          <a:chOff x="0" y="0"/>
+          <a:chExt cx="0" cy="0"/>
+        </a:xfrm>
+      </p:grpSpPr>
+      <p:sp>
+        <p:nvSpPr>
+          <p:cNvPr id="2" name="Title 1"/>
+          <p:cNvSpPr>
+            <a:spLocks noGrp="1"/>
+          </p:cNvSpPr>
+          <p:nvPr>
+            <p:ph type="title"/>
+          </p:nvPr>
+        </p:nvSpPr>
+        <p:spPr/>
+        <p:txBody>
+          <a:bodyPr/>
+          <a:lstStyle/>
+          <a:p>
+            <a:r>
+              <a:rPr lang="en-US"/>
+              <a:t>Click to edit Master title style</a:t>
+            </a:r>
+            <a:endParaRPr lang="en-US"/>
+          </a:p>
+        </p:txBody>
+      </p:sp>
+      <p:sp>
+        <p:nvSpPr>
+          <p:cNvPr id="3" name="Vertical Text Placeholder 2"/>
+          <p:cNvSpPr>
+            <a:spLocks noGrp="1"/>
+          </p:cNvSpPr>
+          <p:nvPr>
+            <p:ph type="body" orient="vert" idx="1"/>
+          </p:nvPr>
+        </p:nvSpPr>
+        <p:spPr/>
+        <p:txBody>
+          <a:bodyPr vert="eaVert"/>
+          <a:lstStyle/>
+          <a:p>
+            <a:pPr lvl="0"/>
+            <a:r>
+              <a:rPr lang="en-US"/>
+              <a:t>Click to edit Master text styles</a:t>
+            </a:r>
+            <a:endParaRPr lang="en-US"/>
+          </a:p>
+          <a:p>
+            <a:pPr lvl="1"/>
+            <a:r>
+              <a:rPr lang="en-US"/>
+              <a:t>Second level</a:t>
+            </a:r>
+            <a:endParaRPr lang="en-US"/>
+          </a:p>
+          <a:p>
+            <a:pPr lvl="2"/>
+            <a:r>
+              <a:rPr lang="en-US"/>
+              <a:t>Third level</a:t>
+            </a:r>
+            <a:endParaRPr lang="en-US"/>
+          </a:p>
+          <a:p>
+            <a:pPr lvl="3"/>
+            <a:r>
+              <a:rPr lang="en-US"/>
+              <a:t>Fourth level</a:t>
+            </a:r>
+            <a:endParaRPr lang="en-US"/>
+          </a:p>
+          <a:p>
+            <a:pPr lvl="4"/>
+            <a:r>
+              <a:rPr lang="en-US"/>
+              <a:t>Fifth level</a:t>
+            </a:r>
+            <a:endParaRPr lang="en-US"/>
+          </a:p>
+        </p:txBody>
+      </p:sp>
+      <p:sp>
+        <p:nvSpPr>
+          <p:cNvPr id="4" name="Date Placeholder 3"/>
+          <p:cNvSpPr>
+            <a:spLocks noGrp="1"/>
+          </p:cNvSpPr>
+          <p:nvPr>
+            <p:ph type="dt" sz="half" idx="10"/>
+          </p:nvPr>
+        </p:nvSpPr>
+        <p:spPr/>
+        <p:txBody>
+          <a:bodyPr/>
+          <a:lstStyle/>
+          <a:p>
+            <a:fld id="{C01F4AEB-7D51-411C-8CB3-D6998BF4FFE0}" type="datetimeFigureOut">
+              <a:rPr lang="en-US" smtClean="0"/>
+            </a:fld>
+            <a:endParaRPr lang="en-US"/>
+          </a:p>
+        </p:txBody>
+      </p:sp>
+      <p:sp>
+        <p:nvSpPr>
+          <p:cNvPr id="5" name="Footer Placeholder 4"/>
+          <p:cNvSpPr>
+            <a:spLocks noGrp="1"/>
+          </p:cNvSpPr>
+          <p:nvPr>
+            <p:ph type="ftr" sz="quarter" idx="11"/>
+          </p:nvPr>
+        </p:nvSpPr>
+        <p:spPr/>
+        <p:txBody>
+          <a:bodyPr/>
+          <a:lstStyle/>
+          <a:p>
+            <a:endParaRPr lang="en-US"/>
+          </a:p>
+        </p:txBody>
+      </p:sp>
+      <p:sp>
+        <p:nvSpPr>
+          <p:cNvPr id="6" name="Slide Number Placeholder 5"/>
+          <p:cNvSpPr>
+            <a:spLocks noGrp="1"/>
+          </p:cNvSpPr>
+          <p:nvPr>
+            <p:ph type="sldNum" sz="quarter" idx="12"/>
+          </p:nvPr>
+        </p:nvSpPr>
+        <p:spPr/>
+        <p:txBody>
+          <a:bodyPr/>
+          <a:lstStyle/>
+          <a:p>
+            <a:fld id="{1524FC1B-6581-444F-963F-403D84570D21}" type="slidenum">
+              <a:rPr lang="en-US" smtClean="0"/>
+            </a:fld>
+            <a:endParaRPr lang="en-US"/>
+          </a:p>
+        </p:txBody>
+      </p:sp>
+    </p:spTree>
+  </p:cSld>
+  <p:clrMapOvr>
+    <a:masterClrMapping/>
+  </p:clrMapOvr>
+</p:sldLayout>
+</file>
+
+<file path=ppt/slideLayouts/slideLayout22.xml><?xml version="1.0" encoding="utf-8"?>
+<p:sldLayout xmlns:a="http://schemas.openxmlformats.org/drawingml/2006/main" xmlns:r="http://schemas.openxmlformats.org/officeDocument/2006/relationships" xmlns:p="http://schemas.openxmlformats.org/presentationml/2006/main" type="vertTitleAndTx" preserve="1">
+  <p:cSld name="Vertical Title and Text">
+    <p:spTree>
+      <p:nvGrpSpPr>
+        <p:cNvPr id="1" name=""/>
+        <p:cNvGrpSpPr/>
+        <p:nvPr/>
+      </p:nvGrpSpPr>
+      <p:grpSpPr>
+        <a:xfrm>
+          <a:off x="0" y="0"/>
+          <a:ext cx="0" cy="0"/>
+          <a:chOff x="0" y="0"/>
+          <a:chExt cx="0" cy="0"/>
+        </a:xfrm>
+      </p:grpSpPr>
+      <p:sp>
+        <p:nvSpPr>
+          <p:cNvPr id="2" name="Vertical Title 1"/>
+          <p:cNvSpPr>
+            <a:spLocks noGrp="1"/>
+          </p:cNvSpPr>
+          <p:nvPr>
+            <p:ph type="title" orient="vert"/>
+          </p:nvPr>
+        </p:nvSpPr>
+        <p:spPr>
+          <a:xfrm>
+            <a:off x="8724900" y="365125"/>
+            <a:ext cx="2628900" cy="5811838"/>
+          </a:xfrm>
+        </p:spPr>
+        <p:txBody>
+          <a:bodyPr vert="eaVert"/>
+          <a:lstStyle/>
+          <a:p>
+            <a:r>
+              <a:rPr lang="en-US"/>
+              <a:t>Click to edit Master title style</a:t>
+            </a:r>
+            <a:endParaRPr lang="en-US"/>
+          </a:p>
+        </p:txBody>
+      </p:sp>
+      <p:sp>
+        <p:nvSpPr>
+          <p:cNvPr id="3" name="Vertical Text Placeholder 2"/>
+          <p:cNvSpPr>
+            <a:spLocks noGrp="1"/>
+          </p:cNvSpPr>
+          <p:nvPr>
+            <p:ph type="body" orient="vert" idx="1"/>
+          </p:nvPr>
+        </p:nvSpPr>
+        <p:spPr>
+          <a:xfrm>
+            <a:off x="838200" y="365125"/>
+            <a:ext cx="7734300" cy="5811838"/>
+          </a:xfrm>
+        </p:spPr>
+        <p:txBody>
+          <a:bodyPr vert="eaVert"/>
+          <a:lstStyle/>
+          <a:p>
+            <a:pPr lvl="0"/>
+            <a:r>
+              <a:rPr lang="en-US"/>
+              <a:t>Click to edit Master text styles</a:t>
+            </a:r>
+            <a:endParaRPr lang="en-US"/>
+          </a:p>
+          <a:p>
+            <a:pPr lvl="1"/>
+            <a:r>
+              <a:rPr lang="en-US"/>
+              <a:t>Second level</a:t>
+            </a:r>
+            <a:endParaRPr lang="en-US"/>
+          </a:p>
+          <a:p>
+            <a:pPr lvl="2"/>
+            <a:r>
+              <a:rPr lang="en-US"/>
+              <a:t>Third level</a:t>
+            </a:r>
+            <a:endParaRPr lang="en-US"/>
+          </a:p>
+          <a:p>
+            <a:pPr lvl="3"/>
+            <a:r>
+              <a:rPr lang="en-US"/>
+              <a:t>Fourth level</a:t>
+            </a:r>
+            <a:endParaRPr lang="en-US"/>
+          </a:p>
+          <a:p>
+            <a:pPr lvl="4"/>
+            <a:r>
+              <a:rPr lang="en-US"/>
+              <a:t>Fifth level</a:t>
+            </a:r>
+            <a:endParaRPr lang="en-US"/>
+          </a:p>
+        </p:txBody>
+      </p:sp>
+      <p:sp>
+        <p:nvSpPr>
+          <p:cNvPr id="4" name="Date Placeholder 3"/>
+          <p:cNvSpPr>
+            <a:spLocks noGrp="1"/>
+          </p:cNvSpPr>
+          <p:nvPr>
+            <p:ph type="dt" sz="half" idx="10"/>
+          </p:nvPr>
+        </p:nvSpPr>
+        <p:spPr/>
+        <p:txBody>
+          <a:bodyPr/>
+          <a:lstStyle/>
+          <a:p>
+            <a:fld id="{C01F4AEB-7D51-411C-8CB3-D6998BF4FFE0}" type="datetimeFigureOut">
+              <a:rPr lang="en-US" smtClean="0"/>
+            </a:fld>
+            <a:endParaRPr lang="en-US"/>
+          </a:p>
+        </p:txBody>
+      </p:sp>
+      <p:sp>
+        <p:nvSpPr>
+          <p:cNvPr id="5" name="Footer Placeholder 4"/>
+          <p:cNvSpPr>
+            <a:spLocks noGrp="1"/>
+          </p:cNvSpPr>
+          <p:nvPr>
+            <p:ph type="ftr" sz="quarter" idx="11"/>
+          </p:nvPr>
+        </p:nvSpPr>
+        <p:spPr/>
+        <p:txBody>
+          <a:bodyPr/>
+          <a:lstStyle/>
+          <a:p>
+            <a:endParaRPr lang="en-US"/>
+          </a:p>
+        </p:txBody>
+      </p:sp>
+      <p:sp>
+        <p:nvSpPr>
+          <p:cNvPr id="6" name="Slide Number Placeholder 5"/>
+          <p:cNvSpPr>
+            <a:spLocks noGrp="1"/>
+          </p:cNvSpPr>
+          <p:nvPr>
+            <p:ph type="sldNum" sz="quarter" idx="12"/>
+          </p:nvPr>
+        </p:nvSpPr>
+        <p:spPr/>
+        <p:txBody>
+          <a:bodyPr/>
+          <a:lstStyle/>
+          <a:p>
+            <a:fld id="{1524FC1B-6581-444F-963F-403D84570D21}" type="slidenum">
+              <a:rPr lang="en-US" smtClean="0"/>
+            </a:fld>
+            <a:endParaRPr lang="en-US"/>
+          </a:p>
+        </p:txBody>
+      </p:sp>
+    </p:spTree>
+  </p:cSld>
+  <p:clrMapOvr>
+    <a:masterClrMapping/>
+  </p:clrMapOvr>
+</p:sldLayout>
+</file>
+
+<file path=ppt/slideLayouts/slideLayout3.xml><?xml version="1.0" encoding="utf-8"?>
+<p:sldLayout xmlns:a="http://schemas.openxmlformats.org/drawingml/2006/main" xmlns:r="http://schemas.openxmlformats.org/officeDocument/2006/relationships" xmlns:p="http://schemas.openxmlformats.org/presentationml/2006/main" type="secHead" preserve="1">
+  <p:cSld name="Section Header">
+    <p:spTree>
+      <p:nvGrpSpPr>
+        <p:cNvPr id="1" name=""/>
+        <p:cNvGrpSpPr/>
+        <p:nvPr/>
+      </p:nvGrpSpPr>
+      <p:grpSpPr>
+        <a:xfrm>
+          <a:off x="0" y="0"/>
+          <a:ext cx="0" cy="0"/>
+          <a:chOff x="0" y="0"/>
+          <a:chExt cx="0" cy="0"/>
+        </a:xfrm>
+      </p:grpSpPr>
+      <p:sp>
+        <p:nvSpPr>
+          <p:cNvPr id="2" name="Title 1"/>
+          <p:cNvSpPr>
+            <a:spLocks noGrp="1"/>
+          </p:cNvSpPr>
+          <p:nvPr>
+            <p:ph type="title"/>
+          </p:nvPr>
+        </p:nvSpPr>
+        <p:spPr>
+          <a:xfrm>
+            <a:off x="831850" y="1709738"/>
+            <a:ext cx="10515600" cy="2852737"/>
+          </a:xfrm>
+        </p:spPr>
+        <p:txBody>
+          <a:bodyPr anchor="b"/>
+          <a:lstStyle>
+            <a:lvl1pPr>
+              <a:defRPr sz="6000"/>
+            </a:lvl1pPr>
+          </a:lstStyle>
+          <a:p>
+            <a:r>
+              <a:rPr lang="en-US"/>
+              <a:t>Click to edit Master title style</a:t>
+            </a:r>
+            <a:endParaRPr lang="en-US"/>
+          </a:p>
+        </p:txBody>
+      </p:sp>
+      <p:sp>
+        <p:nvSpPr>
+          <p:cNvPr id="3" name="Text Placeholder 2"/>
+          <p:cNvSpPr>
+            <a:spLocks noGrp="1"/>
+          </p:cNvSpPr>
+          <p:nvPr>
+            <p:ph type="body" idx="1"/>
+          </p:nvPr>
+        </p:nvSpPr>
+        <p:spPr>
+          <a:xfrm>
+            <a:off x="831850" y="4589463"/>
+            <a:ext cx="10515600" cy="1500187"/>
+          </a:xfrm>
+        </p:spPr>
+        <p:txBody>
+          <a:bodyPr/>
+          <a:lstStyle>
+            <a:lvl1pPr marL="0" indent="0">
+              <a:buNone/>
+              <a:defRPr sz="2400">
+                <a:solidFill>
+                  <a:schemeClr val="tx1">
+                    <a:tint val="75000"/>
+                  </a:schemeClr>
+                </a:solidFill>
+              </a:defRPr>
+            </a:lvl1pPr>
+            <a:lvl2pPr marL="457200" indent="0">
+              <a:buNone/>
+              <a:defRPr sz="2000">
+                <a:solidFill>
+                  <a:schemeClr val="tx1">
+                    <a:tint val="75000"/>
+                  </a:schemeClr>
+                </a:solidFill>
+              </a:defRPr>
+            </a:lvl2pPr>
+            <a:lvl3pPr marL="914400" indent="0">
+              <a:buNone/>
+              <a:defRPr sz="1800">
+                <a:solidFill>
+                  <a:schemeClr val="tx1">
+                    <a:tint val="75000"/>
+                  </a:schemeClr>
+                </a:solidFill>
+              </a:defRPr>
+            </a:lvl3pPr>
+            <a:lvl4pPr marL="1371600" indent="0">
+              <a:buNone/>
+              <a:defRPr sz="1600">
+                <a:solidFill>
+                  <a:schemeClr val="tx1">
+                    <a:tint val="75000"/>
+                  </a:schemeClr>
+                </a:solidFill>
+              </a:defRPr>
+            </a:lvl4pPr>
+            <a:lvl5pPr marL="1828800" indent="0">
+              <a:buNone/>
+              <a:defRPr sz="1600">
+                <a:solidFill>
+                  <a:schemeClr val="tx1">
+                    <a:tint val="75000"/>
+                  </a:schemeClr>
+                </a:solidFill>
+              </a:defRPr>
+            </a:lvl5pPr>
+            <a:lvl6pPr marL="2286000" indent="0">
+              <a:buNone/>
+              <a:defRPr sz="1600">
+                <a:solidFill>
+                  <a:schemeClr val="tx1">
+                    <a:tint val="75000"/>
+                  </a:schemeClr>
+                </a:solidFill>
+              </a:defRPr>
+            </a:lvl6pPr>
+            <a:lvl7pPr marL="2743200" indent="0">
+              <a:buNone/>
+              <a:defRPr sz="1600">
+                <a:solidFill>
+                  <a:schemeClr val="tx1">
+                    <a:tint val="75000"/>
+                  </a:schemeClr>
+                </a:solidFill>
+              </a:defRPr>
+            </a:lvl7pPr>
+            <a:lvl8pPr marL="3200400" indent="0">
+              <a:buNone/>
+              <a:defRPr sz="1600">
+                <a:solidFill>
+                  <a:schemeClr val="tx1">
+                    <a:tint val="75000"/>
+                  </a:schemeClr>
+                </a:solidFill>
+              </a:defRPr>
+            </a:lvl8pPr>
+            <a:lvl9pPr marL="3657600" indent="0">
+              <a:buNone/>
+              <a:defRPr sz="1600">
+                <a:solidFill>
+                  <a:schemeClr val="tx1">
+                    <a:tint val="75000"/>
+                  </a:schemeClr>
+                </a:solidFill>
+              </a:defRPr>
+            </a:lvl9pPr>
+          </a:lstStyle>
+          <a:p>
+            <a:pPr lvl="0"/>
+            <a:r>
+              <a:rPr lang="en-US"/>
+              <a:t>Click to edit Master text styles</a:t>
+            </a:r>
+            <a:endParaRPr lang="en-US"/>
+          </a:p>
+        </p:txBody>
+      </p:sp>
+      <p:sp>
+        <p:nvSpPr>
+          <p:cNvPr id="4" name="Date Placeholder 3"/>
+          <p:cNvSpPr>
+            <a:spLocks noGrp="1"/>
+          </p:cNvSpPr>
+          <p:nvPr>
+            <p:ph type="dt" sz="half" idx="10"/>
+          </p:nvPr>
+        </p:nvSpPr>
+        <p:spPr/>
+        <p:txBody>
+          <a:bodyPr/>
+          <a:lstStyle/>
+          <a:p>
+            <a:fld id="{C01F4AEB-7D51-411C-8CB3-D6998BF4FFE0}" type="datetimeFigureOut">
+              <a:rPr lang="en-US" smtClean="0"/>
+            </a:fld>
+            <a:endParaRPr lang="en-US"/>
+          </a:p>
+        </p:txBody>
+      </p:sp>
+      <p:sp>
+        <p:nvSpPr>
+          <p:cNvPr id="5" name="Footer Placeholder 4"/>
+          <p:cNvSpPr>
+            <a:spLocks noGrp="1"/>
+          </p:cNvSpPr>
+          <p:nvPr>
+            <p:ph type="ftr" sz="quarter" idx="11"/>
+          </p:nvPr>
+        </p:nvSpPr>
+        <p:spPr/>
+        <p:txBody>
+          <a:bodyPr/>
+          <a:lstStyle/>
+          <a:p>
+            <a:endParaRPr lang="en-US"/>
+          </a:p>
+        </p:txBody>
+      </p:sp>
+      <p:sp>
+        <p:nvSpPr>
+          <p:cNvPr id="6" name="Slide Number Placeholder 5"/>
+          <p:cNvSpPr>
+            <a:spLocks noGrp="1"/>
+          </p:cNvSpPr>
+          <p:nvPr>
+            <p:ph type="sldNum" sz="quarter" idx="12"/>
+          </p:nvPr>
+        </p:nvSpPr>
+        <p:spPr/>
+        <p:txBody>
+          <a:bodyPr/>
+          <a:lstStyle/>
+          <a:p>
+            <a:fld id="{1524FC1B-6581-444F-963F-403D84570D21}" type="slidenum">
+              <a:rPr lang="en-US" smtClean="0"/>
+            </a:fld>
+            <a:endParaRPr lang="en-US"/>
+          </a:p>
+        </p:txBody>
+      </p:sp>
+    </p:spTree>
+  </p:cSld>
+  <p:clrMapOvr>
+    <a:masterClrMapping/>
+  </p:clrMapOvr>
+</p:sldLayout>
+</file>
+
+<file path=ppt/slideLayouts/slideLayout4.xml><?xml version="1.0" encoding="utf-8"?>
+<p:sldLayout xmlns:a="http://schemas.openxmlformats.org/drawingml/2006/main" xmlns:r="http://schemas.openxmlformats.org/officeDocument/2006/relationships" xmlns:p="http://schemas.openxmlformats.org/presentationml/2006/main" type="twoObj" preserve="1">
+  <p:cSld name="Two Content">
+    <p:spTree>
+      <p:nvGrpSpPr>
+        <p:cNvPr id="1" name=""/>
+        <p:cNvGrpSpPr/>
+        <p:nvPr/>
+      </p:nvGrpSpPr>
+      <p:grpSpPr>
+        <a:xfrm>
+          <a:off x="0" y="0"/>
+          <a:ext cx="0" cy="0"/>
+          <a:chOff x="0" y="0"/>
+          <a:chExt cx="0" cy="0"/>
+        </a:xfrm>
+      </p:grpSpPr>
+      <p:sp>
+        <p:nvSpPr>
+          <p:cNvPr id="2" name="Title 1"/>
+          <p:cNvSpPr>
+            <a:spLocks noGrp="1"/>
+          </p:cNvSpPr>
+          <p:nvPr>
+            <p:ph type="title"/>
+          </p:nvPr>
+        </p:nvSpPr>
+        <p:spPr/>
+        <p:txBody>
+          <a:bodyPr/>
+          <a:lstStyle/>
+          <a:p>
+            <a:r>
+              <a:rPr lang="en-US"/>
+              <a:t>Click to edit Master title style</a:t>
+            </a:r>
+            <a:endParaRPr lang="en-US"/>
+          </a:p>
+        </p:txBody>
+      </p:sp>
+      <p:sp>
+        <p:nvSpPr>
+          <p:cNvPr id="3" name="Content Placeholder 2"/>
+          <p:cNvSpPr>
+            <a:spLocks noGrp="1"/>
+          </p:cNvSpPr>
+          <p:nvPr>
+            <p:ph sz="half" idx="1"/>
+          </p:nvPr>
+        </p:nvSpPr>
+        <p:spPr>
+          <a:xfrm>
+            <a:off x="838200" y="1825625"/>
+            <a:ext cx="5181600" cy="4351338"/>
+          </a:xfrm>
+        </p:spPr>
+        <p:txBody>
+          <a:bodyPr/>
+          <a:lstStyle/>
+          <a:p>
+            <a:pPr lvl="0"/>
+            <a:r>
+              <a:rPr lang="en-US"/>
+              <a:t>Click to edit Master text styles</a:t>
+            </a:r>
+            <a:endParaRPr lang="en-US"/>
+          </a:p>
+          <a:p>
+            <a:pPr lvl="1"/>
+            <a:r>
+              <a:rPr lang="en-US"/>
+              <a:t>Second level</a:t>
+            </a:r>
+            <a:endParaRPr lang="en-US"/>
+          </a:p>
+          <a:p>
+            <a:pPr lvl="2"/>
+            <a:r>
+              <a:rPr lang="en-US"/>
+              <a:t>Third level</a:t>
+            </a:r>
+            <a:endParaRPr lang="en-US"/>
+          </a:p>
+          <a:p>
+            <a:pPr lvl="3"/>
+            <a:r>
+              <a:rPr lang="en-US"/>
+              <a:t>Fourth level</a:t>
+            </a:r>
+            <a:endParaRPr lang="en-US"/>
+          </a:p>
+          <a:p>
+            <a:pPr lvl="4"/>
+            <a:r>
+              <a:rPr lang="en-US"/>
+              <a:t>Fifth level</a:t>
+            </a:r>
+            <a:endParaRPr lang="en-US"/>
+          </a:p>
+        </p:txBody>
+      </p:sp>
+      <p:sp>
+        <p:nvSpPr>
+          <p:cNvPr id="4" name="Content Placeholder 3"/>
+          <p:cNvSpPr>
+            <a:spLocks noGrp="1"/>
+          </p:cNvSpPr>
+          <p:nvPr>
+            <p:ph sz="half" idx="2"/>
+          </p:nvPr>
+        </p:nvSpPr>
+        <p:spPr>
+          <a:xfrm>
+            <a:off x="6172200" y="1825625"/>
+            <a:ext cx="5181600" cy="4351338"/>
+          </a:xfrm>
+        </p:spPr>
+        <p:txBody>
+          <a:bodyPr/>
+          <a:lstStyle/>
+          <a:p>
+            <a:pPr lvl="0"/>
+            <a:r>
+              <a:rPr lang="en-US"/>
+              <a:t>Click to edit Master text styles</a:t>
+            </a:r>
+            <a:endParaRPr lang="en-US"/>
+          </a:p>
+          <a:p>
+            <a:pPr lvl="1"/>
+            <a:r>
+              <a:rPr lang="en-US"/>
+              <a:t>Second level</a:t>
+            </a:r>
+            <a:endParaRPr lang="en-US"/>
+          </a:p>
+          <a:p>
+            <a:pPr lvl="2"/>
+            <a:r>
+              <a:rPr lang="en-US"/>
+              <a:t>Third level</a:t>
+            </a:r>
+            <a:endParaRPr lang="en-US"/>
+          </a:p>
+          <a:p>
+            <a:pPr lvl="3"/>
+            <a:r>
+              <a:rPr lang="en-US"/>
+              <a:t>Fourth level</a:t>
+            </a:r>
+            <a:endParaRPr lang="en-US"/>
+          </a:p>
+          <a:p>
+            <a:pPr lvl="4"/>
+            <a:r>
+              <a:rPr lang="en-US"/>
+              <a:t>Fifth level</a:t>
+            </a:r>
+            <a:endParaRPr lang="en-US"/>
+          </a:p>
+        </p:txBody>
+      </p:sp>
+      <p:sp>
+        <p:nvSpPr>
+          <p:cNvPr id="5" name="Date Placeholder 4"/>
+          <p:cNvSpPr>
+            <a:spLocks noGrp="1"/>
+          </p:cNvSpPr>
+          <p:nvPr>
+            <p:ph type="dt" sz="half" idx="10"/>
+          </p:nvPr>
+        </p:nvSpPr>
+        <p:spPr/>
+        <p:txBody>
+          <a:bodyPr/>
+          <a:lstStyle/>
+          <a:p>
+            <a:fld id="{C01F4AEB-7D51-411C-8CB3-D6998BF4FFE0}" type="datetimeFigureOut">
+              <a:rPr lang="en-US" smtClean="0"/>
+            </a:fld>
+            <a:endParaRPr lang="en-US"/>
+          </a:p>
+        </p:txBody>
+      </p:sp>
+      <p:sp>
+        <p:nvSpPr>
+          <p:cNvPr id="6" name="Footer Placeholder 5"/>
+          <p:cNvSpPr>
+            <a:spLocks noGrp="1"/>
+          </p:cNvSpPr>
+          <p:nvPr>
+            <p:ph type="ftr" sz="quarter" idx="11"/>
+          </p:nvPr>
+        </p:nvSpPr>
+        <p:spPr/>
+        <p:txBody>
+          <a:bodyPr/>
+          <a:lstStyle/>
+          <a:p>
+            <a:endParaRPr lang="en-US"/>
+          </a:p>
+        </p:txBody>
+      </p:sp>
+      <p:sp>
+        <p:nvSpPr>
+          <p:cNvPr id="7" name="Slide Number Placeholder 6"/>
+          <p:cNvSpPr>
+            <a:spLocks noGrp="1"/>
+          </p:cNvSpPr>
+          <p:nvPr>
+            <p:ph type="sldNum" sz="quarter" idx="12"/>
+          </p:nvPr>
+        </p:nvSpPr>
+        <p:spPr/>
+        <p:txBody>
+          <a:bodyPr/>
+          <a:lstStyle/>
+          <a:p>
+            <a:fld id="{1524FC1B-6581-444F-963F-403D84570D21}" type="slidenum">
+              <a:rPr lang="en-US" smtClean="0"/>
+            </a:fld>
+            <a:endParaRPr lang="en-US"/>
+          </a:p>
+        </p:txBody>
+      </p:sp>
+    </p:spTree>
+  </p:cSld>
+  <p:clrMapOvr>
+    <a:masterClrMapping/>
+  </p:clrMapOvr>
+</p:sldLayout>
+</file>
+
+<file path=ppt/slideLayouts/slideLayout5.xml><?xml version="1.0" encoding="utf-8"?>
+<p:sldLayout xmlns:a="http://schemas.openxmlformats.org/drawingml/2006/main" xmlns:r="http://schemas.openxmlformats.org/officeDocument/2006/relationships" xmlns:p="http://schemas.openxmlformats.org/presentationml/2006/main" type="twoTxTwoObj" preserve="1">
+  <p:cSld name="Comparison">
+    <p:spTree>
+      <p:nvGrpSpPr>
+        <p:cNvPr id="1" name=""/>
+        <p:cNvGrpSpPr/>
+        <p:nvPr/>
+      </p:nvGrpSpPr>
+      <p:grpSpPr>
+        <a:xfrm>
+          <a:off x="0" y="0"/>
+          <a:ext cx="0" cy="0"/>
+          <a:chOff x="0" y="0"/>
+          <a:chExt cx="0" cy="0"/>
+        </a:xfrm>
+      </p:grpSpPr>
+      <p:sp>
+        <p:nvSpPr>
+          <p:cNvPr id="2" name="Title 1"/>
+          <p:cNvSpPr>
+            <a:spLocks noGrp="1"/>
+          </p:cNvSpPr>
+          <p:nvPr>
+            <p:ph type="title"/>
+          </p:nvPr>
+        </p:nvSpPr>
+        <p:spPr>
+          <a:xfrm>
+            <a:off x="839788" y="365125"/>
+            <a:ext cx="10515600" cy="1325563"/>
+          </a:xfrm>
+        </p:spPr>
+        <p:txBody>
+          <a:bodyPr/>
+          <a:lstStyle/>
+          <a:p>
+            <a:r>
+              <a:rPr lang="en-US"/>
+              <a:t>Click to edit Master title style</a:t>
+            </a:r>
+            <a:endParaRPr lang="en-US"/>
+          </a:p>
+        </p:txBody>
+      </p:sp>
+      <p:sp>
+        <p:nvSpPr>
+          <p:cNvPr id="3" name="Text Placeholder 2"/>
+          <p:cNvSpPr>
+            <a:spLocks noGrp="1"/>
+          </p:cNvSpPr>
+          <p:nvPr>
+            <p:ph type="body" idx="1"/>
+          </p:nvPr>
+        </p:nvSpPr>
+        <p:spPr>
+          <a:xfrm>
+            <a:off x="839788" y="1681163"/>
+            <a:ext cx="5157787" cy="823912"/>
+          </a:xfrm>
+        </p:spPr>
+        <p:txBody>
+          <a:bodyPr anchor="b"/>
+          <a:lstStyle>
+            <a:lvl1pPr marL="0" indent="0">
+              <a:buNone/>
+              <a:defRPr sz="2400" b="1"/>
+            </a:lvl1pPr>
+            <a:lvl2pPr marL="457200" indent="0">
+              <a:buNone/>
+              <a:defRPr sz="2000" b="1"/>
+            </a:lvl2pPr>
+            <a:lvl3pPr marL="914400" indent="0">
+              <a:buNone/>
+              <a:defRPr sz="1800" b="1"/>
+            </a:lvl3pPr>
+            <a:lvl4pPr marL="1371600" indent="0">
+              <a:buNone/>
+              <a:defRPr sz="1600" b="1"/>
+            </a:lvl4pPr>
+            <a:lvl5pPr marL="1828800" indent="0">
+              <a:buNone/>
+              <a:defRPr sz="1600" b="1"/>
+            </a:lvl5pPr>
+            <a:lvl6pPr marL="2286000" indent="0">
+              <a:buNone/>
+              <a:defRPr sz="1600" b="1"/>
+            </a:lvl6pPr>
+            <a:lvl7pPr marL="2743200" indent="0">
+              <a:buNone/>
+              <a:defRPr sz="1600" b="1"/>
+            </a:lvl7pPr>
+            <a:lvl8pPr marL="3200400" indent="0">
+              <a:buNone/>
+              <a:defRPr sz="1600" b="1"/>
+            </a:lvl8pPr>
+            <a:lvl9pPr marL="3657600" indent="0">
+              <a:buNone/>
+              <a:defRPr sz="1600" b="1"/>
+            </a:lvl9pPr>
+          </a:lstStyle>
+          <a:p>
+            <a:pPr lvl="0"/>
+            <a:r>
+              <a:rPr lang="en-US"/>
+              <a:t>Click to edit Master text styles</a:t>
+            </a:r>
+            <a:endParaRPr lang="en-US"/>
+          </a:p>
+        </p:txBody>
+      </p:sp>
+      <p:sp>
+        <p:nvSpPr>
+          <p:cNvPr id="4" name="Content Placeholder 3"/>
+          <p:cNvSpPr>
+            <a:spLocks noGrp="1"/>
+          </p:cNvSpPr>
+          <p:nvPr>
+            <p:ph sz="half" idx="2"/>
+          </p:nvPr>
+        </p:nvSpPr>
+        <p:spPr>
+          <a:xfrm>
+            <a:off x="839788" y="2505075"/>
+            <a:ext cx="5157787" cy="3684588"/>
+          </a:xfrm>
+        </p:spPr>
+        <p:txBody>
+          <a:bodyPr/>
+          <a:lstStyle/>
+          <a:p>
+            <a:pPr lvl="0"/>
+            <a:r>
+              <a:rPr lang="en-US"/>
+              <a:t>Click to edit Master text styles</a:t>
+            </a:r>
+            <a:endParaRPr lang="en-US"/>
+          </a:p>
+          <a:p>
+            <a:pPr lvl="1"/>
+            <a:r>
+              <a:rPr lang="en-US"/>
+              <a:t>Second level</a:t>
+            </a:r>
+            <a:endParaRPr lang="en-US"/>
+          </a:p>
+          <a:p>
+            <a:pPr lvl="2"/>
+            <a:r>
+              <a:rPr lang="en-US"/>
+              <a:t>Third level</a:t>
+            </a:r>
+            <a:endParaRPr lang="en-US"/>
+          </a:p>
+          <a:p>
+            <a:pPr lvl="3"/>
+            <a:r>
+              <a:rPr lang="en-US"/>
+              <a:t>Fourth level</a:t>
+            </a:r>
+            <a:endParaRPr lang="en-US"/>
+          </a:p>
+          <a:p>
+            <a:pPr lvl="4"/>
+            <a:r>
+              <a:rPr lang="en-US"/>
+              <a:t>Fifth level</a:t>
+            </a:r>
+            <a:endParaRPr lang="en-US"/>
+          </a:p>
+        </p:txBody>
+      </p:sp>
+      <p:sp>
+        <p:nvSpPr>
+          <p:cNvPr id="5" name="Text Placeholder 4"/>
+          <p:cNvSpPr>
+            <a:spLocks noGrp="1"/>
+          </p:cNvSpPr>
+          <p:nvPr>
+            <p:ph type="body" sz="quarter" idx="3"/>
+          </p:nvPr>
+        </p:nvSpPr>
+        <p:spPr>
+          <a:xfrm>
+            <a:off x="6172200" y="1681163"/>
+            <a:ext cx="5183188" cy="823912"/>
+          </a:xfrm>
+        </p:spPr>
+        <p:txBody>
+          <a:bodyPr anchor="b"/>
+          <a:lstStyle>
+            <a:lvl1pPr marL="0" indent="0">
+              <a:buNone/>
+              <a:defRPr sz="2400" b="1"/>
+            </a:lvl1pPr>
+            <a:lvl2pPr marL="457200" indent="0">
+              <a:buNone/>
+              <a:defRPr sz="2000" b="1"/>
+            </a:lvl2pPr>
+            <a:lvl3pPr marL="914400" indent="0">
+              <a:buNone/>
+              <a:defRPr sz="1800" b="1"/>
+            </a:lvl3pPr>
+            <a:lvl4pPr marL="1371600" indent="0">
+              <a:buNone/>
+              <a:defRPr sz="1600" b="1"/>
+            </a:lvl4pPr>
+            <a:lvl5pPr marL="1828800" indent="0">
+              <a:buNone/>
+              <a:defRPr sz="1600" b="1"/>
+            </a:lvl5pPr>
+            <a:lvl6pPr marL="2286000" indent="0">
+              <a:buNone/>
+              <a:defRPr sz="1600" b="1"/>
+            </a:lvl6pPr>
+            <a:lvl7pPr marL="2743200" indent="0">
+              <a:buNone/>
+              <a:defRPr sz="1600" b="1"/>
+            </a:lvl7pPr>
+            <a:lvl8pPr marL="3200400" indent="0">
+              <a:buNone/>
+              <a:defRPr sz="1600" b="1"/>
+            </a:lvl8pPr>
+            <a:lvl9pPr marL="3657600" indent="0">
+              <a:buNone/>
+              <a:defRPr sz="1600" b="1"/>
+            </a:lvl9pPr>
+          </a:lstStyle>
+          <a:p>
+            <a:pPr lvl="0"/>
+            <a:r>
+              <a:rPr lang="en-US"/>
+              <a:t>Click to edit Master text styles</a:t>
+            </a:r>
+            <a:endParaRPr lang="en-US"/>
+          </a:p>
+        </p:txBody>
+      </p:sp>
+      <p:sp>
+        <p:nvSpPr>
+          <p:cNvPr id="6" name="Content Placeholder 5"/>
+          <p:cNvSpPr>
+            <a:spLocks noGrp="1"/>
+          </p:cNvSpPr>
+          <p:nvPr>
+            <p:ph sz="quarter" idx="4"/>
+          </p:nvPr>
+        </p:nvSpPr>
+        <p:spPr>
+          <a:xfrm>
+            <a:off x="6172200" y="2505075"/>
+            <a:ext cx="5183188" cy="3684588"/>
+          </a:xfrm>
+        </p:spPr>
+        <p:txBody>
+          <a:bodyPr/>
+          <a:lstStyle/>
+          <a:p>
+            <a:pPr lvl="0"/>
+            <a:r>
+              <a:rPr lang="en-US"/>
+              <a:t>Click to edit Master text styles</a:t>
+            </a:r>
+            <a:endParaRPr lang="en-US"/>
+          </a:p>
+          <a:p>
+            <a:pPr lvl="1"/>
+            <a:r>
+              <a:rPr lang="en-US"/>
+              <a:t>Second level</a:t>
+            </a:r>
+            <a:endParaRPr lang="en-US"/>
+          </a:p>
+          <a:p>
+            <a:pPr lvl="2"/>
+            <a:r>
+              <a:rPr lang="en-US"/>
+              <a:t>Third level</a:t>
+            </a:r>
+            <a:endParaRPr lang="en-US"/>
+          </a:p>
+          <a:p>
+            <a:pPr lvl="3"/>
+            <a:r>
+              <a:rPr lang="en-US"/>
+              <a:t>Fourth level</a:t>
+            </a:r>
+            <a:endParaRPr lang="en-US"/>
+          </a:p>
+          <a:p>
+            <a:pPr lvl="4"/>
+            <a:r>
+              <a:rPr lang="en-US"/>
+              <a:t>Fifth level</a:t>
+            </a:r>
+            <a:endParaRPr lang="en-US"/>
+          </a:p>
+        </p:txBody>
+      </p:sp>
+      <p:sp>
+        <p:nvSpPr>
+          <p:cNvPr id="7" name="Date Placeholder 6"/>
+          <p:cNvSpPr>
+            <a:spLocks noGrp="1"/>
+          </p:cNvSpPr>
+          <p:nvPr>
+            <p:ph type="dt" sz="half" idx="10"/>
+          </p:nvPr>
+        </p:nvSpPr>
+        <p:spPr/>
+        <p:txBody>
+          <a:bodyPr/>
+          <a:lstStyle/>
+          <a:p>
+            <a:fld id="{C01F4AEB-7D51-411C-8CB3-D6998BF4FFE0}" type="datetimeFigureOut">
+              <a:rPr lang="en-US" smtClean="0"/>
+            </a:fld>
+            <a:endParaRPr lang="en-US"/>
+          </a:p>
+        </p:txBody>
+      </p:sp>
+      <p:sp>
+        <p:nvSpPr>
+          <p:cNvPr id="8" name="Footer Placeholder 7"/>
+          <p:cNvSpPr>
+            <a:spLocks noGrp="1"/>
+          </p:cNvSpPr>
+          <p:nvPr>
+            <p:ph type="ftr" sz="quarter" idx="11"/>
+          </p:nvPr>
+        </p:nvSpPr>
+        <p:spPr/>
+        <p:txBody>
+          <a:bodyPr/>
+          <a:lstStyle/>
+          <a:p>
+            <a:endParaRPr lang="en-US"/>
+          </a:p>
+        </p:txBody>
+      </p:sp>
+      <p:sp>
+        <p:nvSpPr>
+          <p:cNvPr id="9" name="Slide Number Placeholder 8"/>
+          <p:cNvSpPr>
+            <a:spLocks noGrp="1"/>
+          </p:cNvSpPr>
+          <p:nvPr>
+            <p:ph type="sldNum" sz="quarter" idx="12"/>
+          </p:nvPr>
+        </p:nvSpPr>
+        <p:spPr/>
+        <p:txBody>
+          <a:bodyPr/>
+          <a:lstStyle/>
+          <a:p>
+            <a:fld id="{1524FC1B-6581-444F-963F-403D84570D21}" type="slidenum">
+              <a:rPr lang="en-US" smtClean="0"/>
+            </a:fld>
+            <a:endParaRPr lang="en-US"/>
+          </a:p>
+        </p:txBody>
+      </p:sp>
+    </p:spTree>
+  </p:cSld>
+  <p:clrMapOvr>
+    <a:masterClrMapping/>
+  </p:clrMapOvr>
+</p:sldLayout>
+</file>
+
+<file path=ppt/slideLayouts/slideLayout6.xml><?xml version="1.0" encoding="utf-8"?>
+<p:sldLayout xmlns:a="http://schemas.openxmlformats.org/drawingml/2006/main" xmlns:r="http://schemas.openxmlformats.org/officeDocument/2006/relationships" xmlns:p="http://schemas.openxmlformats.org/presentationml/2006/main" type="titleOnly" preserve="1">
+  <p:cSld name="Title Only">
+    <p:spTree>
+      <p:nvGrpSpPr>
+        <p:cNvPr id="1" name=""/>
+        <p:cNvGrpSpPr/>
+        <p:nvPr/>
+      </p:nvGrpSpPr>
+      <p:grpSpPr>
+        <a:xfrm>
+          <a:off x="0" y="0"/>
+          <a:ext cx="0" cy="0"/>
+          <a:chOff x="0" y="0"/>
+          <a:chExt cx="0" cy="0"/>
+        </a:xfrm>
+      </p:grpSpPr>
+      <p:sp>
+        <p:nvSpPr>
+          <p:cNvPr id="2" name="Title 1"/>
+          <p:cNvSpPr>
+            <a:spLocks noGrp="1"/>
+          </p:cNvSpPr>
+          <p:nvPr>
+            <p:ph type="title"/>
+          </p:nvPr>
+        </p:nvSpPr>
+        <p:spPr/>
+        <p:txBody>
+          <a:bodyPr/>
+          <a:lstStyle/>
+          <a:p>
+            <a:r>
+              <a:rPr lang="en-US"/>
+              <a:t>Click to edit Master title style</a:t>
+            </a:r>
+            <a:endParaRPr lang="en-US"/>
+          </a:p>
+        </p:txBody>
+      </p:sp>
+      <p:sp>
+        <p:nvSpPr>
+          <p:cNvPr id="3" name="Date Placeholder 2"/>
+          <p:cNvSpPr>
+            <a:spLocks noGrp="1"/>
+          </p:cNvSpPr>
+          <p:nvPr>
+            <p:ph type="dt" sz="half" idx="10"/>
+          </p:nvPr>
+        </p:nvSpPr>
+        <p:spPr/>
+        <p:txBody>
+          <a:bodyPr/>
+          <a:lstStyle/>
+          <a:p>
+            <a:fld id="{C01F4AEB-7D51-411C-8CB3-D6998BF4FFE0}" type="datetimeFigureOut">
+              <a:rPr lang="en-US" smtClean="0"/>
+            </a:fld>
+            <a:endParaRPr lang="en-US"/>
+          </a:p>
+        </p:txBody>
+      </p:sp>
+      <p:sp>
+        <p:nvSpPr>
+          <p:cNvPr id="4" name="Footer Placeholder 3"/>
+          <p:cNvSpPr>
+            <a:spLocks noGrp="1"/>
+          </p:cNvSpPr>
+          <p:nvPr>
+            <p:ph type="ftr" sz="quarter" idx="11"/>
+          </p:nvPr>
+        </p:nvSpPr>
+        <p:spPr/>
+        <p:txBody>
+          <a:bodyPr/>
+          <a:lstStyle/>
+          <a:p>
+            <a:endParaRPr lang="en-US"/>
+          </a:p>
+        </p:txBody>
+      </p:sp>
+      <p:sp>
+        <p:nvSpPr>
+          <p:cNvPr id="5" name="Slide Number Placeholder 4"/>
+          <p:cNvSpPr>
+            <a:spLocks noGrp="1"/>
+          </p:cNvSpPr>
+          <p:nvPr>
+            <p:ph type="sldNum" sz="quarter" idx="12"/>
+          </p:nvPr>
+        </p:nvSpPr>
+        <p:spPr/>
+        <p:txBody>
+          <a:bodyPr/>
+          <a:lstStyle/>
+          <a:p>
+            <a:fld id="{1524FC1B-6581-444F-963F-403D84570D21}" type="slidenum">
+              <a:rPr lang="en-US" smtClean="0"/>
+            </a:fld>
+            <a:endParaRPr lang="en-US"/>
+          </a:p>
+        </p:txBody>
+      </p:sp>
+    </p:spTree>
+  </p:cSld>
+  <p:clrMapOvr>
+    <a:masterClrMapping/>
+  </p:clrMapOvr>
+</p:sldLayout>
+</file>
+
+<file path=ppt/slideLayouts/slideLayout7.xml><?xml version="1.0" encoding="utf-8"?>
+<p:sldLayout xmlns:a="http://schemas.openxmlformats.org/drawingml/2006/main" xmlns:r="http://schemas.openxmlformats.org/officeDocument/2006/relationships" xmlns:p="http://schemas.openxmlformats.org/presentationml/2006/main" type="blank" preserve="1">
+  <p:cSld name="Blank">
+    <p:spTree>
+      <p:nvGrpSpPr>
+        <p:cNvPr id="1" name=""/>
+        <p:cNvGrpSpPr/>
+        <p:nvPr/>
+      </p:nvGrpSpPr>
+      <p:grpSpPr>
+        <a:xfrm>
+          <a:off x="0" y="0"/>
+          <a:ext cx="0" cy="0"/>
+          <a:chOff x="0" y="0"/>
+          <a:chExt cx="0" cy="0"/>
+        </a:xfrm>
+      </p:grpSpPr>
+      <p:sp>
+        <p:nvSpPr>
+          <p:cNvPr id="2" name="Date Placeholder 1"/>
+          <p:cNvSpPr>
+            <a:spLocks noGrp="1"/>
+          </p:cNvSpPr>
+          <p:nvPr>
+            <p:ph type="dt" sz="half" idx="10"/>
+          </p:nvPr>
+        </p:nvSpPr>
+        <p:spPr/>
+        <p:txBody>
+          <a:bodyPr/>
+          <a:lstStyle/>
+          <a:p>
+            <a:fld id="{C01F4AEB-7D51-411C-8CB3-D6998BF4FFE0}" type="datetimeFigureOut">
+              <a:rPr lang="en-US" smtClean="0"/>
+            </a:fld>
+            <a:endParaRPr lang="en-US"/>
+          </a:p>
+        </p:txBody>
+      </p:sp>
+      <p:sp>
+        <p:nvSpPr>
+          <p:cNvPr id="3" name="Footer Placeholder 2"/>
+          <p:cNvSpPr>
+            <a:spLocks noGrp="1"/>
+          </p:cNvSpPr>
+          <p:nvPr>
+            <p:ph type="ftr" sz="quarter" idx="11"/>
+          </p:nvPr>
+        </p:nvSpPr>
+        <p:spPr/>
+        <p:txBody>
+          <a:bodyPr/>
+          <a:lstStyle/>
+          <a:p>
+            <a:endParaRPr lang="en-US"/>
+          </a:p>
+        </p:txBody>
+      </p:sp>
+      <p:sp>
+        <p:nvSpPr>
+          <p:cNvPr id="4" name="Slide Number Placeholder 3"/>
+          <p:cNvSpPr>
+            <a:spLocks noGrp="1"/>
+          </p:cNvSpPr>
+          <p:nvPr>
+            <p:ph type="sldNum" sz="quarter" idx="12"/>
+          </p:nvPr>
+        </p:nvSpPr>
+        <p:spPr/>
+        <p:txBody>
+          <a:bodyPr/>
+          <a:lstStyle/>
+          <a:p>
+            <a:fld id="{1524FC1B-6581-444F-963F-403D84570D21}" type="slidenum">
+              <a:rPr lang="en-US" smtClean="0"/>
+            </a:fld>
+            <a:endParaRPr lang="en-US"/>
+          </a:p>
+        </p:txBody>
+      </p:sp>
+    </p:spTree>
+  </p:cSld>
+  <p:clrMapOvr>
+    <a:masterClrMapping/>
+  </p:clrMapOvr>
+</p:sldLayout>
+</file>
+
+<file path=ppt/slideLayouts/slideLayout8.xml><?xml version="1.0" encoding="utf-8"?>
+<p:sldLayout xmlns:a="http://schemas.openxmlformats.org/drawingml/2006/main" xmlns:r="http://schemas.openxmlformats.org/officeDocument/2006/relationships" xmlns:p="http://schemas.openxmlformats.org/presentationml/2006/main" type="objTx" preserve="1">
+  <p:cSld name="Content with Caption">
+    <p:spTree>
+      <p:nvGrpSpPr>
+        <p:cNvPr id="1" name=""/>
+        <p:cNvGrpSpPr/>
+        <p:nvPr/>
+      </p:nvGrpSpPr>
+      <p:grpSpPr>
+        <a:xfrm>
+          <a:off x="0" y="0"/>
+          <a:ext cx="0" cy="0"/>
+          <a:chOff x="0" y="0"/>
+          <a:chExt cx="0" cy="0"/>
+        </a:xfrm>
+      </p:grpSpPr>
+      <p:sp>
+        <p:nvSpPr>
+          <p:cNvPr id="2" name="Title 1"/>
+          <p:cNvSpPr>
+            <a:spLocks noGrp="1"/>
+          </p:cNvSpPr>
+          <p:nvPr>
+            <p:ph type="title"/>
+          </p:nvPr>
+        </p:nvSpPr>
+        <p:spPr>
+          <a:xfrm>
+            <a:off x="839788" y="457200"/>
+            <a:ext cx="3932237" cy="1600200"/>
+          </a:xfrm>
+        </p:spPr>
+        <p:txBody>
+          <a:bodyPr anchor="b"/>
+          <a:lstStyle>
+            <a:lvl1pPr>
+              <a:defRPr sz="3200"/>
+            </a:lvl1pPr>
+          </a:lstStyle>
+          <a:p>
+            <a:r>
+              <a:rPr lang="en-US"/>
+              <a:t>Click to edit Master title style</a:t>
+            </a:r>
+            <a:endParaRPr lang="en-US"/>
+          </a:p>
+        </p:txBody>
+      </p:sp>
+      <p:sp>
+        <p:nvSpPr>
+          <p:cNvPr id="3" name="Content Placeholder 2"/>
+          <p:cNvSpPr>
+            <a:spLocks noGrp="1"/>
+          </p:cNvSpPr>
+          <p:nvPr>
+            <p:ph idx="1"/>
+          </p:nvPr>
+        </p:nvSpPr>
+        <p:spPr>
+          <a:xfrm>
+            <a:off x="5183188" y="987425"/>
+            <a:ext cx="6172200" cy="4873625"/>
+          </a:xfrm>
+        </p:spPr>
+        <p:txBody>
+          <a:bodyPr/>
+          <a:lstStyle>
+            <a:lvl1pPr>
+              <a:defRPr sz="3200"/>
+            </a:lvl1pPr>
+            <a:lvl2pPr>
+              <a:defRPr sz="2800"/>
+            </a:lvl2pPr>
+            <a:lvl3pPr>
+              <a:defRPr sz="2400"/>
+            </a:lvl3pPr>
+            <a:lvl4pPr>
+              <a:defRPr sz="2000"/>
+            </a:lvl4pPr>
+            <a:lvl5pPr>
+              <a:defRPr sz="2000"/>
+            </a:lvl5pPr>
+            <a:lvl6pPr>
+              <a:defRPr sz="2000"/>
+            </a:lvl6pPr>
+            <a:lvl7pPr>
+              <a:defRPr sz="2000"/>
+            </a:lvl7pPr>
+            <a:lvl8pPr>
+              <a:defRPr sz="2000"/>
+            </a:lvl8pPr>
+            <a:lvl9pPr>
+              <a:defRPr sz="2000"/>
+            </a:lvl9pPr>
+          </a:lstStyle>
+          <a:p>
+            <a:pPr lvl="0"/>
+            <a:r>
+              <a:rPr lang="en-US"/>
+              <a:t>Click to edit Master text styles</a:t>
+            </a:r>
+            <a:endParaRPr lang="en-US"/>
+          </a:p>
+          <a:p>
+            <a:pPr lvl="1"/>
+            <a:r>
+              <a:rPr lang="en-US"/>
+              <a:t>Second level</a:t>
+            </a:r>
+            <a:endParaRPr lang="en-US"/>
+          </a:p>
+          <a:p>
+            <a:pPr lvl="2"/>
+            <a:r>
+              <a:rPr lang="en-US"/>
+              <a:t>Third level</a:t>
+            </a:r>
+            <a:endParaRPr lang="en-US"/>
+          </a:p>
+          <a:p>
+            <a:pPr lvl="3"/>
+            <a:r>
+              <a:rPr lang="en-US"/>
+              <a:t>Fourth level</a:t>
+            </a:r>
+            <a:endParaRPr lang="en-US"/>
+          </a:p>
+          <a:p>
+            <a:pPr lvl="4"/>
+            <a:r>
+              <a:rPr lang="en-US"/>
+              <a:t>Fifth level</a:t>
+            </a:r>
+            <a:endParaRPr lang="en-US"/>
+          </a:p>
+        </p:txBody>
+      </p:sp>
+      <p:sp>
+        <p:nvSpPr>
+          <p:cNvPr id="4" name="Text Placeholder 3"/>
+          <p:cNvSpPr>
+            <a:spLocks noGrp="1"/>
+          </p:cNvSpPr>
+          <p:nvPr>
+            <p:ph type="body" sz="half" idx="2"/>
+          </p:nvPr>
+        </p:nvSpPr>
+        <p:spPr>
+          <a:xfrm>
+            <a:off x="839788" y="2057400"/>
+            <a:ext cx="3932237" cy="3811588"/>
+          </a:xfrm>
+        </p:spPr>
+        <p:txBody>
+          <a:bodyPr/>
+          <a:lstStyle>
+            <a:lvl1pPr marL="0" indent="0">
+              <a:buNone/>
+              <a:defRPr sz="1600"/>
+            </a:lvl1pPr>
+            <a:lvl2pPr marL="457200" indent="0">
+              <a:buNone/>
+              <a:defRPr sz="1400"/>
+            </a:lvl2pPr>
+            <a:lvl3pPr marL="914400" indent="0">
+              <a:buNone/>
+              <a:defRPr sz="1200"/>
+            </a:lvl3pPr>
+            <a:lvl4pPr marL="1371600" indent="0">
+              <a:buNone/>
+              <a:defRPr sz="1000"/>
+            </a:lvl4pPr>
+            <a:lvl5pPr marL="1828800" indent="0">
+              <a:buNone/>
+              <a:defRPr sz="1000"/>
+            </a:lvl5pPr>
+            <a:lvl6pPr marL="2286000" indent="0">
+              <a:buNone/>
+              <a:defRPr sz="1000"/>
+            </a:lvl6pPr>
+            <a:lvl7pPr marL="2743200" indent="0">
+              <a:buNone/>
+              <a:defRPr sz="1000"/>
+            </a:lvl7pPr>
+            <a:lvl8pPr marL="3200400" indent="0">
+              <a:buNone/>
+              <a:defRPr sz="1000"/>
+            </a:lvl8pPr>
+            <a:lvl9pPr marL="3657600" indent="0">
+              <a:buNone/>
+              <a:defRPr sz="1000"/>
+            </a:lvl9pPr>
+          </a:lstStyle>
+          <a:p>
+            <a:pPr lvl="0"/>
+            <a:r>
+              <a:rPr lang="en-US"/>
+              <a:t>Click to edit Master text styles</a:t>
+            </a:r>
+            <a:endParaRPr lang="en-US"/>
+          </a:p>
+        </p:txBody>
+      </p:sp>
+      <p:sp>
+        <p:nvSpPr>
+          <p:cNvPr id="5" name="Date Placeholder 4"/>
+          <p:cNvSpPr>
+            <a:spLocks noGrp="1"/>
+          </p:cNvSpPr>
+          <p:nvPr>
+            <p:ph type="dt" sz="half" idx="10"/>
+          </p:nvPr>
+        </p:nvSpPr>
+        <p:spPr/>
+        <p:txBody>
+          <a:bodyPr/>
+          <a:lstStyle/>
+          <a:p>
+            <a:fld id="{C01F4AEB-7D51-411C-8CB3-D6998BF4FFE0}" type="datetimeFigureOut">
+              <a:rPr lang="en-US" smtClean="0"/>
+            </a:fld>
+            <a:endParaRPr lang="en-US"/>
+          </a:p>
+        </p:txBody>
+      </p:sp>
+      <p:sp>
+        <p:nvSpPr>
+          <p:cNvPr id="6" name="Footer Placeholder 5"/>
+          <p:cNvSpPr>
+            <a:spLocks noGrp="1"/>
+          </p:cNvSpPr>
+          <p:nvPr>
+            <p:ph type="ftr" sz="quarter" idx="11"/>
+          </p:nvPr>
+        </p:nvSpPr>
+        <p:spPr/>
+        <p:txBody>
+          <a:bodyPr/>
+          <a:lstStyle/>
+          <a:p>
+            <a:endParaRPr lang="en-US"/>
+          </a:p>
+        </p:txBody>
+      </p:sp>
+      <p:sp>
+        <p:nvSpPr>
+          <p:cNvPr id="7" name="Slide Number Placeholder 6"/>
+          <p:cNvSpPr>
+            <a:spLocks noGrp="1"/>
+          </p:cNvSpPr>
+          <p:nvPr>
+            <p:ph type="sldNum" sz="quarter" idx="12"/>
+          </p:nvPr>
+        </p:nvSpPr>
+        <p:spPr/>
+        <p:txBody>
+          <a:bodyPr/>
+          <a:lstStyle/>
+          <a:p>
+            <a:fld id="{1524FC1B-6581-444F-963F-403D84570D21}" type="slidenum">
+              <a:rPr lang="en-US" smtClean="0"/>
+            </a:fld>
+            <a:endParaRPr lang="en-US"/>
+          </a:p>
+        </p:txBody>
+      </p:sp>
+    </p:spTree>
   </p:cSld>
   <p:clrMapOvr>
     <a:masterClrMapping/>
@@ -2467,13 +4403,7 @@
       </p:grpSpPr>
       <p:sp>
         <p:nvSpPr>
-          <p:cNvPr id="2" name="Title 1">
-            <a:extLst>
-              <a:ext uri="{FF2B5EF4-FFF2-40B4-BE49-F238E27FC236}">
-                <a16:creationId xmlns:a16="http://schemas.microsoft.com/office/drawing/2014/main" id="{A72A587D-9798-8013-07A4-E25441749AD9}"/>
-              </a:ext>
-            </a:extLst>
-          </p:cNvPr>
+          <p:cNvPr id="2" name="Title 1"/>
           <p:cNvSpPr>
             <a:spLocks noGrp="1"/>
           </p:cNvSpPr>
@@ -2499,18 +4429,13 @@
               <a:rPr lang="en-US"/>
               <a:t>Click to edit Master title style</a:t>
             </a:r>
-          </a:p>
-        </p:txBody>
-      </p:sp>
-      <p:sp>
-        <p:nvSpPr>
-          <p:cNvPr id="3" name="Picture Placeholder 2">
-            <a:extLst>
-              <a:ext uri="{FF2B5EF4-FFF2-40B4-BE49-F238E27FC236}">
-                <a16:creationId xmlns:a16="http://schemas.microsoft.com/office/drawing/2014/main" id="{16241ECE-9B28-83ED-9053-E990BC61F565}"/>
-              </a:ext>
-            </a:extLst>
-          </p:cNvPr>
+            <a:endParaRPr lang="en-US"/>
+          </a:p>
+        </p:txBody>
+      </p:sp>
+      <p:sp>
+        <p:nvSpPr>
+          <p:cNvPr id="3" name="Picture Placeholder 2"/>
           <p:cNvSpPr>
             <a:spLocks noGrp="1"/>
           </p:cNvSpPr>
@@ -2571,13 +4496,7 @@
       </p:sp>
       <p:sp>
         <p:nvSpPr>
-          <p:cNvPr id="4" name="Text Placeholder 3">
-            <a:extLst>
-              <a:ext uri="{FF2B5EF4-FFF2-40B4-BE49-F238E27FC236}">
-                <a16:creationId xmlns:a16="http://schemas.microsoft.com/office/drawing/2014/main" id="{F22BF391-761C-C0E2-9AA6-214FABDDBEF0}"/>
-              </a:ext>
-            </a:extLst>
-          </p:cNvPr>
+          <p:cNvPr id="4" name="Text Placeholder 3"/>
           <p:cNvSpPr>
             <a:spLocks noGrp="1"/>
           </p:cNvSpPr>
@@ -2637,18 +4556,13 @@
               <a:rPr lang="en-US"/>
               <a:t>Click to edit Master text styles</a:t>
             </a:r>
-          </a:p>
-        </p:txBody>
-      </p:sp>
-      <p:sp>
-        <p:nvSpPr>
-          <p:cNvPr id="5" name="Date Placeholder 4">
-            <a:extLst>
-              <a:ext uri="{FF2B5EF4-FFF2-40B4-BE49-F238E27FC236}">
-                <a16:creationId xmlns:a16="http://schemas.microsoft.com/office/drawing/2014/main" id="{62B71DCD-6BCD-24FF-4C13-9FC74AC9AB38}"/>
-              </a:ext>
-            </a:extLst>
-          </p:cNvPr>
+            <a:endParaRPr lang="en-US"/>
+          </a:p>
+        </p:txBody>
+      </p:sp>
+      <p:sp>
+        <p:nvSpPr>
+          <p:cNvPr id="5" name="Date Placeholder 4"/>
           <p:cNvSpPr>
             <a:spLocks noGrp="1"/>
           </p:cNvSpPr>
@@ -2663,7 +4577,6 @@
           <a:p>
             <a:fld id="{C01F4AEB-7D51-411C-8CB3-D6998BF4FFE0}" type="datetimeFigureOut">
               <a:rPr lang="en-US" smtClean="0"/>
-              <a:t>9/16/2025</a:t>
             </a:fld>
             <a:endParaRPr lang="en-US"/>
           </a:p>
@@ -2671,13 +4584,7 @@
       </p:sp>
       <p:sp>
         <p:nvSpPr>
-          <p:cNvPr id="6" name="Footer Placeholder 5">
-            <a:extLst>
-              <a:ext uri="{FF2B5EF4-FFF2-40B4-BE49-F238E27FC236}">
-                <a16:creationId xmlns:a16="http://schemas.microsoft.com/office/drawing/2014/main" id="{72EBBA12-5958-BCE7-0C49-7BC90CD6AB1A}"/>
-              </a:ext>
-            </a:extLst>
-          </p:cNvPr>
+          <p:cNvPr id="6" name="Footer Placeholder 5"/>
           <p:cNvSpPr>
             <a:spLocks noGrp="1"/>
           </p:cNvSpPr>
@@ -2696,13 +4603,7 @@
       </p:sp>
       <p:sp>
         <p:nvSpPr>
-          <p:cNvPr id="7" name="Slide Number Placeholder 6">
-            <a:extLst>
-              <a:ext uri="{FF2B5EF4-FFF2-40B4-BE49-F238E27FC236}">
-                <a16:creationId xmlns:a16="http://schemas.microsoft.com/office/drawing/2014/main" id="{572F81EB-A5E7-CD6F-2EF2-336F40346E92}"/>
-              </a:ext>
-            </a:extLst>
-          </p:cNvPr>
+          <p:cNvPr id="7" name="Slide Number Placeholder 6"/>
           <p:cNvSpPr>
             <a:spLocks noGrp="1"/>
           </p:cNvSpPr>
@@ -2717,18 +4618,12 @@
           <a:p>
             <a:fld id="{1524FC1B-6581-444F-963F-403D84570D21}" type="slidenum">
               <a:rPr lang="en-US" smtClean="0"/>
-              <a:t>‹#›</a:t>
             </a:fld>
             <a:endParaRPr lang="en-US"/>
           </a:p>
         </p:txBody>
       </p:sp>
     </p:spTree>
-    <p:extLst>
-      <p:ext uri="{BB962C8B-B14F-4D97-AF65-F5344CB8AC3E}">
-        <p14:creationId xmlns:p14="http://schemas.microsoft.com/office/powerpoint/2010/main" val="3648250282"/>
-      </p:ext>
-    </p:extLst>
   </p:cSld>
   <p:clrMapOvr>
     <a:masterClrMapping/>
@@ -2760,13 +4655,7 @@
       </p:grpSpPr>
       <p:sp>
         <p:nvSpPr>
-          <p:cNvPr id="2" name="Title Placeholder 1">
-            <a:extLst>
-              <a:ext uri="{FF2B5EF4-FFF2-40B4-BE49-F238E27FC236}">
-                <a16:creationId xmlns:a16="http://schemas.microsoft.com/office/drawing/2014/main" id="{97A1691C-F131-E870-5D39-D91E17A63B76}"/>
-              </a:ext>
-            </a:extLst>
-          </p:cNvPr>
+          <p:cNvPr id="2" name="Title Placeholder 1"/>
           <p:cNvSpPr>
             <a:spLocks noGrp="1"/>
           </p:cNvSpPr>
@@ -2793,18 +4682,13 @@
               <a:rPr lang="en-US"/>
               <a:t>Click to edit Master title style</a:t>
             </a:r>
-          </a:p>
-        </p:txBody>
-      </p:sp>
-      <p:sp>
-        <p:nvSpPr>
-          <p:cNvPr id="3" name="Text Placeholder 2">
-            <a:extLst>
-              <a:ext uri="{FF2B5EF4-FFF2-40B4-BE49-F238E27FC236}">
-                <a16:creationId xmlns:a16="http://schemas.microsoft.com/office/drawing/2014/main" id="{030F983B-0DAD-2045-7A22-34559113222F}"/>
-              </a:ext>
-            </a:extLst>
-          </p:cNvPr>
+            <a:endParaRPr lang="en-US"/>
+          </a:p>
+        </p:txBody>
+      </p:sp>
+      <p:sp>
+        <p:nvSpPr>
+          <p:cNvPr id="3" name="Text Placeholder 2"/>
           <p:cNvSpPr>
             <a:spLocks noGrp="1"/>
           </p:cNvSpPr>
@@ -2832,6 +4716,7 @@
               <a:rPr lang="en-US"/>
               <a:t>Click to edit Master text styles</a:t>
             </a:r>
+            <a:endParaRPr lang="en-US"/>
           </a:p>
           <a:p>
             <a:pPr lvl="1"/>
@@ -2839,6 +4724,7 @@
               <a:rPr lang="en-US"/>
               <a:t>Second level</a:t>
             </a:r>
+            <a:endParaRPr lang="en-US"/>
           </a:p>
           <a:p>
             <a:pPr lvl="2"/>
@@ -2846,6 +4732,7 @@
               <a:rPr lang="en-US"/>
               <a:t>Third level</a:t>
             </a:r>
+            <a:endParaRPr lang="en-US"/>
           </a:p>
           <a:p>
             <a:pPr lvl="3"/>
@@ -2853,6 +4740,7 @@
               <a:rPr lang="en-US"/>
               <a:t>Fourth level</a:t>
             </a:r>
+            <a:endParaRPr lang="en-US"/>
           </a:p>
           <a:p>
             <a:pPr lvl="4"/>
@@ -2860,18 +4748,13 @@
               <a:rPr lang="en-US"/>
               <a:t>Fifth level</a:t>
             </a:r>
-          </a:p>
-        </p:txBody>
-      </p:sp>
-      <p:sp>
-        <p:nvSpPr>
-          <p:cNvPr id="4" name="Date Placeholder 3">
-            <a:extLst>
-              <a:ext uri="{FF2B5EF4-FFF2-40B4-BE49-F238E27FC236}">
-                <a16:creationId xmlns:a16="http://schemas.microsoft.com/office/drawing/2014/main" id="{3D6F4B0B-5C0E-FEB3-9A48-8718080800B9}"/>
-              </a:ext>
-            </a:extLst>
-          </p:cNvPr>
+            <a:endParaRPr lang="en-US"/>
+          </a:p>
+        </p:txBody>
+      </p:sp>
+      <p:sp>
+        <p:nvSpPr>
+          <p:cNvPr id="4" name="Date Placeholder 3"/>
           <p:cNvSpPr>
             <a:spLocks noGrp="1"/>
           </p:cNvSpPr>
@@ -2904,7 +4787,6 @@
           <a:p>
             <a:fld id="{C01F4AEB-7D51-411C-8CB3-D6998BF4FFE0}" type="datetimeFigureOut">
               <a:rPr lang="en-US" smtClean="0"/>
-              <a:t>9/16/2025</a:t>
             </a:fld>
             <a:endParaRPr lang="en-US"/>
           </a:p>
@@ -2912,13 +4794,7 @@
       </p:sp>
       <p:sp>
         <p:nvSpPr>
-          <p:cNvPr id="5" name="Footer Placeholder 4">
-            <a:extLst>
-              <a:ext uri="{FF2B5EF4-FFF2-40B4-BE49-F238E27FC236}">
-                <a16:creationId xmlns:a16="http://schemas.microsoft.com/office/drawing/2014/main" id="{42FE589F-60B2-2AF8-19F1-5AB44D625C95}"/>
-              </a:ext>
-            </a:extLst>
-          </p:cNvPr>
+          <p:cNvPr id="5" name="Footer Placeholder 4"/>
           <p:cNvSpPr>
             <a:spLocks noGrp="1"/>
           </p:cNvSpPr>
@@ -2955,13 +4831,7 @@
       </p:sp>
       <p:sp>
         <p:nvSpPr>
-          <p:cNvPr id="6" name="Slide Number Placeholder 5">
-            <a:extLst>
-              <a:ext uri="{FF2B5EF4-FFF2-40B4-BE49-F238E27FC236}">
-                <a16:creationId xmlns:a16="http://schemas.microsoft.com/office/drawing/2014/main" id="{C0B3BE43-6E98-B80D-3E0A-C43A198CB7D2}"/>
-              </a:ext>
-            </a:extLst>
-          </p:cNvPr>
+          <p:cNvPr id="6" name="Slide Number Placeholder 5"/>
           <p:cNvSpPr>
             <a:spLocks noGrp="1"/>
           </p:cNvSpPr>
@@ -2994,18 +4864,12 @@
           <a:p>
             <a:fld id="{1524FC1B-6581-444F-963F-403D84570D21}" type="slidenum">
               <a:rPr lang="en-US" smtClean="0"/>
-              <a:t>‹#›</a:t>
             </a:fld>
             <a:endParaRPr lang="en-US"/>
           </a:p>
         </p:txBody>
       </p:sp>
     </p:spTree>
-    <p:extLst>
-      <p:ext uri="{BB962C8B-B14F-4D97-AF65-F5344CB8AC3E}">
-        <p14:creationId xmlns:p14="http://schemas.microsoft.com/office/powerpoint/2010/main" val="653962063"/>
-      </p:ext>
-    </p:extLst>
   </p:cSld>
   <p:clrMap bg1="lt1" tx1="dk1" bg2="lt2" tx2="dk2" accent1="accent1" accent2="accent2" accent3="accent3" accent4="accent4" accent5="accent5" accent6="accent6" hlink="hlink" folHlink="folHlink"/>
   <p:sldLayoutIdLst>
@@ -3020,6 +4884,543 @@
     <p:sldLayoutId id="2147483657" r:id="rId9"/>
     <p:sldLayoutId id="2147483658" r:id="rId10"/>
     <p:sldLayoutId id="2147483659" r:id="rId11"/>
+  </p:sldLayoutIdLst>
+  <p:txStyles>
+    <p:titleStyle>
+      <a:lvl1pPr algn="l" defTabSz="914400" rtl="0" eaLnBrk="1" latinLnBrk="0" hangingPunct="1">
+        <a:lnSpc>
+          <a:spcPct val="90000"/>
+        </a:lnSpc>
+        <a:spcBef>
+          <a:spcPct val="0"/>
+        </a:spcBef>
+        <a:buNone/>
+        <a:defRPr sz="4400" kern="1200">
+          <a:solidFill>
+            <a:schemeClr val="tx1"/>
+          </a:solidFill>
+          <a:latin typeface="+mj-lt"/>
+          <a:ea typeface="+mj-ea"/>
+          <a:cs typeface="+mj-cs"/>
+        </a:defRPr>
+      </a:lvl1pPr>
+    </p:titleStyle>
+    <p:bodyStyle>
+      <a:lvl1pPr marL="228600" indent="-228600" algn="l" defTabSz="914400" rtl="0" eaLnBrk="1" latinLnBrk="0" hangingPunct="1">
+        <a:lnSpc>
+          <a:spcPct val="90000"/>
+        </a:lnSpc>
+        <a:spcBef>
+          <a:spcPts val="1000"/>
+        </a:spcBef>
+        <a:buFont typeface="Arial" panose="020B0604020202020204" pitchFamily="34" charset="0"/>
+        <a:buChar char="•"/>
+        <a:defRPr sz="2800" kern="1200">
+          <a:solidFill>
+            <a:schemeClr val="tx1"/>
+          </a:solidFill>
+          <a:latin typeface="+mn-lt"/>
+          <a:ea typeface="+mn-ea"/>
+          <a:cs typeface="+mn-cs"/>
+        </a:defRPr>
+      </a:lvl1pPr>
+      <a:lvl2pPr marL="685800" indent="-228600" algn="l" defTabSz="914400" rtl="0" eaLnBrk="1" latinLnBrk="0" hangingPunct="1">
+        <a:lnSpc>
+          <a:spcPct val="90000"/>
+        </a:lnSpc>
+        <a:spcBef>
+          <a:spcPts val="500"/>
+        </a:spcBef>
+        <a:buFont typeface="Arial" panose="020B0604020202020204" pitchFamily="34" charset="0"/>
+        <a:buChar char="•"/>
+        <a:defRPr sz="2400" kern="1200">
+          <a:solidFill>
+            <a:schemeClr val="tx1"/>
+          </a:solidFill>
+          <a:latin typeface="+mn-lt"/>
+          <a:ea typeface="+mn-ea"/>
+          <a:cs typeface="+mn-cs"/>
+        </a:defRPr>
+      </a:lvl2pPr>
+      <a:lvl3pPr marL="1143000" indent="-228600" algn="l" defTabSz="914400" rtl="0" eaLnBrk="1" latinLnBrk="0" hangingPunct="1">
+        <a:lnSpc>
+          <a:spcPct val="90000"/>
+        </a:lnSpc>
+        <a:spcBef>
+          <a:spcPts val="500"/>
+        </a:spcBef>
+        <a:buFont typeface="Arial" panose="020B0604020202020204" pitchFamily="34" charset="0"/>
+        <a:buChar char="•"/>
+        <a:defRPr sz="2000" kern="1200">
+          <a:solidFill>
+            <a:schemeClr val="tx1"/>
+          </a:solidFill>
+          <a:latin typeface="+mn-lt"/>
+          <a:ea typeface="+mn-ea"/>
+          <a:cs typeface="+mn-cs"/>
+        </a:defRPr>
+      </a:lvl3pPr>
+      <a:lvl4pPr marL="1600200" indent="-228600" algn="l" defTabSz="914400" rtl="0" eaLnBrk="1" latinLnBrk="0" hangingPunct="1">
+        <a:lnSpc>
+          <a:spcPct val="90000"/>
+        </a:lnSpc>
+        <a:spcBef>
+          <a:spcPts val="500"/>
+        </a:spcBef>
+        <a:buFont typeface="Arial" panose="020B0604020202020204" pitchFamily="34" charset="0"/>
+        <a:buChar char="•"/>
+        <a:defRPr sz="1800" kern="1200">
+          <a:solidFill>
+            <a:schemeClr val="tx1"/>
+          </a:solidFill>
+          <a:latin typeface="+mn-lt"/>
+          <a:ea typeface="+mn-ea"/>
+          <a:cs typeface="+mn-cs"/>
+        </a:defRPr>
+      </a:lvl4pPr>
+      <a:lvl5pPr marL="2057400" indent="-228600" algn="l" defTabSz="914400" rtl="0" eaLnBrk="1" latinLnBrk="0" hangingPunct="1">
+        <a:lnSpc>
+          <a:spcPct val="90000"/>
+        </a:lnSpc>
+        <a:spcBef>
+          <a:spcPts val="500"/>
+        </a:spcBef>
+        <a:buFont typeface="Arial" panose="020B0604020202020204" pitchFamily="34" charset="0"/>
+        <a:buChar char="•"/>
+        <a:defRPr sz="1800" kern="1200">
+          <a:solidFill>
+            <a:schemeClr val="tx1"/>
+          </a:solidFill>
+          <a:latin typeface="+mn-lt"/>
+          <a:ea typeface="+mn-ea"/>
+          <a:cs typeface="+mn-cs"/>
+        </a:defRPr>
+      </a:lvl5pPr>
+      <a:lvl6pPr marL="2514600" indent="-228600" algn="l" defTabSz="914400" rtl="0" eaLnBrk="1" latinLnBrk="0" hangingPunct="1">
+        <a:lnSpc>
+          <a:spcPct val="90000"/>
+        </a:lnSpc>
+        <a:spcBef>
+          <a:spcPts val="500"/>
+        </a:spcBef>
+        <a:buFont typeface="Arial" panose="020B0604020202020204" pitchFamily="34" charset="0"/>
+        <a:buChar char="•"/>
+        <a:defRPr sz="1800" kern="1200">
+          <a:solidFill>
+            <a:schemeClr val="tx1"/>
+          </a:solidFill>
+          <a:latin typeface="+mn-lt"/>
+          <a:ea typeface="+mn-ea"/>
+          <a:cs typeface="+mn-cs"/>
+        </a:defRPr>
+      </a:lvl6pPr>
+      <a:lvl7pPr marL="2971800" indent="-228600" algn="l" defTabSz="914400" rtl="0" eaLnBrk="1" latinLnBrk="0" hangingPunct="1">
+        <a:lnSpc>
+          <a:spcPct val="90000"/>
+        </a:lnSpc>
+        <a:spcBef>
+          <a:spcPts val="500"/>
+        </a:spcBef>
+        <a:buFont typeface="Arial" panose="020B0604020202020204" pitchFamily="34" charset="0"/>
+        <a:buChar char="•"/>
+        <a:defRPr sz="1800" kern="1200">
+          <a:solidFill>
+            <a:schemeClr val="tx1"/>
+          </a:solidFill>
+          <a:latin typeface="+mn-lt"/>
+          <a:ea typeface="+mn-ea"/>
+          <a:cs typeface="+mn-cs"/>
+        </a:defRPr>
+      </a:lvl7pPr>
+      <a:lvl8pPr marL="3429000" indent="-228600" algn="l" defTabSz="914400" rtl="0" eaLnBrk="1" latinLnBrk="0" hangingPunct="1">
+        <a:lnSpc>
+          <a:spcPct val="90000"/>
+        </a:lnSpc>
+        <a:spcBef>
+          <a:spcPts val="500"/>
+        </a:spcBef>
+        <a:buFont typeface="Arial" panose="020B0604020202020204" pitchFamily="34" charset="0"/>
+        <a:buChar char="•"/>
+        <a:defRPr sz="1800" kern="1200">
+          <a:solidFill>
+            <a:schemeClr val="tx1"/>
+          </a:solidFill>
+          <a:latin typeface="+mn-lt"/>
+          <a:ea typeface="+mn-ea"/>
+          <a:cs typeface="+mn-cs"/>
+        </a:defRPr>
+      </a:lvl8pPr>
+      <a:lvl9pPr marL="3886200" indent="-228600" algn="l" defTabSz="914400" rtl="0" eaLnBrk="1" latinLnBrk="0" hangingPunct="1">
+        <a:lnSpc>
+          <a:spcPct val="90000"/>
+        </a:lnSpc>
+        <a:spcBef>
+          <a:spcPts val="500"/>
+        </a:spcBef>
+        <a:buFont typeface="Arial" panose="020B0604020202020204" pitchFamily="34" charset="0"/>
+        <a:buChar char="•"/>
+        <a:defRPr sz="1800" kern="1200">
+          <a:solidFill>
+            <a:schemeClr val="tx1"/>
+          </a:solidFill>
+          <a:latin typeface="+mn-lt"/>
+          <a:ea typeface="+mn-ea"/>
+          <a:cs typeface="+mn-cs"/>
+        </a:defRPr>
+      </a:lvl9pPr>
+    </p:bodyStyle>
+    <p:otherStyle>
+      <a:defPPr>
+        <a:defRPr lang="en-US"/>
+      </a:defPPr>
+      <a:lvl1pPr marL="0" algn="l" defTabSz="914400" rtl="0" eaLnBrk="1" latinLnBrk="0" hangingPunct="1">
+        <a:defRPr sz="1800" kern="1200">
+          <a:solidFill>
+            <a:schemeClr val="tx1"/>
+          </a:solidFill>
+          <a:latin typeface="+mn-lt"/>
+          <a:ea typeface="+mn-ea"/>
+          <a:cs typeface="+mn-cs"/>
+        </a:defRPr>
+      </a:lvl1pPr>
+      <a:lvl2pPr marL="457200" algn="l" defTabSz="914400" rtl="0" eaLnBrk="1" latinLnBrk="0" hangingPunct="1">
+        <a:defRPr sz="1800" kern="1200">
+          <a:solidFill>
+            <a:schemeClr val="tx1"/>
+          </a:solidFill>
+          <a:latin typeface="+mn-lt"/>
+          <a:ea typeface="+mn-ea"/>
+          <a:cs typeface="+mn-cs"/>
+        </a:defRPr>
+      </a:lvl2pPr>
+      <a:lvl3pPr marL="914400" algn="l" defTabSz="914400" rtl="0" eaLnBrk="1" latinLnBrk="0" hangingPunct="1">
+        <a:defRPr sz="1800" kern="1200">
+          <a:solidFill>
+            <a:schemeClr val="tx1"/>
+          </a:solidFill>
+          <a:latin typeface="+mn-lt"/>
+          <a:ea typeface="+mn-ea"/>
+          <a:cs typeface="+mn-cs"/>
+        </a:defRPr>
+      </a:lvl3pPr>
+      <a:lvl4pPr marL="1371600" algn="l" defTabSz="914400" rtl="0" eaLnBrk="1" latinLnBrk="0" hangingPunct="1">
+        <a:defRPr sz="1800" kern="1200">
+          <a:solidFill>
+            <a:schemeClr val="tx1"/>
+          </a:solidFill>
+          <a:latin typeface="+mn-lt"/>
+          <a:ea typeface="+mn-ea"/>
+          <a:cs typeface="+mn-cs"/>
+        </a:defRPr>
+      </a:lvl4pPr>
+      <a:lvl5pPr marL="1828800" algn="l" defTabSz="914400" rtl="0" eaLnBrk="1" latinLnBrk="0" hangingPunct="1">
+        <a:defRPr sz="1800" kern="1200">
+          <a:solidFill>
+            <a:schemeClr val="tx1"/>
+          </a:solidFill>
+          <a:latin typeface="+mn-lt"/>
+          <a:ea typeface="+mn-ea"/>
+          <a:cs typeface="+mn-cs"/>
+        </a:defRPr>
+      </a:lvl5pPr>
+      <a:lvl6pPr marL="2286000" algn="l" defTabSz="914400" rtl="0" eaLnBrk="1" latinLnBrk="0" hangingPunct="1">
+        <a:defRPr sz="1800" kern="1200">
+          <a:solidFill>
+            <a:schemeClr val="tx1"/>
+          </a:solidFill>
+          <a:latin typeface="+mn-lt"/>
+          <a:ea typeface="+mn-ea"/>
+          <a:cs typeface="+mn-cs"/>
+        </a:defRPr>
+      </a:lvl6pPr>
+      <a:lvl7pPr marL="2743200" algn="l" defTabSz="914400" rtl="0" eaLnBrk="1" latinLnBrk="0" hangingPunct="1">
+        <a:defRPr sz="1800" kern="1200">
+          <a:solidFill>
+            <a:schemeClr val="tx1"/>
+          </a:solidFill>
+          <a:latin typeface="+mn-lt"/>
+          <a:ea typeface="+mn-ea"/>
+          <a:cs typeface="+mn-cs"/>
+        </a:defRPr>
+      </a:lvl7pPr>
+      <a:lvl8pPr marL="3200400" algn="l" defTabSz="914400" rtl="0" eaLnBrk="1" latinLnBrk="0" hangingPunct="1">
+        <a:defRPr sz="1800" kern="1200">
+          <a:solidFill>
+            <a:schemeClr val="tx1"/>
+          </a:solidFill>
+          <a:latin typeface="+mn-lt"/>
+          <a:ea typeface="+mn-ea"/>
+          <a:cs typeface="+mn-cs"/>
+        </a:defRPr>
+      </a:lvl8pPr>
+      <a:lvl9pPr marL="3657600" algn="l" defTabSz="914400" rtl="0" eaLnBrk="1" latinLnBrk="0" hangingPunct="1">
+        <a:defRPr sz="1800" kern="1200">
+          <a:solidFill>
+            <a:schemeClr val="tx1"/>
+          </a:solidFill>
+          <a:latin typeface="+mn-lt"/>
+          <a:ea typeface="+mn-ea"/>
+          <a:cs typeface="+mn-cs"/>
+        </a:defRPr>
+      </a:lvl9pPr>
+    </p:otherStyle>
+  </p:txStyles>
+</p:sldMaster>
+</file>
+
+<file path=ppt/slideMasters/slideMaster2.xml><?xml version="1.0" encoding="utf-8"?>
+<p:sldMaster xmlns:a="http://schemas.openxmlformats.org/drawingml/2006/main" xmlns:r="http://schemas.openxmlformats.org/officeDocument/2006/relationships" xmlns:p="http://schemas.openxmlformats.org/presentationml/2006/main">
+  <p:cSld>
+    <p:bg>
+      <p:bgRef idx="1001">
+        <a:schemeClr val="bg1"/>
+      </p:bgRef>
+    </p:bg>
+    <p:spTree>
+      <p:nvGrpSpPr>
+        <p:cNvPr id="1" name=""/>
+        <p:cNvGrpSpPr/>
+        <p:nvPr/>
+      </p:nvGrpSpPr>
+      <p:grpSpPr>
+        <a:xfrm>
+          <a:off x="0" y="0"/>
+          <a:ext cx="0" cy="0"/>
+          <a:chOff x="0" y="0"/>
+          <a:chExt cx="0" cy="0"/>
+        </a:xfrm>
+      </p:grpSpPr>
+      <p:sp>
+        <p:nvSpPr>
+          <p:cNvPr id="2" name="Title Placeholder 1"/>
+          <p:cNvSpPr>
+            <a:spLocks noGrp="1"/>
+          </p:cNvSpPr>
+          <p:nvPr>
+            <p:ph type="title"/>
+          </p:nvPr>
+        </p:nvSpPr>
+        <p:spPr>
+          <a:xfrm>
+            <a:off x="838200" y="365125"/>
+            <a:ext cx="10515600" cy="1325563"/>
+          </a:xfrm>
+          <a:prstGeom prst="rect">
+            <a:avLst/>
+          </a:prstGeom>
+        </p:spPr>
+        <p:txBody>
+          <a:bodyPr vert="horz" lIns="91440" tIns="45720" rIns="91440" bIns="45720" rtlCol="0" anchor="ctr">
+            <a:normAutofit/>
+          </a:bodyPr>
+          <a:lstStyle/>
+          <a:p>
+            <a:r>
+              <a:rPr lang="en-US"/>
+              <a:t>Click to edit Master title style</a:t>
+            </a:r>
+            <a:endParaRPr lang="en-US"/>
+          </a:p>
+        </p:txBody>
+      </p:sp>
+      <p:sp>
+        <p:nvSpPr>
+          <p:cNvPr id="3" name="Text Placeholder 2"/>
+          <p:cNvSpPr>
+            <a:spLocks noGrp="1"/>
+          </p:cNvSpPr>
+          <p:nvPr>
+            <p:ph type="body" idx="1"/>
+          </p:nvPr>
+        </p:nvSpPr>
+        <p:spPr>
+          <a:xfrm>
+            <a:off x="838200" y="1825625"/>
+            <a:ext cx="10515600" cy="4351338"/>
+          </a:xfrm>
+          <a:prstGeom prst="rect">
+            <a:avLst/>
+          </a:prstGeom>
+        </p:spPr>
+        <p:txBody>
+          <a:bodyPr vert="horz" lIns="91440" tIns="45720" rIns="91440" bIns="45720" rtlCol="0">
+            <a:normAutofit/>
+          </a:bodyPr>
+          <a:lstStyle/>
+          <a:p>
+            <a:pPr lvl="0"/>
+            <a:r>
+              <a:rPr lang="en-US"/>
+              <a:t>Click to edit Master text styles</a:t>
+            </a:r>
+            <a:endParaRPr lang="en-US"/>
+          </a:p>
+          <a:p>
+            <a:pPr lvl="1"/>
+            <a:r>
+              <a:rPr lang="en-US"/>
+              <a:t>Second level</a:t>
+            </a:r>
+            <a:endParaRPr lang="en-US"/>
+          </a:p>
+          <a:p>
+            <a:pPr lvl="2"/>
+            <a:r>
+              <a:rPr lang="en-US"/>
+              <a:t>Third level</a:t>
+            </a:r>
+            <a:endParaRPr lang="en-US"/>
+          </a:p>
+          <a:p>
+            <a:pPr lvl="3"/>
+            <a:r>
+              <a:rPr lang="en-US"/>
+              <a:t>Fourth level</a:t>
+            </a:r>
+            <a:endParaRPr lang="en-US"/>
+          </a:p>
+          <a:p>
+            <a:pPr lvl="4"/>
+            <a:r>
+              <a:rPr lang="en-US"/>
+              <a:t>Fifth level</a:t>
+            </a:r>
+            <a:endParaRPr lang="en-US"/>
+          </a:p>
+        </p:txBody>
+      </p:sp>
+      <p:sp>
+        <p:nvSpPr>
+          <p:cNvPr id="4" name="Date Placeholder 3"/>
+          <p:cNvSpPr>
+            <a:spLocks noGrp="1"/>
+          </p:cNvSpPr>
+          <p:nvPr>
+            <p:ph type="dt" sz="half" idx="2"/>
+          </p:nvPr>
+        </p:nvSpPr>
+        <p:spPr>
+          <a:xfrm>
+            <a:off x="838200" y="6356350"/>
+            <a:ext cx="2743200" cy="365125"/>
+          </a:xfrm>
+          <a:prstGeom prst="rect">
+            <a:avLst/>
+          </a:prstGeom>
+        </p:spPr>
+        <p:txBody>
+          <a:bodyPr vert="horz" lIns="91440" tIns="45720" rIns="91440" bIns="45720" rtlCol="0" anchor="ctr"/>
+          <a:lstStyle>
+            <a:lvl1pPr algn="l">
+              <a:defRPr sz="1200">
+                <a:solidFill>
+                  <a:schemeClr val="tx1">
+                    <a:tint val="75000"/>
+                  </a:schemeClr>
+                </a:solidFill>
+              </a:defRPr>
+            </a:lvl1pPr>
+          </a:lstStyle>
+          <a:p>
+            <a:fld id="{C01F4AEB-7D51-411C-8CB3-D6998BF4FFE0}" type="datetimeFigureOut">
+              <a:rPr lang="en-US" smtClean="0"/>
+            </a:fld>
+            <a:endParaRPr lang="en-US"/>
+          </a:p>
+        </p:txBody>
+      </p:sp>
+      <p:sp>
+        <p:nvSpPr>
+          <p:cNvPr id="5" name="Footer Placeholder 4"/>
+          <p:cNvSpPr>
+            <a:spLocks noGrp="1"/>
+          </p:cNvSpPr>
+          <p:nvPr>
+            <p:ph type="ftr" sz="quarter" idx="3"/>
+          </p:nvPr>
+        </p:nvSpPr>
+        <p:spPr>
+          <a:xfrm>
+            <a:off x="4038600" y="6356350"/>
+            <a:ext cx="4114800" cy="365125"/>
+          </a:xfrm>
+          <a:prstGeom prst="rect">
+            <a:avLst/>
+          </a:prstGeom>
+        </p:spPr>
+        <p:txBody>
+          <a:bodyPr vert="horz" lIns="91440" tIns="45720" rIns="91440" bIns="45720" rtlCol="0" anchor="ctr"/>
+          <a:lstStyle>
+            <a:lvl1pPr algn="ctr">
+              <a:defRPr sz="1200">
+                <a:solidFill>
+                  <a:schemeClr val="tx1">
+                    <a:tint val="75000"/>
+                  </a:schemeClr>
+                </a:solidFill>
+              </a:defRPr>
+            </a:lvl1pPr>
+          </a:lstStyle>
+          <a:p>
+            <a:endParaRPr lang="en-US"/>
+          </a:p>
+        </p:txBody>
+      </p:sp>
+      <p:sp>
+        <p:nvSpPr>
+          <p:cNvPr id="6" name="Slide Number Placeholder 5"/>
+          <p:cNvSpPr>
+            <a:spLocks noGrp="1"/>
+          </p:cNvSpPr>
+          <p:nvPr>
+            <p:ph type="sldNum" sz="quarter" idx="4"/>
+          </p:nvPr>
+        </p:nvSpPr>
+        <p:spPr>
+          <a:xfrm>
+            <a:off x="8610600" y="6356350"/>
+            <a:ext cx="2743200" cy="365125"/>
+          </a:xfrm>
+          <a:prstGeom prst="rect">
+            <a:avLst/>
+          </a:prstGeom>
+        </p:spPr>
+        <p:txBody>
+          <a:bodyPr vert="horz" lIns="91440" tIns="45720" rIns="91440" bIns="45720" rtlCol="0" anchor="ctr"/>
+          <a:lstStyle>
+            <a:lvl1pPr algn="r">
+              <a:defRPr sz="1200">
+                <a:solidFill>
+                  <a:schemeClr val="tx1">
+                    <a:tint val="75000"/>
+                  </a:schemeClr>
+                </a:solidFill>
+              </a:defRPr>
+            </a:lvl1pPr>
+          </a:lstStyle>
+          <a:p>
+            <a:fld id="{1524FC1B-6581-444F-963F-403D84570D21}" type="slidenum">
+              <a:rPr lang="en-US" smtClean="0"/>
+            </a:fld>
+            <a:endParaRPr lang="en-US"/>
+          </a:p>
+        </p:txBody>
+      </p:sp>
+    </p:spTree>
+  </p:cSld>
+  <p:clrMap bg1="lt1" tx1="dk1" bg2="lt2" tx2="dk2" accent1="accent1" accent2="accent2" accent3="accent3" accent4="accent4" accent5="accent5" accent6="accent6" hlink="hlink" folHlink="folHlink"/>
+  <p:sldLayoutIdLst>
+    <p:sldLayoutId id="2147483661" r:id="rId1"/>
+    <p:sldLayoutId id="2147483662" r:id="rId2"/>
+    <p:sldLayoutId id="2147483663" r:id="rId3"/>
+    <p:sldLayoutId id="2147483664" r:id="rId4"/>
+    <p:sldLayoutId id="2147483665" r:id="rId5"/>
+    <p:sldLayoutId id="2147483666" r:id="rId6"/>
+    <p:sldLayoutId id="2147483667" r:id="rId7"/>
+    <p:sldLayoutId id="2147483668" r:id="rId8"/>
+    <p:sldLayoutId id="2147483669" r:id="rId9"/>
+    <p:sldLayoutId id="2147483670" r:id="rId10"/>
+    <p:sldLayoutId id="2147483671" r:id="rId11"/>
   </p:sldLayoutIdLst>
   <p:txStyles>
     <p:titleStyle>
@@ -3323,60 +5724,2741 @@
       </p:grpSpPr>
       <p:sp>
         <p:nvSpPr>
-          <p:cNvPr id="2" name="Title 1">
-            <a:extLst>
-              <a:ext uri="{FF2B5EF4-FFF2-40B4-BE49-F238E27FC236}">
-                <a16:creationId xmlns:a16="http://schemas.microsoft.com/office/drawing/2014/main" id="{2735F36A-8168-6DF9-B84C-F3E4CADF4E00}"/>
-              </a:ext>
-            </a:extLst>
+          <p:cNvPr id="2" name="Title 1"/>
+          <p:cNvSpPr>
+            <a:spLocks noGrp="1"/>
+          </p:cNvSpPr>
+          <p:nvPr>
+            <p:ph type="ctrTitle"/>
+          </p:nvPr>
+        </p:nvSpPr>
+        <p:spPr/>
+        <p:txBody>
+          <a:bodyPr/>
+          <a:lstStyle/>
+          <a:p>
+            <a:endParaRPr lang="en-US"/>
+          </a:p>
+        </p:txBody>
+      </p:sp>
+      <p:sp>
+        <p:nvSpPr>
+          <p:cNvPr id="3" name="Subtitle 2"/>
+          <p:cNvSpPr>
+            <a:spLocks noGrp="1"/>
+          </p:cNvSpPr>
+          <p:nvPr>
+            <p:ph type="subTitle" idx="1"/>
+          </p:nvPr>
+        </p:nvSpPr>
+        <p:spPr/>
+        <p:txBody>
+          <a:bodyPr/>
+          <a:lstStyle/>
+          <a:p>
+            <a:endParaRPr lang="en-US"/>
+          </a:p>
+        </p:txBody>
+      </p:sp>
+      <p:pic>
+        <p:nvPicPr>
+          <p:cNvPr id="5" name="Picture 4"/>
+          <p:cNvPicPr>
+            <a:picLocks noChangeAspect="1"/>
+          </p:cNvPicPr>
+          <p:nvPr/>
+        </p:nvPicPr>
+        <p:blipFill>
+          <a:blip r:embed="rId1"/>
+          <a:stretch>
+            <a:fillRect/>
+          </a:stretch>
+        </p:blipFill>
+        <p:spPr>
+          <a:xfrm>
+            <a:off x="0" y="488363"/>
+            <a:ext cx="12192000" cy="5478684"/>
+          </a:xfrm>
+          <a:prstGeom prst="rect">
+            <a:avLst/>
+          </a:prstGeom>
+        </p:spPr>
+      </p:pic>
+    </p:spTree>
+  </p:cSld>
+  <p:clrMapOvr>
+    <a:masterClrMapping/>
+  </p:clrMapOvr>
+</p:sld>
+</file>
+
+<file path=ppt/slides/slide2.xml><?xml version="1.0" encoding="utf-8"?>
+<p:sld xmlns:a="http://schemas.openxmlformats.org/drawingml/2006/main" xmlns:r="http://schemas.openxmlformats.org/officeDocument/2006/relationships" xmlns:p="http://schemas.openxmlformats.org/presentationml/2006/main">
+  <p:cSld>
+    <p:spTree>
+      <p:nvGrpSpPr>
+        <p:cNvPr id="1" name=""/>
+        <p:cNvGrpSpPr/>
+        <p:nvPr/>
+      </p:nvGrpSpPr>
+      <p:grpSpPr/>
+      <p:sp>
+        <p:nvSpPr>
+          <p:cNvPr id="69" name="Rounded Rectangle 68">
+            <a:hlinkClick r:id="rId1" action="ppaction://hlinksldjump"/>
           </p:cNvPr>
-          <p:cNvSpPr>
-            <a:spLocks noGrp="1"/>
-          </p:cNvSpPr>
-          <p:nvPr>
-            <p:ph type="ctrTitle"/>
-          </p:nvPr>
-        </p:nvSpPr>
-        <p:spPr/>
-        <p:txBody>
-          <a:bodyPr/>
-          <a:lstStyle/>
-          <a:p>
-            <a:endParaRPr lang="en-US"/>
-          </a:p>
-        </p:txBody>
-      </p:sp>
-      <p:sp>
-        <p:nvSpPr>
-          <p:cNvPr id="3" name="Subtitle 2">
-            <a:extLst>
-              <a:ext uri="{FF2B5EF4-FFF2-40B4-BE49-F238E27FC236}">
-                <a16:creationId xmlns:a16="http://schemas.microsoft.com/office/drawing/2014/main" id="{FA4F1755-2BAB-16E3-55B6-0FB0C9A67782}"/>
-              </a:ext>
-            </a:extLst>
+          <p:cNvSpPr/>
+          <p:nvPr/>
+        </p:nvSpPr>
+        <p:spPr>
+          <a:xfrm>
+            <a:off x="4084868" y="130410"/>
+            <a:ext cx="4021664" cy="754401"/>
+          </a:xfrm>
+          <a:prstGeom prst="roundRect">
+            <a:avLst/>
+          </a:prstGeom>
+          <a:solidFill>
+            <a:srgbClr val="002060"/>
+          </a:solidFill>
+          <a:ln w="38100" cap="rnd">
+            <a:solidFill>
+              <a:schemeClr val="bg1"/>
+            </a:solidFill>
+          </a:ln>
+          <a:effectLst>
+            <a:outerShdw blurRad="482600" dir="5400000" sx="89000" sy="89000" algn="ctr" rotWithShape="0">
+              <a:srgbClr val="000000">
+                <a:alpha val="49000"/>
+              </a:srgbClr>
+            </a:outerShdw>
+          </a:effectLst>
+          <a:scene3d>
+            <a:camera prst="orthographicFront"/>
+            <a:lightRig rig="twoPt" dir="t"/>
+          </a:scene3d>
+          <a:sp3d extrusionH="12700" prstMaterial="translucentPowder">
+            <a:bevelB w="165100" prst="coolSlant"/>
+          </a:sp3d>
+        </p:spPr>
+        <p:style>
+          <a:lnRef idx="2">
+            <a:schemeClr val="accent1">
+              <a:shade val="50000"/>
+            </a:schemeClr>
+          </a:lnRef>
+          <a:fillRef idx="1">
+            <a:schemeClr val="accent1"/>
+          </a:fillRef>
+          <a:effectRef idx="0">
+            <a:schemeClr val="accent1"/>
+          </a:effectRef>
+          <a:fontRef idx="minor">
+            <a:schemeClr val="lt1"/>
+          </a:fontRef>
+        </p:style>
+        <p:txBody>
+          <a:bodyPr rtlCol="0" anchor="ctr"/>
+          <a:p>
+            <a:pPr algn="ctr"/>
+            <a:r>
+              <a:rPr lang="vi-VN" altLang="en-US" sz="1600" b="1">
+                <a:solidFill>
+                  <a:prstClr val="white"/>
+                </a:solidFill>
+                <a:latin typeface="Arial" panose="020B0604020202020204" pitchFamily="34" charset="0"/>
+                <a:cs typeface="Arial" panose="020B0604020202020204" pitchFamily="34" charset="0"/>
+              </a:rPr>
+              <a:t>Bán vé xem phim</a:t>
+            </a:r>
+            <a:r>
+              <a:rPr lang="en-US" sz="1600" b="1">
+                <a:solidFill>
+                  <a:prstClr val="white"/>
+                </a:solidFill>
+                <a:latin typeface="Arial" panose="020B0604020202020204" pitchFamily="34" charset="0"/>
+                <a:cs typeface="Arial" panose="020B0604020202020204" pitchFamily="34" charset="0"/>
+              </a:rPr>
+              <a:t> 1 </a:t>
+            </a:r>
+            <a:endParaRPr lang="en-US" sz="1600" b="1">
+              <a:solidFill>
+                <a:prstClr val="white"/>
+              </a:solidFill>
+              <a:latin typeface="Arial" panose="020B0604020202020204" pitchFamily="34" charset="0"/>
+              <a:cs typeface="Arial" panose="020B0604020202020204" pitchFamily="34" charset="0"/>
+            </a:endParaRPr>
+          </a:p>
+          <a:p>
+            <a:pPr algn="ctr"/>
+            <a:r>
+              <a:rPr lang="en-US" sz="1600">
+                <a:solidFill>
+                  <a:prstClr val="white"/>
+                </a:solidFill>
+                <a:latin typeface="Arial" panose="020B0604020202020204" pitchFamily="34" charset="0"/>
+                <a:cs typeface="Arial" panose="020B0604020202020204" pitchFamily="34" charset="0"/>
+              </a:rPr>
+              <a:t>( Mã số : </a:t>
+            </a:r>
+            <a:r>
+              <a:rPr lang="vi-VN" altLang="en-US" sz="1600">
+                <a:solidFill>
+                  <a:prstClr val="white"/>
+                </a:solidFill>
+                <a:latin typeface="Arial" panose="020B0604020202020204" pitchFamily="34" charset="0"/>
+                <a:cs typeface="Arial" panose="020B0604020202020204" pitchFamily="34" charset="0"/>
+              </a:rPr>
+              <a:t>Xem_Phim</a:t>
+            </a:r>
+            <a:r>
+              <a:rPr lang="en-US" sz="1600">
+                <a:solidFill>
+                  <a:prstClr val="white"/>
+                </a:solidFill>
+                <a:latin typeface="Arial" panose="020B0604020202020204" pitchFamily="34" charset="0"/>
+                <a:cs typeface="Arial" panose="020B0604020202020204" pitchFamily="34" charset="0"/>
+              </a:rPr>
+              <a:t>_1)</a:t>
+            </a:r>
+            <a:endParaRPr lang="en-US" sz="1600">
+              <a:solidFill>
+                <a:prstClr val="white"/>
+              </a:solidFill>
+              <a:latin typeface="Arial" panose="020B0604020202020204" pitchFamily="34" charset="0"/>
+              <a:cs typeface="Arial" panose="020B0604020202020204" pitchFamily="34" charset="0"/>
+            </a:endParaRPr>
+          </a:p>
+          <a:p>
+            <a:pPr algn="ctr"/>
+            <a:r>
+              <a:rPr lang="vi-VN" altLang="en-US" sz="1600" b="1">
+                <a:solidFill>
+                  <a:srgbClr val="FFFF00"/>
+                </a:solidFill>
+                <a:latin typeface="Arial" panose="020B0604020202020204" pitchFamily="34" charset="0"/>
+                <a:cs typeface="Arial" panose="020B0604020202020204" pitchFamily="34" charset="0"/>
+              </a:rPr>
+              <a:t>Lớp đối </a:t>
+            </a:r>
+            <a:r>
+              <a:rPr lang="vi-VN" altLang="en-US" sz="1600" b="1">
+                <a:solidFill>
+                  <a:srgbClr val="FFFF00"/>
+                </a:solidFill>
+                <a:latin typeface="Arial" panose="020B0604020202020204" pitchFamily="34" charset="0"/>
+                <a:cs typeface="Arial" panose="020B0604020202020204" pitchFamily="34" charset="0"/>
+              </a:rPr>
+              <a:t>tượng</a:t>
+            </a:r>
+            <a:endParaRPr lang="vi-VN" altLang="en-US" sz="1600" b="1">
+              <a:solidFill>
+                <a:srgbClr val="FFFF00"/>
+              </a:solidFill>
+              <a:latin typeface="Arial" panose="020B0604020202020204" pitchFamily="34" charset="0"/>
+              <a:cs typeface="Arial" panose="020B0604020202020204" pitchFamily="34" charset="0"/>
+            </a:endParaRPr>
+          </a:p>
+        </p:txBody>
+      </p:sp>
+      <p:sp>
+        <p:nvSpPr>
+          <p:cNvPr id="44" name="TextBox 43">
+            <a:hlinkClick r:id="" action="ppaction://noaction"/>
           </p:cNvPr>
-          <p:cNvSpPr>
-            <a:spLocks noGrp="1"/>
-          </p:cNvSpPr>
-          <p:nvPr>
-            <p:ph type="subTitle" idx="1"/>
-          </p:nvPr>
-        </p:nvSpPr>
-        <p:spPr/>
-        <p:txBody>
-          <a:bodyPr/>
-          <a:lstStyle/>
-          <a:p>
-            <a:endParaRPr lang="en-US"/>
+          <p:cNvSpPr txBox="1"/>
+          <p:nvPr/>
+        </p:nvSpPr>
+        <p:spPr>
+          <a:xfrm>
+            <a:off x="198755" y="1109980"/>
+            <a:ext cx="6004560" cy="2030095"/>
+          </a:xfrm>
+          <a:prstGeom prst="rect">
+            <a:avLst/>
+          </a:prstGeom>
+          <a:solidFill>
+            <a:schemeClr val="bg1"/>
+          </a:solidFill>
+          <a:ln>
+            <a:solidFill>
+              <a:schemeClr val="accent1"/>
+            </a:solidFill>
+          </a:ln>
+        </p:spPr>
+        <p:txBody>
+          <a:bodyPr wrap="square" rtlCol="0">
+            <a:spAutoFit/>
+          </a:bodyPr>
+          <a:p>
+            <a:pPr fontAlgn="auto">
+              <a:spcBef>
+                <a:spcPts val="0"/>
+              </a:spcBef>
+              <a:spcAft>
+                <a:spcPts val="0"/>
+              </a:spcAft>
+              <a:defRPr/>
+            </a:pPr>
+            <a:r>
+              <a:rPr lang="vi-VN" altLang="en-US" sz="1400">
+                <a:solidFill>
+                  <a:srgbClr val="0000FF"/>
+                </a:solidFill>
+                <a:latin typeface="Arial" panose="020B0604020202020204" pitchFamily="34" charset="0"/>
+                <a:cs typeface="Arial" panose="020B0604020202020204" pitchFamily="34" charset="0"/>
+              </a:rPr>
+              <a:t>CON NGƯỜI:</a:t>
+            </a:r>
+            <a:endParaRPr lang="vi-VN" altLang="en-US" sz="1400">
+              <a:solidFill>
+                <a:srgbClr val="0000FF"/>
+              </a:solidFill>
+              <a:latin typeface="Arial" panose="020B0604020202020204" pitchFamily="34" charset="0"/>
+              <a:cs typeface="Arial" panose="020B0604020202020204" pitchFamily="34" charset="0"/>
+            </a:endParaRPr>
+          </a:p>
+          <a:p>
+            <a:pPr fontAlgn="auto">
+              <a:spcBef>
+                <a:spcPts val="0"/>
+              </a:spcBef>
+              <a:spcAft>
+                <a:spcPts val="0"/>
+              </a:spcAft>
+              <a:defRPr/>
+            </a:pPr>
+            <a:r>
+              <a:rPr lang="vi-VN" altLang="en-US" sz="1400">
+                <a:solidFill>
+                  <a:srgbClr val="0000FF"/>
+                </a:solidFill>
+                <a:latin typeface="Arial" panose="020B0604020202020204" pitchFamily="34" charset="0"/>
+                <a:cs typeface="Arial" panose="020B0604020202020204" pitchFamily="34" charset="0"/>
+              </a:rPr>
+              <a:t>	</a:t>
+            </a:r>
+            <a:r>
+              <a:rPr lang="vi-VN" altLang="en-US" sz="1400">
+                <a:solidFill>
+                  <a:schemeClr val="tx1"/>
+                </a:solidFill>
+                <a:latin typeface="Arial" panose="020B0604020202020204" pitchFamily="34" charset="0"/>
+                <a:cs typeface="Arial" panose="020B0604020202020204" pitchFamily="34" charset="0"/>
+              </a:rPr>
+              <a:t>KHACH, NHAN_VIEN_BAN_VE, NHAN_VIEN_QUAN_LY</a:t>
+            </a:r>
+            <a:endParaRPr lang="vi-VN" altLang="en-US" sz="1400">
+              <a:solidFill>
+                <a:schemeClr val="tx1"/>
+              </a:solidFill>
+              <a:latin typeface="Arial" panose="020B0604020202020204" pitchFamily="34" charset="0"/>
+              <a:cs typeface="Arial" panose="020B0604020202020204" pitchFamily="34" charset="0"/>
+            </a:endParaRPr>
+          </a:p>
+          <a:p>
+            <a:pPr fontAlgn="auto">
+              <a:spcBef>
+                <a:spcPts val="0"/>
+              </a:spcBef>
+              <a:spcAft>
+                <a:spcPts val="0"/>
+              </a:spcAft>
+              <a:defRPr/>
+            </a:pPr>
+            <a:r>
+              <a:rPr lang="en-US" sz="1400">
+                <a:solidFill>
+                  <a:srgbClr val="0000FF"/>
+                </a:solidFill>
+                <a:latin typeface="Arial" panose="020B0604020202020204" pitchFamily="34" charset="0"/>
+                <a:cs typeface="Arial" panose="020B0604020202020204" pitchFamily="34" charset="0"/>
+              </a:rPr>
+              <a:t> </a:t>
+            </a:r>
+            <a:r>
+              <a:rPr lang="vi-VN" altLang="en-US" sz="1400">
+                <a:solidFill>
+                  <a:srgbClr val="0000FF"/>
+                </a:solidFill>
+                <a:latin typeface="Arial" panose="020B0604020202020204" pitchFamily="34" charset="0"/>
+                <a:cs typeface="Arial" panose="020B0604020202020204" pitchFamily="34" charset="0"/>
+                <a:sym typeface="+mn-ea"/>
+              </a:rPr>
+              <a:t>SỰ </a:t>
+            </a:r>
+            <a:r>
+              <a:rPr lang="vi-VN" altLang="en-US" sz="1400">
+                <a:solidFill>
+                  <a:srgbClr val="0000FF"/>
+                </a:solidFill>
+                <a:latin typeface="Arial" panose="020B0604020202020204" pitchFamily="34" charset="0"/>
+                <a:cs typeface="Arial" panose="020B0604020202020204" pitchFamily="34" charset="0"/>
+                <a:sym typeface="+mn-ea"/>
+              </a:rPr>
+              <a:t>VẬT:</a:t>
+            </a:r>
+            <a:endParaRPr lang="vi-VN" altLang="en-US" sz="1400">
+              <a:solidFill>
+                <a:srgbClr val="0000FF"/>
+              </a:solidFill>
+              <a:latin typeface="Arial" panose="020B0604020202020204" pitchFamily="34" charset="0"/>
+              <a:cs typeface="Arial" panose="020B0604020202020204" pitchFamily="34" charset="0"/>
+            </a:endParaRPr>
+          </a:p>
+          <a:p>
+            <a:pPr fontAlgn="auto">
+              <a:spcBef>
+                <a:spcPts val="0"/>
+              </a:spcBef>
+              <a:spcAft>
+                <a:spcPts val="0"/>
+              </a:spcAft>
+              <a:defRPr/>
+            </a:pPr>
+            <a:r>
+              <a:rPr lang="vi-VN" altLang="en-US" sz="1400">
+                <a:solidFill>
+                  <a:srgbClr val="0000FF"/>
+                </a:solidFill>
+                <a:latin typeface="Arial" panose="020B0604020202020204" pitchFamily="34" charset="0"/>
+                <a:cs typeface="Arial" panose="020B0604020202020204" pitchFamily="34" charset="0"/>
+                <a:sym typeface="+mn-ea"/>
+              </a:rPr>
+              <a:t>	</a:t>
+            </a:r>
+            <a:r>
+              <a:rPr lang="vi-VN" altLang="en-US" sz="1400">
+                <a:latin typeface="Arial" panose="020B0604020202020204" pitchFamily="34" charset="0"/>
+                <a:cs typeface="Arial" panose="020B0604020202020204" pitchFamily="34" charset="0"/>
+                <a:sym typeface="+mn-ea"/>
+              </a:rPr>
+              <a:t>RAP, PHONG_CHIEU, </a:t>
+            </a:r>
+            <a:endParaRPr lang="en-US" sz="1400">
+              <a:solidFill>
+                <a:srgbClr val="0000FF"/>
+              </a:solidFill>
+              <a:latin typeface="Arial" panose="020B0604020202020204" pitchFamily="34" charset="0"/>
+              <a:cs typeface="Arial" panose="020B0604020202020204" pitchFamily="34" charset="0"/>
+              <a:sym typeface="+mn-ea"/>
+            </a:endParaRPr>
+          </a:p>
+          <a:p>
+            <a:pPr fontAlgn="auto">
+              <a:spcBef>
+                <a:spcPts val="0"/>
+              </a:spcBef>
+              <a:spcAft>
+                <a:spcPts val="0"/>
+              </a:spcAft>
+              <a:defRPr/>
+            </a:pPr>
+            <a:r>
+              <a:rPr lang="vi-VN" altLang="en-US" sz="1400">
+                <a:solidFill>
+                  <a:srgbClr val="0000FF"/>
+                </a:solidFill>
+                <a:latin typeface="Arial" panose="020B0604020202020204" pitchFamily="34" charset="0"/>
+                <a:cs typeface="Arial" panose="020B0604020202020204" pitchFamily="34" charset="0"/>
+                <a:sym typeface="+mn-ea"/>
+              </a:rPr>
+              <a:t>HOẠT </a:t>
+            </a:r>
+            <a:r>
+              <a:rPr lang="vi-VN" altLang="en-US" sz="1400">
+                <a:solidFill>
+                  <a:srgbClr val="0000FF"/>
+                </a:solidFill>
+                <a:latin typeface="Arial" panose="020B0604020202020204" pitchFamily="34" charset="0"/>
+                <a:cs typeface="Arial" panose="020B0604020202020204" pitchFamily="34" charset="0"/>
+                <a:sym typeface="+mn-ea"/>
+              </a:rPr>
+              <a:t>ĐỘNG:</a:t>
+            </a:r>
+            <a:endParaRPr lang="vi-VN" altLang="en-US" sz="1400">
+              <a:solidFill>
+                <a:srgbClr val="0000FF"/>
+              </a:solidFill>
+              <a:latin typeface="Arial" panose="020B0604020202020204" pitchFamily="34" charset="0"/>
+              <a:cs typeface="Arial" panose="020B0604020202020204" pitchFamily="34" charset="0"/>
+            </a:endParaRPr>
+          </a:p>
+          <a:p>
+            <a:pPr fontAlgn="auto">
+              <a:spcBef>
+                <a:spcPts val="0"/>
+              </a:spcBef>
+              <a:spcAft>
+                <a:spcPts val="0"/>
+              </a:spcAft>
+              <a:defRPr/>
+            </a:pPr>
+            <a:r>
+              <a:rPr lang="vi-VN" altLang="en-US" sz="1400">
+                <a:solidFill>
+                  <a:srgbClr val="0000FF"/>
+                </a:solidFill>
+                <a:latin typeface="Arial" panose="020B0604020202020204" pitchFamily="34" charset="0"/>
+                <a:cs typeface="Arial" panose="020B0604020202020204" pitchFamily="34" charset="0"/>
+                <a:sym typeface="+mn-ea"/>
+              </a:rPr>
+              <a:t>	</a:t>
+            </a:r>
+            <a:r>
+              <a:rPr lang="vi-VN" altLang="en-US" sz="1400">
+                <a:solidFill>
+                  <a:schemeClr val="tx1"/>
+                </a:solidFill>
+                <a:latin typeface="Arial" panose="020B0604020202020204" pitchFamily="34" charset="0"/>
+                <a:cs typeface="Arial" panose="020B0604020202020204" pitchFamily="34" charset="0"/>
+                <a:sym typeface="+mn-ea"/>
+              </a:rPr>
+              <a:t>VE_BAN</a:t>
+            </a:r>
+            <a:endParaRPr lang="vi-VN" altLang="en-US" sz="1400">
+              <a:latin typeface="Arial" panose="020B0604020202020204" pitchFamily="34" charset="0"/>
+              <a:cs typeface="Arial" panose="020B0604020202020204" pitchFamily="34" charset="0"/>
+              <a:sym typeface="+mn-ea"/>
+            </a:endParaRPr>
+          </a:p>
+          <a:p>
+            <a:pPr fontAlgn="auto">
+              <a:spcBef>
+                <a:spcPts val="0"/>
+              </a:spcBef>
+              <a:spcAft>
+                <a:spcPts val="0"/>
+              </a:spcAft>
+              <a:defRPr/>
+            </a:pPr>
+            <a:r>
+              <a:rPr lang="vi-VN" altLang="en-US" sz="1400">
+                <a:solidFill>
+                  <a:srgbClr val="0000FF"/>
+                </a:solidFill>
+                <a:latin typeface="Arial" panose="020B0604020202020204" pitchFamily="34" charset="0"/>
+                <a:cs typeface="Arial" panose="020B0604020202020204" pitchFamily="34" charset="0"/>
+                <a:sym typeface="+mn-ea"/>
+              </a:rPr>
+              <a:t>TỔ CH</a:t>
+            </a:r>
+            <a:r>
+              <a:rPr lang="vi-VN" altLang="en-US" sz="1400">
+                <a:solidFill>
+                  <a:srgbClr val="0000FF"/>
+                </a:solidFill>
+                <a:latin typeface="Arial" panose="020B0604020202020204" pitchFamily="34" charset="0"/>
+                <a:cs typeface="Arial" panose="020B0604020202020204" pitchFamily="34" charset="0"/>
+                <a:sym typeface="+mn-ea"/>
+              </a:rPr>
+              <a:t>ỨC:</a:t>
+            </a:r>
+            <a:endParaRPr lang="vi-VN" altLang="en-US" sz="1400">
+              <a:solidFill>
+                <a:srgbClr val="0000FF"/>
+              </a:solidFill>
+              <a:latin typeface="Arial" panose="020B0604020202020204" pitchFamily="34" charset="0"/>
+              <a:cs typeface="Arial" panose="020B0604020202020204" pitchFamily="34" charset="0"/>
+            </a:endParaRPr>
+          </a:p>
+          <a:p>
+            <a:pPr fontAlgn="auto">
+              <a:spcBef>
+                <a:spcPts val="0"/>
+              </a:spcBef>
+              <a:spcAft>
+                <a:spcPts val="0"/>
+              </a:spcAft>
+              <a:defRPr/>
+            </a:pPr>
+            <a:r>
+              <a:rPr lang="vi-VN" altLang="en-US" sz="1400">
+                <a:solidFill>
+                  <a:srgbClr val="0000FF"/>
+                </a:solidFill>
+                <a:latin typeface="Arial" panose="020B0604020202020204" pitchFamily="34" charset="0"/>
+                <a:cs typeface="Arial" panose="020B0604020202020204" pitchFamily="34" charset="0"/>
+                <a:sym typeface="+mn-ea"/>
+              </a:rPr>
+              <a:t>	</a:t>
+            </a:r>
+            <a:r>
+              <a:rPr lang="vi-VN" altLang="en-US" sz="1400">
+                <a:latin typeface="Arial" panose="020B0604020202020204" pitchFamily="34" charset="0"/>
+                <a:cs typeface="Arial" panose="020B0604020202020204" pitchFamily="34" charset="0"/>
+                <a:sym typeface="+mn-ea"/>
+              </a:rPr>
+              <a:t>CA_CHIEU, SUAT_CHIEU</a:t>
+            </a:r>
+            <a:endParaRPr lang="vi-VN" altLang="en-US" sz="1400">
+              <a:solidFill>
+                <a:schemeClr val="tx1"/>
+              </a:solidFill>
+              <a:latin typeface="Arial" panose="020B0604020202020204" pitchFamily="34" charset="0"/>
+              <a:cs typeface="Arial" panose="020B0604020202020204" pitchFamily="34" charset="0"/>
+            </a:endParaRPr>
+          </a:p>
+          <a:p>
+            <a:pPr fontAlgn="auto">
+              <a:spcBef>
+                <a:spcPts val="0"/>
+              </a:spcBef>
+              <a:spcAft>
+                <a:spcPts val="0"/>
+              </a:spcAft>
+              <a:defRPr/>
+            </a:pPr>
+            <a:endParaRPr lang="vi-VN" altLang="en-US" sz="1400">
+              <a:latin typeface="Arial" panose="020B0604020202020204" pitchFamily="34" charset="0"/>
+              <a:cs typeface="Arial" panose="020B0604020202020204" pitchFamily="34" charset="0"/>
+            </a:endParaRPr>
+          </a:p>
+        </p:txBody>
+      </p:sp>
+      <p:sp>
+        <p:nvSpPr>
+          <p:cNvPr id="4" name="TextBox 43">
+            <a:hlinkClick r:id="" action="ppaction://noaction"/>
+          </p:cNvPr>
+          <p:cNvSpPr txBox="1"/>
+          <p:nvPr/>
+        </p:nvSpPr>
+        <p:spPr>
+          <a:xfrm>
+            <a:off x="198755" y="3365500"/>
+            <a:ext cx="10845165" cy="1383665"/>
+          </a:xfrm>
+          <a:prstGeom prst="rect">
+            <a:avLst/>
+          </a:prstGeom>
+          <a:solidFill>
+            <a:schemeClr val="bg1"/>
+          </a:solidFill>
+          <a:ln>
+            <a:solidFill>
+              <a:schemeClr val="accent1"/>
+            </a:solidFill>
+          </a:ln>
+        </p:spPr>
+        <p:txBody>
+          <a:bodyPr wrap="square" rtlCol="0">
+            <a:spAutoFit/>
+          </a:bodyPr>
+          <a:p>
+            <a:pPr fontAlgn="auto">
+              <a:spcBef>
+                <a:spcPts val="0"/>
+              </a:spcBef>
+              <a:spcAft>
+                <a:spcPts val="0"/>
+              </a:spcAft>
+              <a:defRPr/>
+            </a:pPr>
+            <a:r>
+              <a:rPr lang="vi-VN" altLang="en-US" sz="1400">
+                <a:latin typeface="Arial" panose="020B0604020202020204" pitchFamily="34" charset="0"/>
+                <a:cs typeface="Arial" panose="020B0604020202020204" pitchFamily="34" charset="0"/>
+                <a:sym typeface="+mn-ea"/>
+              </a:rPr>
+              <a:t>RAP(</a:t>
+            </a:r>
+            <a:r>
+              <a:rPr lang="en-US" altLang="vi-VN" sz="1400">
+                <a:latin typeface="Arial" panose="020B0604020202020204" pitchFamily="34" charset="0"/>
+                <a:cs typeface="Arial" panose="020B0604020202020204" pitchFamily="34" charset="0"/>
+                <a:sym typeface="+mn-ea"/>
+              </a:rPr>
+              <a:t>Ma_rap</a:t>
+            </a:r>
+            <a:r>
+              <a:rPr lang="en-US" altLang="vi-VN" sz="1400">
+                <a:latin typeface="Arial" panose="020B0604020202020204" pitchFamily="34" charset="0"/>
+                <a:cs typeface="Arial" panose="020B0604020202020204" pitchFamily="34" charset="0"/>
+                <a:sym typeface="+mn-ea"/>
+              </a:rPr>
+              <a:t>, </a:t>
+            </a:r>
+            <a:r>
+              <a:rPr lang="vi-VN" altLang="en-US" sz="1400">
+                <a:latin typeface="Arial" panose="020B0604020202020204" pitchFamily="34" charset="0"/>
+                <a:cs typeface="Arial" panose="020B0604020202020204" pitchFamily="34" charset="0"/>
+                <a:sym typeface="+mn-ea"/>
+              </a:rPr>
+              <a:t>Ten, </a:t>
+            </a:r>
+            <a:r>
+              <a:rPr lang="en-US" altLang="vi-VN" sz="1400">
+                <a:latin typeface="Arial" panose="020B0604020202020204" pitchFamily="34" charset="0"/>
+                <a:cs typeface="Arial" panose="020B0604020202020204" pitchFamily="34" charset="0"/>
+                <a:sym typeface="+mn-ea"/>
+              </a:rPr>
+              <a:t>D</a:t>
+            </a:r>
+            <a:r>
+              <a:rPr lang="en-US" altLang="vi-VN" sz="1400">
+                <a:latin typeface="Arial" panose="020B0604020202020204" pitchFamily="34" charset="0"/>
+                <a:cs typeface="Arial" panose="020B0604020202020204" pitchFamily="34" charset="0"/>
+                <a:sym typeface="+mn-ea"/>
+              </a:rPr>
+              <a:t>ia_chi, Danh_sach_Phong</a:t>
+            </a:r>
+            <a:r>
+              <a:rPr lang="vi-VN" altLang="en-US" sz="1400">
+                <a:latin typeface="Arial" panose="020B0604020202020204" pitchFamily="34" charset="0"/>
+                <a:cs typeface="Arial" panose="020B0604020202020204" pitchFamily="34" charset="0"/>
+                <a:sym typeface="+mn-ea"/>
+              </a:rPr>
+              <a:t>) </a:t>
+            </a:r>
+            <a:endParaRPr lang="vi-VN" altLang="en-US" sz="1400">
+              <a:latin typeface="Arial" panose="020B0604020202020204" pitchFamily="34" charset="0"/>
+              <a:cs typeface="Arial" panose="020B0604020202020204" pitchFamily="34" charset="0"/>
+              <a:sym typeface="+mn-ea"/>
+            </a:endParaRPr>
+          </a:p>
+          <a:p>
+            <a:pPr fontAlgn="auto">
+              <a:spcBef>
+                <a:spcPts val="0"/>
+              </a:spcBef>
+              <a:spcAft>
+                <a:spcPts val="0"/>
+              </a:spcAft>
+              <a:defRPr/>
+            </a:pPr>
+            <a:r>
+              <a:rPr lang="vi-VN" altLang="en-US" sz="1400">
+                <a:latin typeface="Arial" panose="020B0604020202020204" pitchFamily="34" charset="0"/>
+                <a:cs typeface="Arial" panose="020B0604020202020204" pitchFamily="34" charset="0"/>
+                <a:sym typeface="+mn-ea"/>
+              </a:rPr>
+              <a:t>PHONG_CHIEU</a:t>
+            </a:r>
+            <a:r>
+              <a:rPr lang="en-US" altLang="vi-VN" sz="1400">
+                <a:latin typeface="Arial" panose="020B0604020202020204" pitchFamily="34" charset="0"/>
+                <a:cs typeface="Arial" panose="020B0604020202020204" pitchFamily="34" charset="0"/>
+                <a:sym typeface="+mn-ea"/>
+              </a:rPr>
+              <a:t>(Ma_phong, Ten_phong, So_ghe)</a:t>
+            </a:r>
+            <a:endParaRPr lang="en-US" altLang="vi-VN" sz="1400">
+              <a:latin typeface="Arial" panose="020B0604020202020204" pitchFamily="34" charset="0"/>
+              <a:cs typeface="Arial" panose="020B0604020202020204" pitchFamily="34" charset="0"/>
+              <a:sym typeface="+mn-ea"/>
+            </a:endParaRPr>
+          </a:p>
+          <a:p>
+            <a:pPr fontAlgn="auto">
+              <a:spcBef>
+                <a:spcPts val="0"/>
+              </a:spcBef>
+              <a:spcAft>
+                <a:spcPts val="0"/>
+              </a:spcAft>
+              <a:defRPr/>
+            </a:pPr>
+            <a:r>
+              <a:rPr lang="en-US" altLang="vi-VN" sz="1400">
+                <a:latin typeface="Arial" panose="020B0604020202020204" pitchFamily="34" charset="0"/>
+                <a:cs typeface="Arial" panose="020B0604020202020204" pitchFamily="34" charset="0"/>
+                <a:sym typeface="+mn-ea"/>
+              </a:rPr>
+              <a:t>CA_CHIEU(Ma_ca_chieu, Loai, Thoi_gian)</a:t>
+            </a:r>
+            <a:endParaRPr lang="en-US" altLang="vi-VN" sz="1400">
+              <a:latin typeface="Arial" panose="020B0604020202020204" pitchFamily="34" charset="0"/>
+              <a:cs typeface="Arial" panose="020B0604020202020204" pitchFamily="34" charset="0"/>
+              <a:sym typeface="+mn-ea"/>
+            </a:endParaRPr>
+          </a:p>
+          <a:p>
+            <a:pPr fontAlgn="auto">
+              <a:spcBef>
+                <a:spcPts val="0"/>
+              </a:spcBef>
+              <a:spcAft>
+                <a:spcPts val="0"/>
+              </a:spcAft>
+              <a:defRPr/>
+            </a:pPr>
+            <a:r>
+              <a:rPr lang="en-US" altLang="vi-VN" sz="1400">
+                <a:latin typeface="Arial" panose="020B0604020202020204" pitchFamily="34" charset="0"/>
+                <a:cs typeface="Arial" panose="020B0604020202020204" pitchFamily="34" charset="0"/>
+                <a:sym typeface="+mn-ea"/>
+              </a:rPr>
+              <a:t>PHIM(Ma_phim, Ten_phim, Mo_ta, Thoi_luong, Hinh_anh)</a:t>
+            </a:r>
+            <a:endParaRPr lang="en-US" altLang="vi-VN" sz="1400">
+              <a:latin typeface="Arial" panose="020B0604020202020204" pitchFamily="34" charset="0"/>
+              <a:cs typeface="Arial" panose="020B0604020202020204" pitchFamily="34" charset="0"/>
+              <a:sym typeface="+mn-ea"/>
+            </a:endParaRPr>
+          </a:p>
+          <a:p>
+            <a:pPr fontAlgn="auto">
+              <a:spcBef>
+                <a:spcPts val="0"/>
+              </a:spcBef>
+              <a:spcAft>
+                <a:spcPts val="0"/>
+              </a:spcAft>
+              <a:defRPr/>
+            </a:pPr>
+            <a:r>
+              <a:rPr lang="en-US" altLang="vi-VN" sz="1400">
+                <a:latin typeface="Arial" panose="020B0604020202020204" pitchFamily="34" charset="0"/>
+                <a:cs typeface="Arial" panose="020B0604020202020204" pitchFamily="34" charset="0"/>
+                <a:sym typeface="+mn-ea"/>
+              </a:rPr>
+              <a:t>SUAT_CHIEU(Ma_suat_chieu, Ca_chieu, Phim, Phong_chieu, Ngay_chieu, Gia)</a:t>
+            </a:r>
+            <a:endParaRPr lang="en-US" sz="1400">
+              <a:solidFill>
+                <a:srgbClr val="0000FF"/>
+              </a:solidFill>
+              <a:latin typeface="Arial" panose="020B0604020202020204" pitchFamily="34" charset="0"/>
+              <a:cs typeface="Arial" panose="020B0604020202020204" pitchFamily="34" charset="0"/>
+              <a:sym typeface="+mn-ea"/>
+            </a:endParaRPr>
+          </a:p>
+          <a:p>
+            <a:pPr fontAlgn="auto">
+              <a:spcBef>
+                <a:spcPts val="0"/>
+              </a:spcBef>
+              <a:spcAft>
+                <a:spcPts val="0"/>
+              </a:spcAft>
+              <a:defRPr/>
+            </a:pPr>
+            <a:r>
+              <a:rPr lang="vi-VN" altLang="en-US" sz="1400">
+                <a:solidFill>
+                  <a:schemeClr val="tx1"/>
+                </a:solidFill>
+                <a:latin typeface="Arial" panose="020B0604020202020204" pitchFamily="34" charset="0"/>
+                <a:cs typeface="Arial" panose="020B0604020202020204" pitchFamily="34" charset="0"/>
+                <a:sym typeface="+mn-ea"/>
+              </a:rPr>
+              <a:t>VE_BAN</a:t>
+            </a:r>
+            <a:r>
+              <a:rPr lang="en-US" altLang="vi-VN" sz="1400">
+                <a:solidFill>
+                  <a:schemeClr val="tx1"/>
+                </a:solidFill>
+                <a:latin typeface="Arial" panose="020B0604020202020204" pitchFamily="34" charset="0"/>
+                <a:cs typeface="Arial" panose="020B0604020202020204" pitchFamily="34" charset="0"/>
+                <a:sym typeface="+mn-ea"/>
+              </a:rPr>
+              <a:t>(Ma_ve, Ma_suat_chieu, Ngay_mua, Thoi_gian_Mua)</a:t>
+            </a:r>
+            <a:endParaRPr lang="en-US" altLang="vi-VN" sz="1400">
+              <a:solidFill>
+                <a:schemeClr val="tx1"/>
+              </a:solidFill>
+              <a:latin typeface="Arial" panose="020B0604020202020204" pitchFamily="34" charset="0"/>
+              <a:cs typeface="Arial" panose="020B0604020202020204" pitchFamily="34" charset="0"/>
+              <a:sym typeface="+mn-ea"/>
+            </a:endParaRPr>
+          </a:p>
+        </p:txBody>
+      </p:sp>
+      <p:sp>
+        <p:nvSpPr>
+          <p:cNvPr id="5" name="TextBox 43">
+            <a:hlinkClick r:id="" action="ppaction://noaction"/>
+          </p:cNvPr>
+          <p:cNvSpPr txBox="1"/>
+          <p:nvPr/>
+        </p:nvSpPr>
+        <p:spPr>
+          <a:xfrm>
+            <a:off x="6379210" y="1109980"/>
+            <a:ext cx="5222240" cy="1599565"/>
+          </a:xfrm>
+          <a:prstGeom prst="rect">
+            <a:avLst/>
+          </a:prstGeom>
+          <a:solidFill>
+            <a:schemeClr val="bg1"/>
+          </a:solidFill>
+          <a:ln>
+            <a:solidFill>
+              <a:schemeClr val="accent1"/>
+            </a:solidFill>
+          </a:ln>
+        </p:spPr>
+        <p:txBody>
+          <a:bodyPr wrap="square" rtlCol="0">
+            <a:spAutoFit/>
+          </a:bodyPr>
+          <a:p>
+            <a:pPr fontAlgn="auto">
+              <a:spcBef>
+                <a:spcPts val="0"/>
+              </a:spcBef>
+              <a:spcAft>
+                <a:spcPts val="0"/>
+              </a:spcAft>
+              <a:defRPr/>
+            </a:pPr>
+            <a:r>
+              <a:rPr lang="vi-VN" altLang="en-US" sz="1400">
+                <a:solidFill>
+                  <a:schemeClr val="tx1"/>
+                </a:solidFill>
+                <a:latin typeface="Arial" panose="020B0604020202020204" pitchFamily="34" charset="0"/>
+                <a:cs typeface="Arial" panose="020B0604020202020204" pitchFamily="34" charset="0"/>
+              </a:rPr>
+              <a:t>KHACH (H</a:t>
+            </a:r>
+            <a:r>
+              <a:rPr lang="en-US" altLang="vi-VN" sz="1400">
+                <a:solidFill>
+                  <a:schemeClr val="tx1"/>
+                </a:solidFill>
+                <a:latin typeface="Arial" panose="020B0604020202020204" pitchFamily="34" charset="0"/>
+                <a:cs typeface="Arial" panose="020B0604020202020204" pitchFamily="34" charset="0"/>
+              </a:rPr>
+              <a:t>o_Ten,... </a:t>
+            </a:r>
+            <a:r>
+              <a:rPr lang="vi-VN" altLang="en-US" sz="1400">
+                <a:solidFill>
+                  <a:schemeClr val="tx1"/>
+                </a:solidFill>
+                <a:latin typeface="Arial" panose="020B0604020202020204" pitchFamily="34" charset="0"/>
+                <a:cs typeface="Arial" panose="020B0604020202020204" pitchFamily="34" charset="0"/>
+              </a:rPr>
+              <a:t>) </a:t>
+            </a:r>
+            <a:endParaRPr lang="vi-VN" altLang="en-US" sz="1400">
+              <a:solidFill>
+                <a:schemeClr val="tx1"/>
+              </a:solidFill>
+              <a:latin typeface="Arial" panose="020B0604020202020204" pitchFamily="34" charset="0"/>
+              <a:cs typeface="Arial" panose="020B0604020202020204" pitchFamily="34" charset="0"/>
+            </a:endParaRPr>
+          </a:p>
+          <a:p>
+            <a:pPr fontAlgn="auto">
+              <a:spcBef>
+                <a:spcPts val="0"/>
+              </a:spcBef>
+              <a:spcAft>
+                <a:spcPts val="0"/>
+              </a:spcAft>
+              <a:defRPr/>
+            </a:pPr>
+            <a:r>
+              <a:rPr lang="vi-VN" altLang="en-US" sz="1400">
+                <a:solidFill>
+                  <a:schemeClr val="tx1"/>
+                </a:solidFill>
+                <a:latin typeface="Arial" panose="020B0604020202020204" pitchFamily="34" charset="0"/>
+                <a:cs typeface="Arial" panose="020B0604020202020204" pitchFamily="34" charset="0"/>
+              </a:rPr>
+              <a:t>NHAN_VIEN_BAN_VE</a:t>
+            </a:r>
+            <a:r>
+              <a:rPr lang="vi-VN" altLang="en-US" sz="1400">
+                <a:latin typeface="Arial" panose="020B0604020202020204" pitchFamily="34" charset="0"/>
+                <a:cs typeface="Arial" panose="020B0604020202020204" pitchFamily="34" charset="0"/>
+                <a:sym typeface="+mn-ea"/>
+              </a:rPr>
+              <a:t>(H</a:t>
+            </a:r>
+            <a:r>
+              <a:rPr lang="en-US" altLang="vi-VN" sz="1400">
+                <a:latin typeface="Arial" panose="020B0604020202020204" pitchFamily="34" charset="0"/>
+                <a:cs typeface="Arial" panose="020B0604020202020204" pitchFamily="34" charset="0"/>
+                <a:sym typeface="+mn-ea"/>
+              </a:rPr>
+              <a:t>o_Ten,... </a:t>
+            </a:r>
+            <a:r>
+              <a:rPr lang="vi-VN" altLang="en-US" sz="1400">
+                <a:latin typeface="Arial" panose="020B0604020202020204" pitchFamily="34" charset="0"/>
+                <a:cs typeface="Arial" panose="020B0604020202020204" pitchFamily="34" charset="0"/>
+                <a:sym typeface="+mn-ea"/>
+              </a:rPr>
+              <a:t>)</a:t>
+            </a:r>
+            <a:r>
+              <a:rPr lang="vi-VN" altLang="en-US" sz="1400">
+                <a:solidFill>
+                  <a:schemeClr val="tx1"/>
+                </a:solidFill>
+                <a:latin typeface="Arial" panose="020B0604020202020204" pitchFamily="34" charset="0"/>
+                <a:cs typeface="Arial" panose="020B0604020202020204" pitchFamily="34" charset="0"/>
+              </a:rPr>
+              <a:t> </a:t>
+            </a:r>
+            <a:endParaRPr lang="vi-VN" altLang="en-US" sz="1400">
+              <a:solidFill>
+                <a:schemeClr val="tx1"/>
+              </a:solidFill>
+              <a:latin typeface="Arial" panose="020B0604020202020204" pitchFamily="34" charset="0"/>
+              <a:cs typeface="Arial" panose="020B0604020202020204" pitchFamily="34" charset="0"/>
+            </a:endParaRPr>
+          </a:p>
+          <a:p>
+            <a:pPr fontAlgn="auto">
+              <a:spcBef>
+                <a:spcPts val="0"/>
+              </a:spcBef>
+              <a:spcAft>
+                <a:spcPts val="0"/>
+              </a:spcAft>
+              <a:defRPr/>
+            </a:pPr>
+            <a:r>
+              <a:rPr lang="vi-VN" altLang="en-US" sz="1400">
+                <a:solidFill>
+                  <a:schemeClr val="tx1"/>
+                </a:solidFill>
+                <a:latin typeface="Arial" panose="020B0604020202020204" pitchFamily="34" charset="0"/>
+                <a:cs typeface="Arial" panose="020B0604020202020204" pitchFamily="34" charset="0"/>
+              </a:rPr>
+              <a:t>NHAN_VIEN_QUAN_LY</a:t>
+            </a:r>
+            <a:r>
+              <a:rPr lang="en-US" altLang="vi-VN" sz="1400">
+                <a:solidFill>
+                  <a:schemeClr val="tx1"/>
+                </a:solidFill>
+                <a:latin typeface="Arial" panose="020B0604020202020204" pitchFamily="34" charset="0"/>
+                <a:cs typeface="Arial" panose="020B0604020202020204" pitchFamily="34" charset="0"/>
+              </a:rPr>
+              <a:t> </a:t>
+            </a:r>
+            <a:r>
+              <a:rPr lang="vi-VN" altLang="en-US" sz="1400">
+                <a:latin typeface="Arial" panose="020B0604020202020204" pitchFamily="34" charset="0"/>
+                <a:cs typeface="Arial" panose="020B0604020202020204" pitchFamily="34" charset="0"/>
+                <a:sym typeface="+mn-ea"/>
+              </a:rPr>
+              <a:t>(H</a:t>
+            </a:r>
+            <a:r>
+              <a:rPr lang="en-US" altLang="vi-VN" sz="1400">
+                <a:latin typeface="Arial" panose="020B0604020202020204" pitchFamily="34" charset="0"/>
+                <a:cs typeface="Arial" panose="020B0604020202020204" pitchFamily="34" charset="0"/>
+                <a:sym typeface="+mn-ea"/>
+              </a:rPr>
+              <a:t>o_Ten,... </a:t>
+            </a:r>
+            <a:r>
+              <a:rPr lang="vi-VN" altLang="en-US" sz="1400">
+                <a:latin typeface="Arial" panose="020B0604020202020204" pitchFamily="34" charset="0"/>
+                <a:cs typeface="Arial" panose="020B0604020202020204" pitchFamily="34" charset="0"/>
+                <a:sym typeface="+mn-ea"/>
+              </a:rPr>
+              <a:t>)</a:t>
+            </a:r>
+            <a:endParaRPr lang="vi-VN" altLang="en-US" sz="1400">
+              <a:latin typeface="Arial" panose="020B0604020202020204" pitchFamily="34" charset="0"/>
+              <a:cs typeface="Arial" panose="020B0604020202020204" pitchFamily="34" charset="0"/>
+              <a:sym typeface="+mn-ea"/>
+            </a:endParaRPr>
+          </a:p>
+          <a:p>
+            <a:pPr fontAlgn="auto">
+              <a:spcBef>
+                <a:spcPts val="0"/>
+              </a:spcBef>
+              <a:spcAft>
+                <a:spcPts val="0"/>
+              </a:spcAft>
+              <a:defRPr/>
+            </a:pPr>
+            <a:r>
+              <a:rPr lang="en-US" altLang="vi-VN" sz="1400">
+                <a:solidFill>
+                  <a:srgbClr val="FF0000"/>
+                </a:solidFill>
+                <a:latin typeface="Arial" panose="020B0604020202020204" pitchFamily="34" charset="0"/>
+                <a:cs typeface="Arial" panose="020B0604020202020204" pitchFamily="34" charset="0"/>
+              </a:rPr>
+              <a:t>Ghi c</a:t>
+            </a:r>
+            <a:r>
+              <a:rPr lang="vi-VN" altLang="en-US" sz="1400">
+                <a:solidFill>
+                  <a:srgbClr val="FF0000"/>
+                </a:solidFill>
+                <a:latin typeface="Arial" panose="020B0604020202020204" pitchFamily="34" charset="0"/>
+                <a:cs typeface="Arial" panose="020B0604020202020204" pitchFamily="34" charset="0"/>
+              </a:rPr>
+              <a:t>hú: Lớp Khách, Nhân viên chưa nằm trong đối tượng quản lý của úng dụng</a:t>
+            </a:r>
+            <a:endParaRPr lang="vi-VN" altLang="en-US" sz="1400">
+              <a:solidFill>
+                <a:srgbClr val="FF0000"/>
+              </a:solidFill>
+              <a:latin typeface="Arial" panose="020B0604020202020204" pitchFamily="34" charset="0"/>
+              <a:cs typeface="Arial" panose="020B0604020202020204" pitchFamily="34" charset="0"/>
+            </a:endParaRPr>
+          </a:p>
+          <a:p>
+            <a:pPr fontAlgn="auto">
+              <a:spcBef>
+                <a:spcPts val="0"/>
+              </a:spcBef>
+              <a:spcAft>
+                <a:spcPts val="0"/>
+              </a:spcAft>
+              <a:defRPr/>
+            </a:pPr>
+            <a:endParaRPr lang="vi-VN" altLang="en-US" sz="1400">
+              <a:solidFill>
+                <a:schemeClr val="tx1"/>
+              </a:solidFill>
+              <a:latin typeface="Arial" panose="020B0604020202020204" pitchFamily="34" charset="0"/>
+              <a:cs typeface="Arial" panose="020B0604020202020204" pitchFamily="34" charset="0"/>
+            </a:endParaRPr>
+          </a:p>
+          <a:p>
+            <a:pPr fontAlgn="auto">
+              <a:spcBef>
+                <a:spcPts val="0"/>
+              </a:spcBef>
+              <a:spcAft>
+                <a:spcPts val="0"/>
+              </a:spcAft>
+              <a:defRPr/>
+            </a:pPr>
+            <a:endParaRPr lang="vi-VN" altLang="en-US" sz="1400">
+              <a:latin typeface="Arial" panose="020B0604020202020204" pitchFamily="34" charset="0"/>
+              <a:cs typeface="Arial" panose="020B0604020202020204" pitchFamily="34" charset="0"/>
+            </a:endParaRPr>
           </a:p>
         </p:txBody>
       </p:sp>
     </p:spTree>
-    <p:extLst>
-      <p:ext uri="{BB962C8B-B14F-4D97-AF65-F5344CB8AC3E}">
-        <p14:creationId xmlns:p14="http://schemas.microsoft.com/office/powerpoint/2010/main" val="1651602623"/>
-      </p:ext>
-    </p:extLst>
+  </p:cSld>
+  <p:clrMapOvr>
+    <a:masterClrMapping/>
+  </p:clrMapOvr>
+</p:sld>
+</file>
+
+<file path=ppt/slides/slide3.xml><?xml version="1.0" encoding="utf-8"?>
+<p:sld xmlns:a="http://schemas.openxmlformats.org/drawingml/2006/main" xmlns:r="http://schemas.openxmlformats.org/officeDocument/2006/relationships" xmlns:p="http://schemas.openxmlformats.org/presentationml/2006/main">
+  <p:cSld>
+    <p:spTree>
+      <p:nvGrpSpPr>
+        <p:cNvPr id="1" name=""/>
+        <p:cNvGrpSpPr/>
+        <p:nvPr/>
+      </p:nvGrpSpPr>
+      <p:grpSpPr/>
+      <p:sp>
+        <p:nvSpPr>
+          <p:cNvPr id="69" name="Rounded Rectangle 68">
+            <a:hlinkClick r:id="rId1" action="ppaction://hlinksldjump"/>
+          </p:cNvPr>
+          <p:cNvSpPr/>
+          <p:nvPr/>
+        </p:nvSpPr>
+        <p:spPr>
+          <a:xfrm>
+            <a:off x="4084868" y="130410"/>
+            <a:ext cx="4021664" cy="754401"/>
+          </a:xfrm>
+          <a:prstGeom prst="roundRect">
+            <a:avLst/>
+          </a:prstGeom>
+          <a:solidFill>
+            <a:srgbClr val="002060"/>
+          </a:solidFill>
+          <a:ln w="38100" cap="rnd">
+            <a:solidFill>
+              <a:schemeClr val="bg1"/>
+            </a:solidFill>
+          </a:ln>
+          <a:effectLst>
+            <a:outerShdw blurRad="482600" dir="5400000" sx="89000" sy="89000" algn="ctr" rotWithShape="0">
+              <a:srgbClr val="000000">
+                <a:alpha val="49000"/>
+              </a:srgbClr>
+            </a:outerShdw>
+          </a:effectLst>
+          <a:scene3d>
+            <a:camera prst="orthographicFront"/>
+            <a:lightRig rig="twoPt" dir="t"/>
+          </a:scene3d>
+          <a:sp3d extrusionH="12700" prstMaterial="translucentPowder">
+            <a:bevelB w="165100" prst="coolSlant"/>
+          </a:sp3d>
+        </p:spPr>
+        <p:style>
+          <a:lnRef idx="2">
+            <a:schemeClr val="accent1">
+              <a:shade val="50000"/>
+            </a:schemeClr>
+          </a:lnRef>
+          <a:fillRef idx="1">
+            <a:schemeClr val="accent1"/>
+          </a:fillRef>
+          <a:effectRef idx="0">
+            <a:schemeClr val="accent1"/>
+          </a:effectRef>
+          <a:fontRef idx="minor">
+            <a:schemeClr val="lt1"/>
+          </a:fontRef>
+        </p:style>
+        <p:txBody>
+          <a:bodyPr rtlCol="0" anchor="ctr"/>
+          <a:p>
+            <a:pPr algn="ctr"/>
+            <a:r>
+              <a:rPr lang="vi-VN" altLang="en-US" sz="1600" b="1">
+                <a:solidFill>
+                  <a:prstClr val="white"/>
+                </a:solidFill>
+                <a:latin typeface="Arial" panose="020B0604020202020204" pitchFamily="34" charset="0"/>
+                <a:cs typeface="Arial" panose="020B0604020202020204" pitchFamily="34" charset="0"/>
+              </a:rPr>
+              <a:t>Bán vé xem phim</a:t>
+            </a:r>
+            <a:r>
+              <a:rPr lang="en-US" sz="1600" b="1">
+                <a:solidFill>
+                  <a:prstClr val="white"/>
+                </a:solidFill>
+                <a:latin typeface="Arial" panose="020B0604020202020204" pitchFamily="34" charset="0"/>
+                <a:cs typeface="Arial" panose="020B0604020202020204" pitchFamily="34" charset="0"/>
+              </a:rPr>
+              <a:t> 1 </a:t>
+            </a:r>
+            <a:endParaRPr lang="en-US" sz="1600" b="1">
+              <a:solidFill>
+                <a:prstClr val="white"/>
+              </a:solidFill>
+              <a:latin typeface="Arial" panose="020B0604020202020204" pitchFamily="34" charset="0"/>
+              <a:cs typeface="Arial" panose="020B0604020202020204" pitchFamily="34" charset="0"/>
+            </a:endParaRPr>
+          </a:p>
+          <a:p>
+            <a:pPr algn="ctr"/>
+            <a:r>
+              <a:rPr lang="en-US" sz="1600">
+                <a:solidFill>
+                  <a:prstClr val="white"/>
+                </a:solidFill>
+                <a:latin typeface="Arial" panose="020B0604020202020204" pitchFamily="34" charset="0"/>
+                <a:cs typeface="Arial" panose="020B0604020202020204" pitchFamily="34" charset="0"/>
+              </a:rPr>
+              <a:t>( Mã số : </a:t>
+            </a:r>
+            <a:r>
+              <a:rPr lang="vi-VN" altLang="en-US" sz="1600">
+                <a:solidFill>
+                  <a:prstClr val="white"/>
+                </a:solidFill>
+                <a:latin typeface="Arial" panose="020B0604020202020204" pitchFamily="34" charset="0"/>
+                <a:cs typeface="Arial" panose="020B0604020202020204" pitchFamily="34" charset="0"/>
+              </a:rPr>
+              <a:t>Xem_Phim</a:t>
+            </a:r>
+            <a:r>
+              <a:rPr lang="en-US" sz="1600">
+                <a:solidFill>
+                  <a:prstClr val="white"/>
+                </a:solidFill>
+                <a:latin typeface="Arial" panose="020B0604020202020204" pitchFamily="34" charset="0"/>
+                <a:cs typeface="Arial" panose="020B0604020202020204" pitchFamily="34" charset="0"/>
+              </a:rPr>
+              <a:t>_1)</a:t>
+            </a:r>
+            <a:endParaRPr lang="en-US" sz="1600">
+              <a:solidFill>
+                <a:prstClr val="white"/>
+              </a:solidFill>
+              <a:latin typeface="Arial" panose="020B0604020202020204" pitchFamily="34" charset="0"/>
+              <a:cs typeface="Arial" panose="020B0604020202020204" pitchFamily="34" charset="0"/>
+            </a:endParaRPr>
+          </a:p>
+          <a:p>
+            <a:pPr algn="ctr"/>
+            <a:r>
+              <a:rPr lang="vi-VN" altLang="en-US" sz="1600" b="1">
+                <a:solidFill>
+                  <a:srgbClr val="FFFF00"/>
+                </a:solidFill>
+                <a:latin typeface="Arial" panose="020B0604020202020204" pitchFamily="34" charset="0"/>
+                <a:cs typeface="Arial" panose="020B0604020202020204" pitchFamily="34" charset="0"/>
+              </a:rPr>
+              <a:t>Lớp đối </a:t>
+            </a:r>
+            <a:r>
+              <a:rPr lang="vi-VN" altLang="en-US" sz="1600" b="1">
+                <a:solidFill>
+                  <a:srgbClr val="FFFF00"/>
+                </a:solidFill>
+                <a:latin typeface="Arial" panose="020B0604020202020204" pitchFamily="34" charset="0"/>
+                <a:cs typeface="Arial" panose="020B0604020202020204" pitchFamily="34" charset="0"/>
+              </a:rPr>
+              <a:t>tượng</a:t>
+            </a:r>
+            <a:endParaRPr lang="vi-VN" altLang="en-US" sz="1600" b="1">
+              <a:solidFill>
+                <a:srgbClr val="FFFF00"/>
+              </a:solidFill>
+              <a:latin typeface="Arial" panose="020B0604020202020204" pitchFamily="34" charset="0"/>
+              <a:cs typeface="Arial" panose="020B0604020202020204" pitchFamily="34" charset="0"/>
+            </a:endParaRPr>
+          </a:p>
+        </p:txBody>
+      </p:sp>
+      <p:sp>
+        <p:nvSpPr>
+          <p:cNvPr id="4" name="TextBox 43">
+            <a:hlinkClick r:id="" action="ppaction://noaction"/>
+          </p:cNvPr>
+          <p:cNvSpPr txBox="1"/>
+          <p:nvPr/>
+        </p:nvSpPr>
+        <p:spPr>
+          <a:xfrm>
+            <a:off x="241300" y="982345"/>
+            <a:ext cx="10845165" cy="1383665"/>
+          </a:xfrm>
+          <a:prstGeom prst="rect">
+            <a:avLst/>
+          </a:prstGeom>
+          <a:solidFill>
+            <a:schemeClr val="bg1"/>
+          </a:solidFill>
+          <a:ln>
+            <a:solidFill>
+              <a:schemeClr val="accent1"/>
+            </a:solidFill>
+          </a:ln>
+        </p:spPr>
+        <p:txBody>
+          <a:bodyPr wrap="square" rtlCol="0">
+            <a:spAutoFit/>
+          </a:bodyPr>
+          <a:p>
+            <a:pPr fontAlgn="auto">
+              <a:spcBef>
+                <a:spcPts val="0"/>
+              </a:spcBef>
+              <a:spcAft>
+                <a:spcPts val="0"/>
+              </a:spcAft>
+              <a:defRPr/>
+            </a:pPr>
+            <a:r>
+              <a:rPr lang="en-US" altLang="vi-VN" sz="1400">
+                <a:solidFill>
+                  <a:schemeClr val="tx1"/>
+                </a:solidFill>
+                <a:latin typeface="Arial" panose="020B0604020202020204" pitchFamily="34" charset="0"/>
+                <a:cs typeface="Arial" panose="020B0604020202020204" pitchFamily="34" charset="0"/>
+                <a:sym typeface="+mn-ea"/>
+              </a:rPr>
+              <a:t>RAP ----* PHONG_CHIEU</a:t>
+            </a:r>
+            <a:endParaRPr lang="en-US" altLang="vi-VN" sz="1400">
+              <a:solidFill>
+                <a:schemeClr val="tx1"/>
+              </a:solidFill>
+              <a:latin typeface="Arial" panose="020B0604020202020204" pitchFamily="34" charset="0"/>
+              <a:cs typeface="Arial" panose="020B0604020202020204" pitchFamily="34" charset="0"/>
+              <a:sym typeface="+mn-ea"/>
+            </a:endParaRPr>
+          </a:p>
+          <a:p>
+            <a:pPr fontAlgn="auto">
+              <a:spcBef>
+                <a:spcPts val="0"/>
+              </a:spcBef>
+              <a:spcAft>
+                <a:spcPts val="0"/>
+              </a:spcAft>
+              <a:defRPr/>
+            </a:pPr>
+            <a:r>
+              <a:rPr lang="en-US" altLang="vi-VN" sz="1400">
+                <a:solidFill>
+                  <a:schemeClr val="tx1"/>
+                </a:solidFill>
+                <a:latin typeface="Arial" panose="020B0604020202020204" pitchFamily="34" charset="0"/>
+                <a:cs typeface="Arial" panose="020B0604020202020204" pitchFamily="34" charset="0"/>
+                <a:sym typeface="+mn-ea"/>
+              </a:rPr>
+              <a:t>PHIM ---* SUAT_CHIEU</a:t>
+            </a:r>
+            <a:endParaRPr lang="en-US" altLang="vi-VN" sz="1400">
+              <a:solidFill>
+                <a:schemeClr val="tx1"/>
+              </a:solidFill>
+              <a:latin typeface="Arial" panose="020B0604020202020204" pitchFamily="34" charset="0"/>
+              <a:cs typeface="Arial" panose="020B0604020202020204" pitchFamily="34" charset="0"/>
+              <a:sym typeface="+mn-ea"/>
+            </a:endParaRPr>
+          </a:p>
+          <a:p>
+            <a:pPr fontAlgn="auto">
+              <a:spcBef>
+                <a:spcPts val="0"/>
+              </a:spcBef>
+              <a:spcAft>
+                <a:spcPts val="0"/>
+              </a:spcAft>
+              <a:defRPr/>
+            </a:pPr>
+            <a:r>
+              <a:rPr lang="en-US" altLang="vi-VN" sz="1400">
+                <a:solidFill>
+                  <a:schemeClr val="tx1"/>
+                </a:solidFill>
+                <a:latin typeface="Arial" panose="020B0604020202020204" pitchFamily="34" charset="0"/>
+                <a:cs typeface="Arial" panose="020B0604020202020204" pitchFamily="34" charset="0"/>
+                <a:sym typeface="+mn-ea"/>
+              </a:rPr>
+              <a:t>PHONG_CHIEU ---* SUAT_CHIEU</a:t>
+            </a:r>
+            <a:endParaRPr lang="en-US" altLang="vi-VN" sz="1400">
+              <a:solidFill>
+                <a:schemeClr val="tx1"/>
+              </a:solidFill>
+              <a:latin typeface="Arial" panose="020B0604020202020204" pitchFamily="34" charset="0"/>
+              <a:cs typeface="Arial" panose="020B0604020202020204" pitchFamily="34" charset="0"/>
+              <a:sym typeface="+mn-ea"/>
+            </a:endParaRPr>
+          </a:p>
+          <a:p>
+            <a:pPr fontAlgn="auto">
+              <a:spcBef>
+                <a:spcPts val="0"/>
+              </a:spcBef>
+              <a:spcAft>
+                <a:spcPts val="0"/>
+              </a:spcAft>
+              <a:defRPr/>
+            </a:pPr>
+            <a:r>
+              <a:rPr lang="en-US" altLang="vi-VN" sz="1400">
+                <a:solidFill>
+                  <a:schemeClr val="tx1"/>
+                </a:solidFill>
+                <a:latin typeface="Arial" panose="020B0604020202020204" pitchFamily="34" charset="0"/>
+                <a:cs typeface="Arial" panose="020B0604020202020204" pitchFamily="34" charset="0"/>
+                <a:sym typeface="+mn-ea"/>
+              </a:rPr>
+              <a:t>CA_CHIEU --- SUAT_CHIEU</a:t>
+            </a:r>
+            <a:endParaRPr lang="en-US" altLang="vi-VN" sz="1400">
+              <a:solidFill>
+                <a:schemeClr val="tx1"/>
+              </a:solidFill>
+              <a:latin typeface="Arial" panose="020B0604020202020204" pitchFamily="34" charset="0"/>
+              <a:cs typeface="Arial" panose="020B0604020202020204" pitchFamily="34" charset="0"/>
+              <a:sym typeface="+mn-ea"/>
+            </a:endParaRPr>
+          </a:p>
+          <a:p>
+            <a:pPr fontAlgn="auto">
+              <a:spcBef>
+                <a:spcPts val="0"/>
+              </a:spcBef>
+              <a:spcAft>
+                <a:spcPts val="0"/>
+              </a:spcAft>
+              <a:defRPr/>
+            </a:pPr>
+            <a:r>
+              <a:rPr lang="en-US" altLang="vi-VN" sz="1400">
+                <a:solidFill>
+                  <a:schemeClr val="tx1"/>
+                </a:solidFill>
+                <a:latin typeface="Arial" panose="020B0604020202020204" pitchFamily="34" charset="0"/>
+                <a:cs typeface="Arial" panose="020B0604020202020204" pitchFamily="34" charset="0"/>
+                <a:sym typeface="+mn-ea"/>
+              </a:rPr>
+              <a:t>SUAT_CHIEU ---* VE_BAN</a:t>
+            </a:r>
+            <a:endParaRPr lang="en-US" altLang="vi-VN" sz="1400">
+              <a:solidFill>
+                <a:schemeClr val="tx1"/>
+              </a:solidFill>
+              <a:latin typeface="Arial" panose="020B0604020202020204" pitchFamily="34" charset="0"/>
+              <a:cs typeface="Arial" panose="020B0604020202020204" pitchFamily="34" charset="0"/>
+              <a:sym typeface="+mn-ea"/>
+            </a:endParaRPr>
+          </a:p>
+          <a:p>
+            <a:pPr fontAlgn="auto">
+              <a:spcBef>
+                <a:spcPts val="0"/>
+              </a:spcBef>
+              <a:spcAft>
+                <a:spcPts val="0"/>
+              </a:spcAft>
+              <a:defRPr/>
+            </a:pPr>
+            <a:r>
+              <a:rPr lang="en-US" altLang="vi-VN" sz="1400">
+                <a:solidFill>
+                  <a:schemeClr val="tx1"/>
+                </a:solidFill>
+                <a:latin typeface="Arial" panose="020B0604020202020204" pitchFamily="34" charset="0"/>
+                <a:cs typeface="Arial" panose="020B0604020202020204" pitchFamily="34" charset="0"/>
+                <a:sym typeface="+mn-ea"/>
+              </a:rPr>
+              <a:t>NHAN_VIEN_BAN_VE ---* VE_BAN</a:t>
+            </a:r>
+            <a:endParaRPr lang="en-US" altLang="vi-VN" sz="1400">
+              <a:solidFill>
+                <a:schemeClr val="tx1"/>
+              </a:solidFill>
+              <a:latin typeface="Arial" panose="020B0604020202020204" pitchFamily="34" charset="0"/>
+              <a:cs typeface="Arial" panose="020B0604020202020204" pitchFamily="34" charset="0"/>
+              <a:sym typeface="+mn-ea"/>
+            </a:endParaRPr>
+          </a:p>
+        </p:txBody>
+      </p:sp>
+    </p:spTree>
+  </p:cSld>
+  <p:clrMapOvr>
+    <a:masterClrMapping/>
+  </p:clrMapOvr>
+</p:sld>
+</file>
+
+<file path=ppt/slides/slide4.xml><?xml version="1.0" encoding="utf-8"?>
+<p:sld xmlns:a="http://schemas.openxmlformats.org/drawingml/2006/main" xmlns:r="http://schemas.openxmlformats.org/officeDocument/2006/relationships" xmlns:p="http://schemas.openxmlformats.org/presentationml/2006/main">
+  <p:cSld>
+    <p:spTree>
+      <p:nvGrpSpPr>
+        <p:cNvPr id="1" name=""/>
+        <p:cNvGrpSpPr/>
+        <p:nvPr/>
+      </p:nvGrpSpPr>
+      <p:grpSpPr/>
+      <p:sp>
+        <p:nvSpPr>
+          <p:cNvPr id="69" name="Rounded Rectangle 68">
+            <a:hlinkClick r:id="rId1" action="ppaction://hlinksldjump"/>
+          </p:cNvPr>
+          <p:cNvSpPr/>
+          <p:nvPr/>
+        </p:nvSpPr>
+        <p:spPr>
+          <a:xfrm>
+            <a:off x="4084868" y="320910"/>
+            <a:ext cx="4021664" cy="754401"/>
+          </a:xfrm>
+          <a:prstGeom prst="roundRect">
+            <a:avLst/>
+          </a:prstGeom>
+          <a:solidFill>
+            <a:srgbClr val="002060"/>
+          </a:solidFill>
+          <a:ln w="38100" cap="rnd">
+            <a:solidFill>
+              <a:schemeClr val="bg1"/>
+            </a:solidFill>
+          </a:ln>
+          <a:effectLst>
+            <a:outerShdw blurRad="482600" dir="5400000" sx="89000" sy="89000" algn="ctr" rotWithShape="0">
+              <a:srgbClr val="000000">
+                <a:alpha val="49000"/>
+              </a:srgbClr>
+            </a:outerShdw>
+          </a:effectLst>
+          <a:scene3d>
+            <a:camera prst="orthographicFront"/>
+            <a:lightRig rig="twoPt" dir="t"/>
+          </a:scene3d>
+          <a:sp3d extrusionH="12700" prstMaterial="translucentPowder">
+            <a:bevelB w="165100" prst="coolSlant"/>
+          </a:sp3d>
+        </p:spPr>
+        <p:style>
+          <a:lnRef idx="2">
+            <a:schemeClr val="accent1">
+              <a:shade val="50000"/>
+            </a:schemeClr>
+          </a:lnRef>
+          <a:fillRef idx="1">
+            <a:schemeClr val="accent1"/>
+          </a:fillRef>
+          <a:effectRef idx="0">
+            <a:schemeClr val="accent1"/>
+          </a:effectRef>
+          <a:fontRef idx="minor">
+            <a:schemeClr val="lt1"/>
+          </a:fontRef>
+        </p:style>
+        <p:txBody>
+          <a:bodyPr rtlCol="0" anchor="ctr"/>
+          <a:p>
+            <a:pPr algn="ctr"/>
+            <a:r>
+              <a:rPr lang="vi-VN" altLang="en-US" sz="1600" b="1">
+                <a:solidFill>
+                  <a:prstClr val="white"/>
+                </a:solidFill>
+                <a:latin typeface="Arial" panose="020B0604020202020204" pitchFamily="34" charset="0"/>
+                <a:cs typeface="Arial" panose="020B0604020202020204" pitchFamily="34" charset="0"/>
+              </a:rPr>
+              <a:t>Bán vé xem phim</a:t>
+            </a:r>
+            <a:r>
+              <a:rPr lang="en-US" sz="1600" b="1">
+                <a:solidFill>
+                  <a:prstClr val="white"/>
+                </a:solidFill>
+                <a:latin typeface="Arial" panose="020B0604020202020204" pitchFamily="34" charset="0"/>
+                <a:cs typeface="Arial" panose="020B0604020202020204" pitchFamily="34" charset="0"/>
+              </a:rPr>
+              <a:t> 1 </a:t>
+            </a:r>
+            <a:endParaRPr lang="en-US" sz="1600" b="1">
+              <a:solidFill>
+                <a:prstClr val="white"/>
+              </a:solidFill>
+              <a:latin typeface="Arial" panose="020B0604020202020204" pitchFamily="34" charset="0"/>
+              <a:cs typeface="Arial" panose="020B0604020202020204" pitchFamily="34" charset="0"/>
+            </a:endParaRPr>
+          </a:p>
+          <a:p>
+            <a:pPr algn="ctr"/>
+            <a:r>
+              <a:rPr lang="en-US" sz="1600">
+                <a:solidFill>
+                  <a:prstClr val="white"/>
+                </a:solidFill>
+                <a:latin typeface="Arial" panose="020B0604020202020204" pitchFamily="34" charset="0"/>
+                <a:cs typeface="Arial" panose="020B0604020202020204" pitchFamily="34" charset="0"/>
+              </a:rPr>
+              <a:t>( Mã số : </a:t>
+            </a:r>
+            <a:r>
+              <a:rPr lang="vi-VN" altLang="en-US" sz="1600">
+                <a:solidFill>
+                  <a:prstClr val="white"/>
+                </a:solidFill>
+                <a:latin typeface="Arial" panose="020B0604020202020204" pitchFamily="34" charset="0"/>
+                <a:cs typeface="Arial" panose="020B0604020202020204" pitchFamily="34" charset="0"/>
+              </a:rPr>
+              <a:t>Xem_Phim</a:t>
+            </a:r>
+            <a:r>
+              <a:rPr lang="en-US" sz="1600">
+                <a:solidFill>
+                  <a:prstClr val="white"/>
+                </a:solidFill>
+                <a:latin typeface="Arial" panose="020B0604020202020204" pitchFamily="34" charset="0"/>
+                <a:cs typeface="Arial" panose="020B0604020202020204" pitchFamily="34" charset="0"/>
+              </a:rPr>
+              <a:t>_1)</a:t>
+            </a:r>
+            <a:endParaRPr lang="en-US" sz="1600">
+              <a:solidFill>
+                <a:prstClr val="white"/>
+              </a:solidFill>
+              <a:latin typeface="Arial" panose="020B0604020202020204" pitchFamily="34" charset="0"/>
+              <a:cs typeface="Arial" panose="020B0604020202020204" pitchFamily="34" charset="0"/>
+            </a:endParaRPr>
+          </a:p>
+          <a:p>
+            <a:pPr algn="ctr"/>
+            <a:r>
+              <a:rPr lang="en-US" altLang="vi-VN" sz="1600" b="1">
+                <a:solidFill>
+                  <a:srgbClr val="FFFF00"/>
+                </a:solidFill>
+                <a:latin typeface="Arial" panose="020B0604020202020204" pitchFamily="34" charset="0"/>
+                <a:cs typeface="Arial" panose="020B0604020202020204" pitchFamily="34" charset="0"/>
+              </a:rPr>
+              <a:t>S</a:t>
+            </a:r>
+            <a:r>
+              <a:rPr lang="vi-VN" altLang="en-US" sz="1600" b="1">
+                <a:solidFill>
+                  <a:srgbClr val="FFFF00"/>
+                </a:solidFill>
+                <a:latin typeface="Arial" panose="020B0604020202020204" pitchFamily="34" charset="0"/>
+                <a:cs typeface="Arial" panose="020B0604020202020204" pitchFamily="34" charset="0"/>
+              </a:rPr>
+              <a:t>ơ đồ </a:t>
+            </a:r>
+            <a:r>
+              <a:rPr lang="vi-VN" altLang="en-US" sz="1600" b="1">
+                <a:solidFill>
+                  <a:srgbClr val="FFFF00"/>
+                </a:solidFill>
+                <a:latin typeface="Arial" panose="020B0604020202020204" pitchFamily="34" charset="0"/>
+                <a:cs typeface="Arial" panose="020B0604020202020204" pitchFamily="34" charset="0"/>
+              </a:rPr>
+              <a:t>lớp đối </a:t>
+            </a:r>
+            <a:r>
+              <a:rPr lang="vi-VN" altLang="en-US" sz="1600" b="1">
+                <a:solidFill>
+                  <a:srgbClr val="FFFF00"/>
+                </a:solidFill>
+                <a:latin typeface="Arial" panose="020B0604020202020204" pitchFamily="34" charset="0"/>
+                <a:cs typeface="Arial" panose="020B0604020202020204" pitchFamily="34" charset="0"/>
+              </a:rPr>
+              <a:t>tượng</a:t>
+            </a:r>
+            <a:endParaRPr lang="vi-VN" altLang="en-US" sz="1600" b="1">
+              <a:solidFill>
+                <a:srgbClr val="FFFF00"/>
+              </a:solidFill>
+              <a:latin typeface="Arial" panose="020B0604020202020204" pitchFamily="34" charset="0"/>
+              <a:cs typeface="Arial" panose="020B0604020202020204" pitchFamily="34" charset="0"/>
+            </a:endParaRPr>
+          </a:p>
+        </p:txBody>
+      </p:sp>
+      <p:graphicFrame>
+        <p:nvGraphicFramePr>
+          <p:cNvPr id="2" name="Table 1"/>
+          <p:cNvGraphicFramePr/>
+          <p:nvPr/>
+        </p:nvGraphicFramePr>
+        <p:xfrm>
+          <a:off x="4917440" y="2731135"/>
+          <a:ext cx="1866900" cy="1882140"/>
+        </p:xfrm>
+        <a:graphic>
+          <a:graphicData uri="http://schemas.openxmlformats.org/drawingml/2006/table">
+            <a:tbl>
+              <a:tblPr firstRow="1" bandRow="1">
+                <a:tableStyleId>{5C22544A-7EE6-4342-B048-85BDC9FD1C3A}</a:tableStyleId>
+              </a:tblPr>
+              <a:tblGrid>
+                <a:gridCol w="1866900"/>
+              </a:tblGrid>
+              <a:tr h="313690">
+                <a:tc>
+                  <a:txBody>
+                    <a:bodyPr/>
+                    <a:p>
+                      <a:pPr algn="ctr">
+                        <a:buNone/>
+                      </a:pPr>
+                      <a:r>
+                        <a:rPr lang="en-US" sz="1400" b="0"/>
+                        <a:t>SUAT_CHIEU</a:t>
+                      </a:r>
+                      <a:endParaRPr lang="en-US" sz="1400" b="0"/>
+                    </a:p>
+                  </a:txBody>
+                  <a:tcPr/>
+                </a:tc>
+              </a:tr>
+              <a:tr h="313690">
+                <a:tc>
+                  <a:txBody>
+                    <a:bodyPr/>
+                    <a:p>
+                      <a:pPr algn="ctr">
+                        <a:buNone/>
+                      </a:pPr>
+                      <a:r>
+                        <a:rPr lang="en-US" sz="1400"/>
+                        <a:t>Ma_suat_chieu</a:t>
+                      </a:r>
+                      <a:endParaRPr lang="en-US" sz="1400"/>
+                    </a:p>
+                  </a:txBody>
+                  <a:tcPr/>
+                </a:tc>
+              </a:tr>
+              <a:tr h="313690">
+                <a:tc>
+                  <a:txBody>
+                    <a:bodyPr/>
+                    <a:p>
+                      <a:pPr algn="ctr">
+                        <a:buNone/>
+                      </a:pPr>
+                      <a:r>
+                        <a:rPr lang="en-US" sz="1400"/>
+                        <a:t>Ca_chieu</a:t>
+                      </a:r>
+                      <a:endParaRPr lang="en-US" sz="1400"/>
+                    </a:p>
+                  </a:txBody>
+                  <a:tcPr/>
+                </a:tc>
+              </a:tr>
+              <a:tr h="313690">
+                <a:tc>
+                  <a:txBody>
+                    <a:bodyPr/>
+                    <a:p>
+                      <a:pPr algn="ctr">
+                        <a:buNone/>
+                      </a:pPr>
+                      <a:r>
+                        <a:rPr lang="en-US" sz="1400"/>
+                        <a:t>Phim</a:t>
+                      </a:r>
+                      <a:endParaRPr lang="en-US" sz="1400"/>
+                    </a:p>
+                  </a:txBody>
+                  <a:tcPr/>
+                </a:tc>
+              </a:tr>
+              <a:tr h="313690">
+                <a:tc>
+                  <a:txBody>
+                    <a:bodyPr/>
+                    <a:p>
+                      <a:pPr algn="ctr">
+                        <a:buNone/>
+                      </a:pPr>
+                      <a:r>
+                        <a:rPr lang="en-US" sz="1400"/>
+                        <a:t>Phong_chieu</a:t>
+                      </a:r>
+                      <a:endParaRPr lang="en-US" sz="1400"/>
+                    </a:p>
+                  </a:txBody>
+                  <a:tcPr/>
+                </a:tc>
+              </a:tr>
+              <a:tr h="313690">
+                <a:tc>
+                  <a:txBody>
+                    <a:bodyPr/>
+                    <a:p>
+                      <a:pPr algn="ctr">
+                        <a:buNone/>
+                      </a:pPr>
+                      <a:r>
+                        <a:rPr lang="en-US" sz="1400"/>
+                        <a:t>Ngay_chieu, Gia</a:t>
+                      </a:r>
+                      <a:endParaRPr lang="en-US" sz="1400"/>
+                    </a:p>
+                  </a:txBody>
+                  <a:tcPr/>
+                </a:tc>
+              </a:tr>
+            </a:tbl>
+          </a:graphicData>
+        </a:graphic>
+      </p:graphicFrame>
+      <p:graphicFrame>
+        <p:nvGraphicFramePr>
+          <p:cNvPr id="6" name="Table 5"/>
+          <p:cNvGraphicFramePr/>
+          <p:nvPr/>
+        </p:nvGraphicFramePr>
+        <p:xfrm>
+          <a:off x="8716645" y="4737735"/>
+          <a:ext cx="1866900" cy="1882140"/>
+        </p:xfrm>
+        <a:graphic>
+          <a:graphicData uri="http://schemas.openxmlformats.org/drawingml/2006/table">
+            <a:tbl>
+              <a:tblPr firstRow="1" bandRow="1">
+                <a:tableStyleId>{5C22544A-7EE6-4342-B048-85BDC9FD1C3A}</a:tableStyleId>
+              </a:tblPr>
+              <a:tblGrid>
+                <a:gridCol w="1866900"/>
+              </a:tblGrid>
+              <a:tr h="313690">
+                <a:tc>
+                  <a:txBody>
+                    <a:bodyPr/>
+                    <a:p>
+                      <a:pPr algn="ctr">
+                        <a:buNone/>
+                      </a:pPr>
+                      <a:r>
+                        <a:rPr lang="en-US" sz="1400" b="0"/>
+                        <a:t>PHIM</a:t>
+                      </a:r>
+                      <a:endParaRPr lang="en-US" sz="1400" b="0"/>
+                    </a:p>
+                  </a:txBody>
+                  <a:tcPr/>
+                </a:tc>
+              </a:tr>
+              <a:tr h="313690">
+                <a:tc>
+                  <a:txBody>
+                    <a:bodyPr/>
+                    <a:p>
+                      <a:pPr algn="ctr">
+                        <a:buNone/>
+                      </a:pPr>
+                      <a:r>
+                        <a:rPr lang="en-US" sz="1400"/>
+                        <a:t>Ma_phim</a:t>
+                      </a:r>
+                      <a:endParaRPr lang="en-US" sz="1400"/>
+                    </a:p>
+                  </a:txBody>
+                  <a:tcPr/>
+                </a:tc>
+              </a:tr>
+              <a:tr h="313690">
+                <a:tc>
+                  <a:txBody>
+                    <a:bodyPr/>
+                    <a:p>
+                      <a:pPr algn="ctr">
+                        <a:buNone/>
+                      </a:pPr>
+                      <a:r>
+                        <a:rPr lang="en-US" sz="1400"/>
+                        <a:t>Ten_phim, Mo_ta, ...</a:t>
+                      </a:r>
+                      <a:endParaRPr lang="en-US" sz="1400"/>
+                    </a:p>
+                  </a:txBody>
+                  <a:tcPr/>
+                </a:tc>
+              </a:tr>
+            </a:tbl>
+          </a:graphicData>
+        </a:graphic>
+      </p:graphicFrame>
+      <p:cxnSp>
+        <p:nvCxnSpPr>
+          <p:cNvPr id="7" name="Straight Connector 6"/>
+          <p:cNvCxnSpPr>
+            <a:stCxn id="6" idx="1"/>
+          </p:cNvCxnSpPr>
+          <p:nvPr/>
+        </p:nvCxnSpPr>
+        <p:spPr>
+          <a:xfrm flipH="1" flipV="1">
+            <a:off x="6704965" y="3833495"/>
+            <a:ext cx="2011680" cy="1374775"/>
+          </a:xfrm>
+          <a:prstGeom prst="line">
+            <a:avLst/>
+          </a:prstGeom>
+        </p:spPr>
+        <p:style>
+          <a:lnRef idx="3">
+            <a:schemeClr val="accent1"/>
+          </a:lnRef>
+          <a:fillRef idx="0">
+            <a:schemeClr val="accent1"/>
+          </a:fillRef>
+          <a:effectRef idx="2">
+            <a:schemeClr val="accent1"/>
+          </a:effectRef>
+          <a:fontRef idx="minor">
+            <a:schemeClr val="tx1"/>
+          </a:fontRef>
+        </p:style>
+      </p:cxnSp>
+      <p:sp>
+        <p:nvSpPr>
+          <p:cNvPr id="8" name="7-Point Star 7"/>
+          <p:cNvSpPr/>
+          <p:nvPr/>
+        </p:nvSpPr>
+        <p:spPr>
+          <a:xfrm>
+            <a:off x="6815455" y="3833495"/>
+            <a:ext cx="201930" cy="201295"/>
+          </a:xfrm>
+          <a:prstGeom prst="star7">
+            <a:avLst/>
+          </a:prstGeom>
+        </p:spPr>
+        <p:style>
+          <a:lnRef idx="2">
+            <a:schemeClr val="accent1">
+              <a:shade val="50000"/>
+            </a:schemeClr>
+          </a:lnRef>
+          <a:fillRef idx="1">
+            <a:schemeClr val="accent1"/>
+          </a:fillRef>
+          <a:effectRef idx="0">
+            <a:schemeClr val="accent1"/>
+          </a:effectRef>
+          <a:fontRef idx="minor">
+            <a:schemeClr val="lt1"/>
+          </a:fontRef>
+        </p:style>
+        <p:txBody>
+          <a:bodyPr rtlCol="0" anchor="ctr"/>
+          <a:p>
+            <a:pPr algn="ctr"/>
+            <a:endParaRPr lang="en-US"/>
+          </a:p>
+        </p:txBody>
+      </p:sp>
+      <p:graphicFrame>
+        <p:nvGraphicFramePr>
+          <p:cNvPr id="9" name="Table 8"/>
+          <p:cNvGraphicFramePr/>
+          <p:nvPr/>
+        </p:nvGraphicFramePr>
+        <p:xfrm>
+          <a:off x="2272030" y="2731135"/>
+          <a:ext cx="1866900" cy="1882140"/>
+        </p:xfrm>
+        <a:graphic>
+          <a:graphicData uri="http://schemas.openxmlformats.org/drawingml/2006/table">
+            <a:tbl>
+              <a:tblPr firstRow="1" bandRow="1">
+                <a:tableStyleId>{5C22544A-7EE6-4342-B048-85BDC9FD1C3A}</a:tableStyleId>
+              </a:tblPr>
+              <a:tblGrid>
+                <a:gridCol w="1866900"/>
+              </a:tblGrid>
+              <a:tr h="313690">
+                <a:tc>
+                  <a:txBody>
+                    <a:bodyPr/>
+                    <a:p>
+                      <a:pPr algn="ctr">
+                        <a:buNone/>
+                      </a:pPr>
+                      <a:r>
+                        <a:rPr lang="en-US" sz="1400" b="0"/>
+                        <a:t>PHONG_CHIEU</a:t>
+                      </a:r>
+                      <a:endParaRPr lang="en-US" sz="1400" b="0"/>
+                    </a:p>
+                  </a:txBody>
+                  <a:tcPr/>
+                </a:tc>
+              </a:tr>
+              <a:tr h="313690">
+                <a:tc>
+                  <a:txBody>
+                    <a:bodyPr/>
+                    <a:p>
+                      <a:pPr algn="ctr">
+                        <a:buNone/>
+                      </a:pPr>
+                      <a:r>
+                        <a:rPr lang="en-US" sz="1400"/>
+                        <a:t>Ma_phong_chieu</a:t>
+                      </a:r>
+                      <a:endParaRPr lang="en-US" sz="1400"/>
+                    </a:p>
+                  </a:txBody>
+                  <a:tcPr/>
+                </a:tc>
+              </a:tr>
+              <a:tr h="313690">
+                <a:tc>
+                  <a:txBody>
+                    <a:bodyPr/>
+                    <a:p>
+                      <a:pPr algn="ctr">
+                        <a:buNone/>
+                      </a:pPr>
+                      <a:r>
+                        <a:rPr lang="en-US" sz="1400"/>
+                        <a:t>Ten_phong, So_ghe</a:t>
+                      </a:r>
+                      <a:endParaRPr lang="en-US" sz="1400"/>
+                    </a:p>
+                  </a:txBody>
+                  <a:tcPr/>
+                </a:tc>
+              </a:tr>
+            </a:tbl>
+          </a:graphicData>
+        </a:graphic>
+      </p:graphicFrame>
+      <p:cxnSp>
+        <p:nvCxnSpPr>
+          <p:cNvPr id="10" name="Straight Connector 9"/>
+          <p:cNvCxnSpPr>
+            <a:endCxn id="9" idx="3"/>
+          </p:cNvCxnSpPr>
+          <p:nvPr/>
+        </p:nvCxnSpPr>
+        <p:spPr>
+          <a:xfrm flipH="1" flipV="1">
+            <a:off x="4138930" y="3201670"/>
+            <a:ext cx="769620" cy="956310"/>
+          </a:xfrm>
+          <a:prstGeom prst="line">
+            <a:avLst/>
+          </a:prstGeom>
+        </p:spPr>
+        <p:style>
+          <a:lnRef idx="3">
+            <a:schemeClr val="accent1"/>
+          </a:lnRef>
+          <a:fillRef idx="0">
+            <a:schemeClr val="accent1"/>
+          </a:fillRef>
+          <a:effectRef idx="2">
+            <a:schemeClr val="accent1"/>
+          </a:effectRef>
+          <a:fontRef idx="minor">
+            <a:schemeClr val="tx1"/>
+          </a:fontRef>
+        </p:style>
+      </p:cxnSp>
+      <p:sp>
+        <p:nvSpPr>
+          <p:cNvPr id="11" name="7-Point Star 10"/>
+          <p:cNvSpPr/>
+          <p:nvPr/>
+        </p:nvSpPr>
+        <p:spPr>
+          <a:xfrm>
+            <a:off x="4592955" y="4178300"/>
+            <a:ext cx="201930" cy="201295"/>
+          </a:xfrm>
+          <a:prstGeom prst="star7">
+            <a:avLst/>
+          </a:prstGeom>
+        </p:spPr>
+        <p:style>
+          <a:lnRef idx="2">
+            <a:schemeClr val="accent1">
+              <a:shade val="50000"/>
+            </a:schemeClr>
+          </a:lnRef>
+          <a:fillRef idx="1">
+            <a:schemeClr val="accent1"/>
+          </a:fillRef>
+          <a:effectRef idx="0">
+            <a:schemeClr val="accent1"/>
+          </a:effectRef>
+          <a:fontRef idx="minor">
+            <a:schemeClr val="lt1"/>
+          </a:fontRef>
+        </p:style>
+        <p:txBody>
+          <a:bodyPr rtlCol="0" anchor="ctr"/>
+          <a:p>
+            <a:pPr algn="ctr"/>
+            <a:endParaRPr lang="en-US"/>
+          </a:p>
+        </p:txBody>
+      </p:sp>
+      <p:graphicFrame>
+        <p:nvGraphicFramePr>
+          <p:cNvPr id="12" name="Table 11"/>
+          <p:cNvGraphicFramePr/>
+          <p:nvPr/>
+        </p:nvGraphicFramePr>
+        <p:xfrm>
+          <a:off x="8716645" y="3501390"/>
+          <a:ext cx="1866900" cy="1882140"/>
+        </p:xfrm>
+        <a:graphic>
+          <a:graphicData uri="http://schemas.openxmlformats.org/drawingml/2006/table">
+            <a:tbl>
+              <a:tblPr firstRow="1" bandRow="1">
+                <a:tableStyleId>{5C22544A-7EE6-4342-B048-85BDC9FD1C3A}</a:tableStyleId>
+              </a:tblPr>
+              <a:tblGrid>
+                <a:gridCol w="1866900"/>
+              </a:tblGrid>
+              <a:tr h="313690">
+                <a:tc>
+                  <a:txBody>
+                    <a:bodyPr/>
+                    <a:p>
+                      <a:pPr algn="ctr">
+                        <a:buNone/>
+                      </a:pPr>
+                      <a:r>
+                        <a:rPr lang="en-US" sz="1400" b="0"/>
+                        <a:t>CA_CHIEU</a:t>
+                      </a:r>
+                      <a:endParaRPr lang="en-US" sz="1400" b="0"/>
+                    </a:p>
+                  </a:txBody>
+                  <a:tcPr/>
+                </a:tc>
+              </a:tr>
+              <a:tr h="313690">
+                <a:tc>
+                  <a:txBody>
+                    <a:bodyPr/>
+                    <a:p>
+                      <a:pPr algn="ctr">
+                        <a:buNone/>
+                      </a:pPr>
+                      <a:r>
+                        <a:rPr lang="en-US" sz="1400"/>
+                        <a:t>Ma_ca_chieu</a:t>
+                      </a:r>
+                      <a:endParaRPr lang="en-US" sz="1400"/>
+                    </a:p>
+                  </a:txBody>
+                  <a:tcPr/>
+                </a:tc>
+              </a:tr>
+              <a:tr h="313690">
+                <a:tc>
+                  <a:txBody>
+                    <a:bodyPr/>
+                    <a:p>
+                      <a:pPr algn="ctr">
+                        <a:buNone/>
+                      </a:pPr>
+                      <a:r>
+                        <a:rPr lang="en-US" sz="1400"/>
+                        <a:t>Ten_phim, Mo_ta, ...</a:t>
+                      </a:r>
+                      <a:endParaRPr lang="en-US" sz="1400"/>
+                    </a:p>
+                  </a:txBody>
+                  <a:tcPr/>
+                </a:tc>
+              </a:tr>
+            </a:tbl>
+          </a:graphicData>
+        </a:graphic>
+      </p:graphicFrame>
+      <p:cxnSp>
+        <p:nvCxnSpPr>
+          <p:cNvPr id="13" name="Straight Connector 12"/>
+          <p:cNvCxnSpPr>
+            <a:stCxn id="12" idx="1"/>
+          </p:cNvCxnSpPr>
+          <p:nvPr/>
+        </p:nvCxnSpPr>
+        <p:spPr>
+          <a:xfrm flipH="1" flipV="1">
+            <a:off x="6673850" y="3474085"/>
+            <a:ext cx="2042795" cy="497840"/>
+          </a:xfrm>
+          <a:prstGeom prst="line">
+            <a:avLst/>
+          </a:prstGeom>
+        </p:spPr>
+        <p:style>
+          <a:lnRef idx="3">
+            <a:schemeClr val="accent1"/>
+          </a:lnRef>
+          <a:fillRef idx="0">
+            <a:schemeClr val="accent1"/>
+          </a:fillRef>
+          <a:effectRef idx="2">
+            <a:schemeClr val="accent1"/>
+          </a:effectRef>
+          <a:fontRef idx="minor">
+            <a:schemeClr val="tx1"/>
+          </a:fontRef>
+        </p:style>
+      </p:cxnSp>
+      <p:sp>
+        <p:nvSpPr>
+          <p:cNvPr id="14" name="7-Point Star 13"/>
+          <p:cNvSpPr/>
+          <p:nvPr/>
+        </p:nvSpPr>
+        <p:spPr>
+          <a:xfrm>
+            <a:off x="7017385" y="3400425"/>
+            <a:ext cx="201930" cy="201295"/>
+          </a:xfrm>
+          <a:prstGeom prst="star7">
+            <a:avLst/>
+          </a:prstGeom>
+        </p:spPr>
+        <p:style>
+          <a:lnRef idx="2">
+            <a:schemeClr val="accent1">
+              <a:shade val="50000"/>
+            </a:schemeClr>
+          </a:lnRef>
+          <a:fillRef idx="1">
+            <a:schemeClr val="accent1"/>
+          </a:fillRef>
+          <a:effectRef idx="0">
+            <a:schemeClr val="accent1"/>
+          </a:effectRef>
+          <a:fontRef idx="minor">
+            <a:schemeClr val="lt1"/>
+          </a:fontRef>
+        </p:style>
+        <p:txBody>
+          <a:bodyPr rtlCol="0" anchor="ctr"/>
+          <a:p>
+            <a:pPr algn="ctr"/>
+            <a:endParaRPr lang="en-US"/>
+          </a:p>
+        </p:txBody>
+      </p:sp>
+      <p:graphicFrame>
+        <p:nvGraphicFramePr>
+          <p:cNvPr id="15" name="Table 14"/>
+          <p:cNvGraphicFramePr/>
+          <p:nvPr/>
+        </p:nvGraphicFramePr>
+        <p:xfrm>
+          <a:off x="118110" y="1790065"/>
+          <a:ext cx="1866900" cy="941070"/>
+        </p:xfrm>
+        <a:graphic>
+          <a:graphicData uri="http://schemas.openxmlformats.org/drawingml/2006/table">
+            <a:tbl>
+              <a:tblPr firstRow="1" bandRow="1">
+                <a:tableStyleId>{5C22544A-7EE6-4342-B048-85BDC9FD1C3A}</a:tableStyleId>
+              </a:tblPr>
+              <a:tblGrid>
+                <a:gridCol w="1866900"/>
+              </a:tblGrid>
+              <a:tr h="313690">
+                <a:tc>
+                  <a:txBody>
+                    <a:bodyPr/>
+                    <a:p>
+                      <a:pPr algn="ctr">
+                        <a:buNone/>
+                      </a:pPr>
+                      <a:r>
+                        <a:rPr lang="en-US" sz="1400" b="0"/>
+                        <a:t>RAP</a:t>
+                      </a:r>
+                      <a:endParaRPr lang="en-US" sz="1400" b="0"/>
+                    </a:p>
+                  </a:txBody>
+                  <a:tcPr/>
+                </a:tc>
+              </a:tr>
+              <a:tr h="313690">
+                <a:tc>
+                  <a:txBody>
+                    <a:bodyPr/>
+                    <a:p>
+                      <a:pPr algn="ctr">
+                        <a:buNone/>
+                      </a:pPr>
+                      <a:r>
+                        <a:rPr lang="en-US" sz="1400"/>
+                        <a:t>Ma_rap</a:t>
+                      </a:r>
+                      <a:endParaRPr lang="en-US" sz="1400"/>
+                    </a:p>
+                  </a:txBody>
+                  <a:tcPr/>
+                </a:tc>
+              </a:tr>
+              <a:tr h="313690">
+                <a:tc>
+                  <a:txBody>
+                    <a:bodyPr/>
+                    <a:p>
+                      <a:pPr algn="ctr">
+                        <a:buNone/>
+                      </a:pPr>
+                      <a:r>
+                        <a:rPr lang="en-US" sz="1400"/>
+                        <a:t>Ten, Dia_chi ...</a:t>
+                      </a:r>
+                      <a:endParaRPr lang="en-US" sz="1400"/>
+                    </a:p>
+                  </a:txBody>
+                  <a:tcPr/>
+                </a:tc>
+              </a:tr>
+            </a:tbl>
+          </a:graphicData>
+        </a:graphic>
+      </p:graphicFrame>
+      <p:cxnSp>
+        <p:nvCxnSpPr>
+          <p:cNvPr id="16" name="Straight Connector 15"/>
+          <p:cNvCxnSpPr>
+            <a:stCxn id="9" idx="1"/>
+            <a:endCxn id="15" idx="3"/>
+          </p:cNvCxnSpPr>
+          <p:nvPr/>
+        </p:nvCxnSpPr>
+        <p:spPr>
+          <a:xfrm flipH="1" flipV="1">
+            <a:off x="1985010" y="2260600"/>
+            <a:ext cx="287020" cy="941070"/>
+          </a:xfrm>
+          <a:prstGeom prst="line">
+            <a:avLst/>
+          </a:prstGeom>
+        </p:spPr>
+        <p:style>
+          <a:lnRef idx="3">
+            <a:schemeClr val="accent1"/>
+          </a:lnRef>
+          <a:fillRef idx="0">
+            <a:schemeClr val="accent1"/>
+          </a:fillRef>
+          <a:effectRef idx="2">
+            <a:schemeClr val="accent1"/>
+          </a:effectRef>
+          <a:fontRef idx="minor">
+            <a:schemeClr val="tx1"/>
+          </a:fontRef>
+        </p:style>
+      </p:cxnSp>
+      <p:sp>
+        <p:nvSpPr>
+          <p:cNvPr id="17" name="7-Point Star 16"/>
+          <p:cNvSpPr/>
+          <p:nvPr/>
+        </p:nvSpPr>
+        <p:spPr>
+          <a:xfrm>
+            <a:off x="1985010" y="3000375"/>
+            <a:ext cx="201930" cy="201295"/>
+          </a:xfrm>
+          <a:prstGeom prst="star7">
+            <a:avLst/>
+          </a:prstGeom>
+        </p:spPr>
+        <p:style>
+          <a:lnRef idx="2">
+            <a:schemeClr val="accent1">
+              <a:shade val="50000"/>
+            </a:schemeClr>
+          </a:lnRef>
+          <a:fillRef idx="1">
+            <a:schemeClr val="accent1"/>
+          </a:fillRef>
+          <a:effectRef idx="0">
+            <a:schemeClr val="accent1"/>
+          </a:effectRef>
+          <a:fontRef idx="minor">
+            <a:schemeClr val="lt1"/>
+          </a:fontRef>
+        </p:style>
+        <p:txBody>
+          <a:bodyPr rtlCol="0" anchor="ctr"/>
+          <a:p>
+            <a:pPr algn="ctr"/>
+            <a:endParaRPr lang="en-US"/>
+          </a:p>
+        </p:txBody>
+      </p:sp>
+      <p:graphicFrame>
+        <p:nvGraphicFramePr>
+          <p:cNvPr id="18" name="Table 17"/>
+          <p:cNvGraphicFramePr/>
+          <p:nvPr/>
+        </p:nvGraphicFramePr>
+        <p:xfrm>
+          <a:off x="6693535" y="1281430"/>
+          <a:ext cx="1866900" cy="1254760"/>
+        </p:xfrm>
+        <a:graphic>
+          <a:graphicData uri="http://schemas.openxmlformats.org/drawingml/2006/table">
+            <a:tbl>
+              <a:tblPr firstRow="1" bandRow="1">
+                <a:tableStyleId>{5C22544A-7EE6-4342-B048-85BDC9FD1C3A}</a:tableStyleId>
+              </a:tblPr>
+              <a:tblGrid>
+                <a:gridCol w="1866900"/>
+              </a:tblGrid>
+              <a:tr h="313690">
+                <a:tc>
+                  <a:txBody>
+                    <a:bodyPr/>
+                    <a:p>
+                      <a:pPr algn="ctr">
+                        <a:buNone/>
+                      </a:pPr>
+                      <a:r>
+                        <a:rPr lang="en-US" sz="1400" b="0"/>
+                        <a:t>VE_BAN</a:t>
+                      </a:r>
+                      <a:endParaRPr lang="en-US" sz="1400" b="0"/>
+                    </a:p>
+                  </a:txBody>
+                  <a:tcPr/>
+                </a:tc>
+              </a:tr>
+              <a:tr h="313690">
+                <a:tc>
+                  <a:txBody>
+                    <a:bodyPr/>
+                    <a:p>
+                      <a:pPr algn="ctr">
+                        <a:buNone/>
+                      </a:pPr>
+                      <a:r>
+                        <a:rPr lang="en-US" sz="1400"/>
+                        <a:t>Ma_ve</a:t>
+                      </a:r>
+                      <a:endParaRPr lang="en-US" sz="1400"/>
+                    </a:p>
+                  </a:txBody>
+                  <a:tcPr/>
+                </a:tc>
+              </a:tr>
+              <a:tr h="313690">
+                <a:tc>
+                  <a:txBody>
+                    <a:bodyPr/>
+                    <a:p>
+                      <a:pPr algn="ctr">
+                        <a:buNone/>
+                      </a:pPr>
+                      <a:r>
+                        <a:rPr lang="en-US" sz="1400"/>
+                        <a:t>Ma_suat_chieu</a:t>
+                      </a:r>
+                      <a:endParaRPr lang="en-US" sz="1400"/>
+                    </a:p>
+                  </a:txBody>
+                  <a:tcPr/>
+                </a:tc>
+              </a:tr>
+              <a:tr h="313690">
+                <a:tc>
+                  <a:txBody>
+                    <a:bodyPr/>
+                    <a:p>
+                      <a:pPr algn="ctr">
+                        <a:buNone/>
+                      </a:pPr>
+                      <a:r>
+                        <a:rPr lang="en-US" sz="1400"/>
+                        <a:t>Ngay_mua, TG_mua</a:t>
+                      </a:r>
+                      <a:endParaRPr lang="en-US" sz="1400"/>
+                    </a:p>
+                  </a:txBody>
+                  <a:tcPr/>
+                </a:tc>
+              </a:tr>
+            </a:tbl>
+          </a:graphicData>
+        </a:graphic>
+      </p:graphicFrame>
+      <p:cxnSp>
+        <p:nvCxnSpPr>
+          <p:cNvPr id="19" name="Straight Connector 18"/>
+          <p:cNvCxnSpPr/>
+          <p:nvPr/>
+        </p:nvCxnSpPr>
+        <p:spPr>
+          <a:xfrm flipH="1">
+            <a:off x="6398260" y="2089785"/>
+            <a:ext cx="339090" cy="1192530"/>
+          </a:xfrm>
+          <a:prstGeom prst="line">
+            <a:avLst/>
+          </a:prstGeom>
+        </p:spPr>
+        <p:style>
+          <a:lnRef idx="3">
+            <a:schemeClr val="accent1"/>
+          </a:lnRef>
+          <a:fillRef idx="0">
+            <a:schemeClr val="accent1"/>
+          </a:fillRef>
+          <a:effectRef idx="2">
+            <a:schemeClr val="accent1"/>
+          </a:effectRef>
+          <a:fontRef idx="minor">
+            <a:schemeClr val="tx1"/>
+          </a:fontRef>
+        </p:style>
+      </p:cxnSp>
+      <p:sp>
+        <p:nvSpPr>
+          <p:cNvPr id="20" name="7-Point Star 19"/>
+          <p:cNvSpPr/>
+          <p:nvPr/>
+        </p:nvSpPr>
+        <p:spPr>
+          <a:xfrm>
+            <a:off x="6491605" y="3081020"/>
+            <a:ext cx="201930" cy="201295"/>
+          </a:xfrm>
+          <a:prstGeom prst="star7">
+            <a:avLst/>
+          </a:prstGeom>
+        </p:spPr>
+        <p:style>
+          <a:lnRef idx="2">
+            <a:schemeClr val="accent1">
+              <a:shade val="50000"/>
+            </a:schemeClr>
+          </a:lnRef>
+          <a:fillRef idx="1">
+            <a:schemeClr val="accent1"/>
+          </a:fillRef>
+          <a:effectRef idx="0">
+            <a:schemeClr val="accent1"/>
+          </a:effectRef>
+          <a:fontRef idx="minor">
+            <a:schemeClr val="lt1"/>
+          </a:fontRef>
+        </p:style>
+        <p:txBody>
+          <a:bodyPr rtlCol="0" anchor="ctr"/>
+          <a:p>
+            <a:pPr algn="ctr"/>
+            <a:endParaRPr lang="en-US"/>
+          </a:p>
+        </p:txBody>
+      </p:sp>
+      <p:graphicFrame>
+        <p:nvGraphicFramePr>
+          <p:cNvPr id="21" name="Table 20"/>
+          <p:cNvGraphicFramePr/>
+          <p:nvPr/>
+        </p:nvGraphicFramePr>
+        <p:xfrm>
+          <a:off x="9578975" y="1281430"/>
+          <a:ext cx="1866900" cy="941070"/>
+        </p:xfrm>
+        <a:graphic>
+          <a:graphicData uri="http://schemas.openxmlformats.org/drawingml/2006/table">
+            <a:tbl>
+              <a:tblPr firstRow="1" bandRow="1">
+                <a:tableStyleId>{5C22544A-7EE6-4342-B048-85BDC9FD1C3A}</a:tableStyleId>
+              </a:tblPr>
+              <a:tblGrid>
+                <a:gridCol w="1866900"/>
+              </a:tblGrid>
+              <a:tr h="313690">
+                <a:tc>
+                  <a:txBody>
+                    <a:bodyPr/>
+                    <a:p>
+                      <a:pPr algn="ctr">
+                        <a:buNone/>
+                      </a:pPr>
+                      <a:r>
+                        <a:rPr lang="en-US" sz="1400" b="0"/>
+                        <a:t>NV_BAN_VE</a:t>
+                      </a:r>
+                      <a:endParaRPr lang="en-US" sz="1400" b="0"/>
+                    </a:p>
+                  </a:txBody>
+                  <a:tcPr/>
+                </a:tc>
+              </a:tr>
+              <a:tr h="313690">
+                <a:tc>
+                  <a:txBody>
+                    <a:bodyPr/>
+                    <a:p>
+                      <a:pPr algn="ctr">
+                        <a:buNone/>
+                      </a:pPr>
+                      <a:r>
+                        <a:rPr lang="en-US" sz="1400"/>
+                        <a:t>Ma_NV</a:t>
+                      </a:r>
+                      <a:endParaRPr lang="en-US" sz="1400"/>
+                    </a:p>
+                  </a:txBody>
+                  <a:tcPr/>
+                </a:tc>
+              </a:tr>
+              <a:tr h="313690">
+                <a:tc>
+                  <a:txBody>
+                    <a:bodyPr/>
+                    <a:p>
+                      <a:pPr algn="ctr">
+                        <a:buNone/>
+                      </a:pPr>
+                      <a:r>
+                        <a:rPr lang="en-US" sz="1400"/>
+                        <a:t>Ho_ten</a:t>
+                      </a:r>
+                      <a:endParaRPr lang="en-US" sz="1400"/>
+                    </a:p>
+                  </a:txBody>
+                  <a:tcPr/>
+                </a:tc>
+              </a:tr>
+            </a:tbl>
+          </a:graphicData>
+        </a:graphic>
+      </p:graphicFrame>
+      <p:cxnSp>
+        <p:nvCxnSpPr>
+          <p:cNvPr id="22" name="Straight Connector 21"/>
+          <p:cNvCxnSpPr/>
+          <p:nvPr/>
+        </p:nvCxnSpPr>
+        <p:spPr>
+          <a:xfrm flipH="1">
+            <a:off x="8452485" y="1790065"/>
+            <a:ext cx="1117600" cy="0"/>
+          </a:xfrm>
+          <a:prstGeom prst="line">
+            <a:avLst/>
+          </a:prstGeom>
+        </p:spPr>
+        <p:style>
+          <a:lnRef idx="3">
+            <a:schemeClr val="accent1"/>
+          </a:lnRef>
+          <a:fillRef idx="0">
+            <a:schemeClr val="accent1"/>
+          </a:fillRef>
+          <a:effectRef idx="2">
+            <a:schemeClr val="accent1"/>
+          </a:effectRef>
+          <a:fontRef idx="minor">
+            <a:schemeClr val="tx1"/>
+          </a:fontRef>
+        </p:style>
+      </p:cxnSp>
+      <p:sp>
+        <p:nvSpPr>
+          <p:cNvPr id="23" name="7-Point Star 22"/>
+          <p:cNvSpPr/>
+          <p:nvPr/>
+        </p:nvSpPr>
+        <p:spPr>
+          <a:xfrm>
+            <a:off x="8716645" y="1430655"/>
+            <a:ext cx="201930" cy="201295"/>
+          </a:xfrm>
+          <a:prstGeom prst="star7">
+            <a:avLst/>
+          </a:prstGeom>
+        </p:spPr>
+        <p:style>
+          <a:lnRef idx="2">
+            <a:schemeClr val="accent1">
+              <a:shade val="50000"/>
+            </a:schemeClr>
+          </a:lnRef>
+          <a:fillRef idx="1">
+            <a:schemeClr val="accent1"/>
+          </a:fillRef>
+          <a:effectRef idx="0">
+            <a:schemeClr val="accent1"/>
+          </a:effectRef>
+          <a:fontRef idx="minor">
+            <a:schemeClr val="lt1"/>
+          </a:fontRef>
+        </p:style>
+        <p:txBody>
+          <a:bodyPr rtlCol="0" anchor="ctr"/>
+          <a:p>
+            <a:pPr algn="ctr"/>
+            <a:endParaRPr lang="en-US"/>
+          </a:p>
+        </p:txBody>
+      </p:sp>
+    </p:spTree>
   </p:cSld>
   <p:clrMapOvr>
     <a:masterClrMapping/>
@@ -3427,7 +8509,7 @@
     </a:clrScheme>
     <a:fontScheme name="Office">
       <a:majorFont>
-        <a:latin typeface="Calibri Light" panose="020F0302020204030204"/>
+        <a:latin typeface="Calibri Light"/>
         <a:ea typeface=""/>
         <a:cs typeface=""/>
         <a:font script="Jpan" typeface="游ゴシック Light"/>
@@ -3460,26 +8542,9 @@
         <a:font script="Viet" typeface="Times New Roman"/>
         <a:font script="Uigh" typeface="Microsoft Uighur"/>
         <a:font script="Geor" typeface="Sylfaen"/>
-        <a:font script="Armn" typeface="Arial"/>
-        <a:font script="Bugi" typeface="Leelawadee UI"/>
-        <a:font script="Bopo" typeface="Microsoft JhengHei"/>
-        <a:font script="Java" typeface="Javanese Text"/>
-        <a:font script="Lisu" typeface="Segoe UI"/>
-        <a:font script="Mymr" typeface="Myanmar Text"/>
-        <a:font script="Nkoo" typeface="Ebrima"/>
-        <a:font script="Olck" typeface="Nirmala UI"/>
-        <a:font script="Osma" typeface="Ebrima"/>
-        <a:font script="Phag" typeface="Phagspa"/>
-        <a:font script="Syrn" typeface="Estrangelo Edessa"/>
-        <a:font script="Syrj" typeface="Estrangelo Edessa"/>
-        <a:font script="Syre" typeface="Estrangelo Edessa"/>
-        <a:font script="Sora" typeface="Nirmala UI"/>
-        <a:font script="Tale" typeface="Microsoft Tai Le"/>
-        <a:font script="Talu" typeface="Microsoft New Tai Lue"/>
-        <a:font script="Tfng" typeface="Ebrima"/>
       </a:majorFont>
       <a:minorFont>
-        <a:latin typeface="Calibri" panose="020F0502020204030204"/>
+        <a:latin typeface="Calibri"/>
         <a:ea typeface=""/>
         <a:cs typeface=""/>
         <a:font script="Jpan" typeface="游ゴシック"/>
@@ -3512,23 +8577,6 @@
         <a:font script="Viet" typeface="Arial"/>
         <a:font script="Uigh" typeface="Microsoft Uighur"/>
         <a:font script="Geor" typeface="Sylfaen"/>
-        <a:font script="Armn" typeface="Arial"/>
-        <a:font script="Bugi" typeface="Leelawadee UI"/>
-        <a:font script="Bopo" typeface="Microsoft JhengHei"/>
-        <a:font script="Java" typeface="Javanese Text"/>
-        <a:font script="Lisu" typeface="Segoe UI"/>
-        <a:font script="Mymr" typeface="Myanmar Text"/>
-        <a:font script="Nkoo" typeface="Ebrima"/>
-        <a:font script="Olck" typeface="Nirmala UI"/>
-        <a:font script="Osma" typeface="Ebrima"/>
-        <a:font script="Phag" typeface="Phagspa"/>
-        <a:font script="Syrn" typeface="Estrangelo Edessa"/>
-        <a:font script="Syrj" typeface="Estrangelo Edessa"/>
-        <a:font script="Syre" typeface="Estrangelo Edessa"/>
-        <a:font script="Sora" typeface="Nirmala UI"/>
-        <a:font script="Tale" typeface="Microsoft Tai Le"/>
-        <a:font script="Talu" typeface="Microsoft New Tai Lue"/>
-        <a:font script="Tfng" typeface="Ebrima"/>
       </a:minorFont>
     </a:fontScheme>
     <a:fmtScheme name="Office">
@@ -3669,8 +8717,265 @@
       </a:bgFillStyleLst>
     </a:fmtScheme>
   </a:themeElements>
-  <a:objectDefaults/>
-  <a:extraClrSchemeLst/>
+  <a:extLst>
+    <a:ext uri="{05A4C25C-085E-4340-85A3-A5531E510DB2}">
+      <thm15:themeFamily xmlns:thm15="http://schemas.microsoft.com/office/thememl/2012/main" name="Office Theme" id="{62F939B6-93AF-4DB8-9C6B-D6C7DFDC589F}" vid="{4A3C46E8-61CC-4603-A589-7422A47A8E4A}"/>
+    </a:ext>
+  </a:extLst>
+</a:theme>
+</file>
+
+<file path=ppt/theme/theme2.xml><?xml version="1.0" encoding="utf-8"?>
+<a:theme xmlns:a="http://schemas.openxmlformats.org/drawingml/2006/main" name="1_Office Theme">
+  <a:themeElements>
+    <a:clrScheme name="Office">
+      <a:dk1>
+        <a:sysClr val="windowText" lastClr="000000"/>
+      </a:dk1>
+      <a:lt1>
+        <a:sysClr val="window" lastClr="FFFFFF"/>
+      </a:lt1>
+      <a:dk2>
+        <a:srgbClr val="44546A"/>
+      </a:dk2>
+      <a:lt2>
+        <a:srgbClr val="E7E6E6"/>
+      </a:lt2>
+      <a:accent1>
+        <a:srgbClr val="4472C4"/>
+      </a:accent1>
+      <a:accent2>
+        <a:srgbClr val="ED7D31"/>
+      </a:accent2>
+      <a:accent3>
+        <a:srgbClr val="A5A5A5"/>
+      </a:accent3>
+      <a:accent4>
+        <a:srgbClr val="FFC000"/>
+      </a:accent4>
+      <a:accent5>
+        <a:srgbClr val="5B9BD5"/>
+      </a:accent5>
+      <a:accent6>
+        <a:srgbClr val="70AD47"/>
+      </a:accent6>
+      <a:hlink>
+        <a:srgbClr val="0563C1"/>
+      </a:hlink>
+      <a:folHlink>
+        <a:srgbClr val="954F72"/>
+      </a:folHlink>
+    </a:clrScheme>
+    <a:fontScheme name="Office">
+      <a:majorFont>
+        <a:latin typeface="Calibri Light"/>
+        <a:ea typeface=""/>
+        <a:cs typeface=""/>
+        <a:font script="Jpan" typeface="游ゴシック Light"/>
+        <a:font script="Hang" typeface="맑은 고딕"/>
+        <a:font script="Hans" typeface="等线 Light"/>
+        <a:font script="Hant" typeface="新細明體"/>
+        <a:font script="Arab" typeface="Times New Roman"/>
+        <a:font script="Hebr" typeface="Times New Roman"/>
+        <a:font script="Thai" typeface="Angsana New"/>
+        <a:font script="Ethi" typeface="Nyala"/>
+        <a:font script="Beng" typeface="Vrinda"/>
+        <a:font script="Gujr" typeface="Shruti"/>
+        <a:font script="Khmr" typeface="MoolBoran"/>
+        <a:font script="Knda" typeface="Tunga"/>
+        <a:font script="Guru" typeface="Raavi"/>
+        <a:font script="Cans" typeface="Euphemia"/>
+        <a:font script="Cher" typeface="Plantagenet Cherokee"/>
+        <a:font script="Yiii" typeface="Microsoft Yi Baiti"/>
+        <a:font script="Tibt" typeface="Microsoft Himalaya"/>
+        <a:font script="Thaa" typeface="MV Boli"/>
+        <a:font script="Deva" typeface="Mangal"/>
+        <a:font script="Telu" typeface="Gautami"/>
+        <a:font script="Taml" typeface="Latha"/>
+        <a:font script="Syrc" typeface="Estrangelo Edessa"/>
+        <a:font script="Orya" typeface="Kalinga"/>
+        <a:font script="Mlym" typeface="Kartika"/>
+        <a:font script="Laoo" typeface="DokChampa"/>
+        <a:font script="Sinh" typeface="Iskoola Pota"/>
+        <a:font script="Mong" typeface="Mongolian Baiti"/>
+        <a:font script="Viet" typeface="Times New Roman"/>
+        <a:font script="Uigh" typeface="Microsoft Uighur"/>
+        <a:font script="Geor" typeface="Sylfaen"/>
+      </a:majorFont>
+      <a:minorFont>
+        <a:latin typeface="Calibri"/>
+        <a:ea typeface=""/>
+        <a:cs typeface=""/>
+        <a:font script="Jpan" typeface="游ゴシック"/>
+        <a:font script="Hang" typeface="맑은 고딕"/>
+        <a:font script="Hans" typeface="等线"/>
+        <a:font script="Hant" typeface="新細明體"/>
+        <a:font script="Arab" typeface="Arial"/>
+        <a:font script="Hebr" typeface="Arial"/>
+        <a:font script="Thai" typeface="Cordia New"/>
+        <a:font script="Ethi" typeface="Nyala"/>
+        <a:font script="Beng" typeface="Vrinda"/>
+        <a:font script="Gujr" typeface="Shruti"/>
+        <a:font script="Khmr" typeface="DaunPenh"/>
+        <a:font script="Knda" typeface="Tunga"/>
+        <a:font script="Guru" typeface="Raavi"/>
+        <a:font script="Cans" typeface="Euphemia"/>
+        <a:font script="Cher" typeface="Plantagenet Cherokee"/>
+        <a:font script="Yiii" typeface="Microsoft Yi Baiti"/>
+        <a:font script="Tibt" typeface="Microsoft Himalaya"/>
+        <a:font script="Thaa" typeface="MV Boli"/>
+        <a:font script="Deva" typeface="Mangal"/>
+        <a:font script="Telu" typeface="Gautami"/>
+        <a:font script="Taml" typeface="Latha"/>
+        <a:font script="Syrc" typeface="Estrangelo Edessa"/>
+        <a:font script="Orya" typeface="Kalinga"/>
+        <a:font script="Mlym" typeface="Kartika"/>
+        <a:font script="Laoo" typeface="DokChampa"/>
+        <a:font script="Sinh" typeface="Iskoola Pota"/>
+        <a:font script="Mong" typeface="Mongolian Baiti"/>
+        <a:font script="Viet" typeface="Arial"/>
+        <a:font script="Uigh" typeface="Microsoft Uighur"/>
+        <a:font script="Geor" typeface="Sylfaen"/>
+      </a:minorFont>
+    </a:fontScheme>
+    <a:fmtScheme name="Office">
+      <a:fillStyleLst>
+        <a:solidFill>
+          <a:schemeClr val="phClr"/>
+        </a:solidFill>
+        <a:gradFill rotWithShape="1">
+          <a:gsLst>
+            <a:gs pos="0">
+              <a:schemeClr val="phClr">
+                <a:lumMod val="110000"/>
+                <a:satMod val="105000"/>
+                <a:tint val="67000"/>
+              </a:schemeClr>
+            </a:gs>
+            <a:gs pos="50000">
+              <a:schemeClr val="phClr">
+                <a:lumMod val="105000"/>
+                <a:satMod val="103000"/>
+                <a:tint val="73000"/>
+              </a:schemeClr>
+            </a:gs>
+            <a:gs pos="100000">
+              <a:schemeClr val="phClr">
+                <a:lumMod val="105000"/>
+                <a:satMod val="109000"/>
+                <a:tint val="81000"/>
+              </a:schemeClr>
+            </a:gs>
+          </a:gsLst>
+          <a:lin ang="5400000" scaled="0"/>
+        </a:gradFill>
+        <a:gradFill rotWithShape="1">
+          <a:gsLst>
+            <a:gs pos="0">
+              <a:schemeClr val="phClr">
+                <a:satMod val="103000"/>
+                <a:lumMod val="102000"/>
+                <a:tint val="94000"/>
+              </a:schemeClr>
+            </a:gs>
+            <a:gs pos="50000">
+              <a:schemeClr val="phClr">
+                <a:satMod val="110000"/>
+                <a:lumMod val="100000"/>
+                <a:shade val="100000"/>
+              </a:schemeClr>
+            </a:gs>
+            <a:gs pos="100000">
+              <a:schemeClr val="phClr">
+                <a:lumMod val="99000"/>
+                <a:satMod val="120000"/>
+                <a:shade val="78000"/>
+              </a:schemeClr>
+            </a:gs>
+          </a:gsLst>
+          <a:lin ang="5400000" scaled="0"/>
+        </a:gradFill>
+      </a:fillStyleLst>
+      <a:lnStyleLst>
+        <a:ln w="6350" cap="flat" cmpd="sng" algn="ctr">
+          <a:solidFill>
+            <a:schemeClr val="phClr"/>
+          </a:solidFill>
+          <a:prstDash val="solid"/>
+          <a:miter lim="800000"/>
+        </a:ln>
+        <a:ln w="12700" cap="flat" cmpd="sng" algn="ctr">
+          <a:solidFill>
+            <a:schemeClr val="phClr"/>
+          </a:solidFill>
+          <a:prstDash val="solid"/>
+          <a:miter lim="800000"/>
+        </a:ln>
+        <a:ln w="19050" cap="flat" cmpd="sng" algn="ctr">
+          <a:solidFill>
+            <a:schemeClr val="phClr"/>
+          </a:solidFill>
+          <a:prstDash val="solid"/>
+          <a:miter lim="800000"/>
+        </a:ln>
+      </a:lnStyleLst>
+      <a:effectStyleLst>
+        <a:effectStyle>
+          <a:effectLst/>
+        </a:effectStyle>
+        <a:effectStyle>
+          <a:effectLst/>
+        </a:effectStyle>
+        <a:effectStyle>
+          <a:effectLst>
+            <a:outerShdw blurRad="57150" dist="19050" dir="5400000" algn="ctr" rotWithShape="0">
+              <a:srgbClr val="000000">
+                <a:alpha val="63000"/>
+              </a:srgbClr>
+            </a:outerShdw>
+          </a:effectLst>
+        </a:effectStyle>
+      </a:effectStyleLst>
+      <a:bgFillStyleLst>
+        <a:solidFill>
+          <a:schemeClr val="phClr"/>
+        </a:solidFill>
+        <a:solidFill>
+          <a:schemeClr val="phClr">
+            <a:tint val="95000"/>
+            <a:satMod val="170000"/>
+          </a:schemeClr>
+        </a:solidFill>
+        <a:gradFill rotWithShape="1">
+          <a:gsLst>
+            <a:gs pos="0">
+              <a:schemeClr val="phClr">
+                <a:tint val="93000"/>
+                <a:satMod val="150000"/>
+                <a:shade val="98000"/>
+                <a:lumMod val="102000"/>
+              </a:schemeClr>
+            </a:gs>
+            <a:gs pos="50000">
+              <a:schemeClr val="phClr">
+                <a:tint val="98000"/>
+                <a:satMod val="130000"/>
+                <a:shade val="90000"/>
+                <a:lumMod val="103000"/>
+              </a:schemeClr>
+            </a:gs>
+            <a:gs pos="100000">
+              <a:schemeClr val="phClr">
+                <a:shade val="63000"/>
+                <a:satMod val="120000"/>
+              </a:schemeClr>
+            </a:gs>
+          </a:gsLst>
+          <a:lin ang="5400000" scaled="0"/>
+        </a:gradFill>
+      </a:bgFillStyleLst>
+    </a:fmtScheme>
+  </a:themeElements>
   <a:extLst>
     <a:ext uri="{05A4C25C-085E-4340-85A3-A5531E510DB2}">
       <thm15:themeFamily xmlns:thm15="http://schemas.microsoft.com/office/thememl/2012/main" name="Office Theme" id="{62F939B6-93AF-4DB8-9C6B-D6C7DFDC589F}" vid="{4A3C46E8-61CC-4603-A589-7422A47A8E4A}"/>
